--- a/other/Sample PPT (Phase-I) CS.pptx
+++ b/other/Sample PPT (Phase-I) CS.pptx
@@ -5,13 +5,26 @@
     <p:sldMasterId id="2147483660" r:id="rId1"/>
   </p:sldMasterIdLst>
   <p:notesMasterIdLst>
-    <p:notesMasterId r:id="rId4"/>
+    <p:notesMasterId r:id="rId17"/>
   </p:notesMasterIdLst>
   <p:sldIdLst>
     <p:sldId id="256" r:id="rId2"/>
     <p:sldId id="257" r:id="rId3"/>
+    <p:sldId id="258" r:id="rId4"/>
+    <p:sldId id="259" r:id="rId5"/>
+    <p:sldId id="263" r:id="rId6"/>
+    <p:sldId id="264" r:id="rId7"/>
+    <p:sldId id="265" r:id="rId8"/>
+    <p:sldId id="266" r:id="rId9"/>
+    <p:sldId id="267" r:id="rId10"/>
+    <p:sldId id="268" r:id="rId11"/>
+    <p:sldId id="269" r:id="rId12"/>
+    <p:sldId id="270" r:id="rId13"/>
+    <p:sldId id="271" r:id="rId14"/>
+    <p:sldId id="272" r:id="rId15"/>
+    <p:sldId id="273" r:id="rId16"/>
   </p:sldIdLst>
-  <p:sldSz cx="9144000" cy="6858000" type="screen4x3"/>
+  <p:sldSz cx="12192000" cy="6858000"/>
   <p:notesSz cx="6858000" cy="9144000"/>
   <p:defaultTextStyle>
     <a:defPPr>
@@ -111,12 +124,12 @@
   <p:extLst>
     <p:ext uri="{EFAFB233-063F-42B5-8137-9DF3F51BA10A}">
       <p15:sldGuideLst xmlns:p15="http://schemas.microsoft.com/office/powerpoint/2012/main">
-        <p15:guide id="1" orient="horz" pos="2160">
+        <p15:guide id="1" orient="horz" pos="2160" userDrawn="1">
           <p15:clr>
             <a:srgbClr val="A4A3A4"/>
           </p15:clr>
         </p15:guide>
-        <p15:guide id="2" pos="2880">
+        <p15:guide id="2" pos="3840" userDrawn="1">
           <p15:clr>
             <a:srgbClr val="A4A3A4"/>
           </p15:clr>
@@ -210,7 +223,7 @@
             <a:fld id="{2B7CD8C2-ED11-4C5D-BFB1-2B23E3BBFC8B}" type="datetimeFigureOut">
               <a:rPr lang="en-IN" smtClean="0"/>
               <a:pPr/>
-              <a:t>30-07-2024</a:t>
+              <a:t>07-08-2024</a:t>
             </a:fld>
             <a:endParaRPr lang="en-IN"/>
           </a:p>
@@ -228,8 +241,8 @@
         </p:nvSpPr>
         <p:spPr>
           <a:xfrm>
-            <a:off x="1143000" y="685800"/>
-            <a:ext cx="4572000" cy="3429000"/>
+            <a:off x="381000" y="685800"/>
+            <a:ext cx="6096000" cy="3429000"/>
           </a:xfrm>
           <a:prstGeom prst="rect">
             <a:avLst/>
@@ -276,35 +289,35 @@
           <a:p>
             <a:pPr lvl="0"/>
             <a:r>
-              <a:rPr lang="en-US" smtClean="0"/>
+              <a:rPr lang="en-US"/>
               <a:t>Click to edit Master text styles</a:t>
             </a:r>
           </a:p>
           <a:p>
             <a:pPr lvl="1"/>
             <a:r>
-              <a:rPr lang="en-US" smtClean="0"/>
+              <a:rPr lang="en-US"/>
               <a:t>Second level</a:t>
             </a:r>
           </a:p>
           <a:p>
             <a:pPr lvl="2"/>
             <a:r>
-              <a:rPr lang="en-US" smtClean="0"/>
+              <a:rPr lang="en-US"/>
               <a:t>Third level</a:t>
             </a:r>
           </a:p>
           <a:p>
             <a:pPr lvl="3"/>
             <a:r>
-              <a:rPr lang="en-US" smtClean="0"/>
+              <a:rPr lang="en-US"/>
               <a:t>Fourth level</a:t>
             </a:r>
           </a:p>
           <a:p>
             <a:pPr lvl="4"/>
             <a:r>
-              <a:rPr lang="en-US" smtClean="0"/>
+              <a:rPr lang="en-US"/>
               <a:t>Fifth level</a:t>
             </a:r>
             <a:endParaRPr lang="en-IN"/>
@@ -505,8 +518,8 @@
         </p:nvSpPr>
         <p:spPr>
           <a:xfrm>
-            <a:off x="685800" y="2130425"/>
-            <a:ext cx="7772400" cy="1470025"/>
+            <a:off x="914400" y="2130426"/>
+            <a:ext cx="10363200" cy="1470025"/>
           </a:xfrm>
         </p:spPr>
         <p:txBody>
@@ -514,7 +527,7 @@
           <a:lstStyle/>
           <a:p>
             <a:r>
-              <a:rPr lang="en-US" smtClean="0"/>
+              <a:rPr lang="en-US"/>
               <a:t>Click to edit Master title style</a:t>
             </a:r>
             <a:endParaRPr lang="en-IN"/>
@@ -533,8 +546,8 @@
         </p:nvSpPr>
         <p:spPr>
           <a:xfrm>
-            <a:off x="1371600" y="3886200"/>
-            <a:ext cx="6400800" cy="1752600"/>
+            <a:off x="1828800" y="3886200"/>
+            <a:ext cx="8534400" cy="1752600"/>
           </a:xfrm>
         </p:spPr>
         <p:txBody>
@@ -633,7 +646,7 @@
           </a:lstStyle>
           <a:p>
             <a:r>
-              <a:rPr lang="en-US" smtClean="0"/>
+              <a:rPr lang="en-US"/>
               <a:t>Click to edit Master subtitle style</a:t>
             </a:r>
             <a:endParaRPr lang="en-IN"/>
@@ -658,7 +671,7 @@
             <a:fld id="{8BEA20EA-0349-4705-BCA1-FD6E25D488B5}" type="datetime1">
               <a:rPr lang="en-US" smtClean="0"/>
               <a:pPr/>
-              <a:t>7/30/2024</a:t>
+              <a:t>8/7/2024</a:t>
             </a:fld>
             <a:endParaRPr lang="en-US"/>
           </a:p>
@@ -748,7 +761,7 @@
           <a:lstStyle/>
           <a:p>
             <a:r>
-              <a:rPr lang="en-US" smtClean="0"/>
+              <a:rPr lang="en-US"/>
               <a:t>Click to edit Master title style</a:t>
             </a:r>
             <a:endParaRPr lang="en-IN"/>
@@ -772,35 +785,35 @@
           <a:p>
             <a:pPr lvl="0"/>
             <a:r>
-              <a:rPr lang="en-US" smtClean="0"/>
+              <a:rPr lang="en-US"/>
               <a:t>Click to edit Master text styles</a:t>
             </a:r>
           </a:p>
           <a:p>
             <a:pPr lvl="1"/>
             <a:r>
-              <a:rPr lang="en-US" smtClean="0"/>
+              <a:rPr lang="en-US"/>
               <a:t>Second level</a:t>
             </a:r>
           </a:p>
           <a:p>
             <a:pPr lvl="2"/>
             <a:r>
-              <a:rPr lang="en-US" smtClean="0"/>
+              <a:rPr lang="en-US"/>
               <a:t>Third level</a:t>
             </a:r>
           </a:p>
           <a:p>
             <a:pPr lvl="3"/>
             <a:r>
-              <a:rPr lang="en-US" smtClean="0"/>
+              <a:rPr lang="en-US"/>
               <a:t>Fourth level</a:t>
             </a:r>
           </a:p>
           <a:p>
             <a:pPr lvl="4"/>
             <a:r>
-              <a:rPr lang="en-US" smtClean="0"/>
+              <a:rPr lang="en-US"/>
               <a:t>Fifth level</a:t>
             </a:r>
             <a:endParaRPr lang="en-IN"/>
@@ -825,7 +838,7 @@
             <a:fld id="{A1904A80-5AB2-42BC-8BEE-7DD0D76C722C}" type="datetime1">
               <a:rPr lang="en-US" smtClean="0"/>
               <a:pPr/>
-              <a:t>7/30/2024</a:t>
+              <a:t>8/7/2024</a:t>
             </a:fld>
             <a:endParaRPr lang="en-US"/>
           </a:p>
@@ -911,8 +924,8 @@
         </p:nvSpPr>
         <p:spPr>
           <a:xfrm>
-            <a:off x="6629400" y="274638"/>
-            <a:ext cx="2057400" cy="5851525"/>
+            <a:off x="8839200" y="274639"/>
+            <a:ext cx="2743200" cy="5851525"/>
           </a:xfrm>
         </p:spPr>
         <p:txBody>
@@ -920,7 +933,7 @@
           <a:lstStyle/>
           <a:p>
             <a:r>
-              <a:rPr lang="en-US" smtClean="0"/>
+              <a:rPr lang="en-US"/>
               <a:t>Click to edit Master title style</a:t>
             </a:r>
             <a:endParaRPr lang="en-IN"/>
@@ -939,8 +952,8 @@
         </p:nvSpPr>
         <p:spPr>
           <a:xfrm>
-            <a:off x="457200" y="274638"/>
-            <a:ext cx="6019800" cy="5851525"/>
+            <a:off x="609600" y="274639"/>
+            <a:ext cx="8026400" cy="5851525"/>
           </a:xfrm>
         </p:spPr>
         <p:txBody>
@@ -949,35 +962,35 @@
           <a:p>
             <a:pPr lvl="0"/>
             <a:r>
-              <a:rPr lang="en-US" smtClean="0"/>
+              <a:rPr lang="en-US"/>
               <a:t>Click to edit Master text styles</a:t>
             </a:r>
           </a:p>
           <a:p>
             <a:pPr lvl="1"/>
             <a:r>
-              <a:rPr lang="en-US" smtClean="0"/>
+              <a:rPr lang="en-US"/>
               <a:t>Second level</a:t>
             </a:r>
           </a:p>
           <a:p>
             <a:pPr lvl="2"/>
             <a:r>
-              <a:rPr lang="en-US" smtClean="0"/>
+              <a:rPr lang="en-US"/>
               <a:t>Third level</a:t>
             </a:r>
           </a:p>
           <a:p>
             <a:pPr lvl="3"/>
             <a:r>
-              <a:rPr lang="en-US" smtClean="0"/>
+              <a:rPr lang="en-US"/>
               <a:t>Fourth level</a:t>
             </a:r>
           </a:p>
           <a:p>
             <a:pPr lvl="4"/>
             <a:r>
-              <a:rPr lang="en-US" smtClean="0"/>
+              <a:rPr lang="en-US"/>
               <a:t>Fifth level</a:t>
             </a:r>
             <a:endParaRPr lang="en-IN"/>
@@ -1002,7 +1015,7 @@
             <a:fld id="{5C9A9B33-76AE-4D19-9682-D146607365AE}" type="datetime1">
               <a:rPr lang="en-US" smtClean="0"/>
               <a:pPr/>
-              <a:t>7/30/2024</a:t>
+              <a:t>8/7/2024</a:t>
             </a:fld>
             <a:endParaRPr lang="en-US"/>
           </a:p>
@@ -1092,7 +1105,7 @@
           <a:lstStyle/>
           <a:p>
             <a:r>
-              <a:rPr lang="en-US" smtClean="0"/>
+              <a:rPr lang="en-US"/>
               <a:t>Click to edit Master title style</a:t>
             </a:r>
             <a:endParaRPr lang="en-IN"/>
@@ -1116,35 +1129,35 @@
           <a:p>
             <a:pPr lvl="0"/>
             <a:r>
-              <a:rPr lang="en-US" smtClean="0"/>
+              <a:rPr lang="en-US"/>
               <a:t>Click to edit Master text styles</a:t>
             </a:r>
           </a:p>
           <a:p>
             <a:pPr lvl="1"/>
             <a:r>
-              <a:rPr lang="en-US" smtClean="0"/>
+              <a:rPr lang="en-US"/>
               <a:t>Second level</a:t>
             </a:r>
           </a:p>
           <a:p>
             <a:pPr lvl="2"/>
             <a:r>
-              <a:rPr lang="en-US" smtClean="0"/>
+              <a:rPr lang="en-US"/>
               <a:t>Third level</a:t>
             </a:r>
           </a:p>
           <a:p>
             <a:pPr lvl="3"/>
             <a:r>
-              <a:rPr lang="en-US" smtClean="0"/>
+              <a:rPr lang="en-US"/>
               <a:t>Fourth level</a:t>
             </a:r>
           </a:p>
           <a:p>
             <a:pPr lvl="4"/>
             <a:r>
-              <a:rPr lang="en-US" smtClean="0"/>
+              <a:rPr lang="en-US"/>
               <a:t>Fifth level</a:t>
             </a:r>
             <a:endParaRPr lang="en-IN"/>
@@ -1169,7 +1182,7 @@
             <a:fld id="{C7C1D501-53D3-41AA-AB0F-EC7FAC1EB820}" type="datetime1">
               <a:rPr lang="en-US" smtClean="0"/>
               <a:pPr/>
-              <a:t>7/30/2024</a:t>
+              <a:t>8/7/2024</a:t>
             </a:fld>
             <a:endParaRPr lang="en-US"/>
           </a:p>
@@ -1255,8 +1268,8 @@
         </p:nvSpPr>
         <p:spPr>
           <a:xfrm>
-            <a:off x="722313" y="4406900"/>
-            <a:ext cx="7772400" cy="1362075"/>
+            <a:off x="963084" y="4406901"/>
+            <a:ext cx="10363200" cy="1362075"/>
           </a:xfrm>
         </p:spPr>
         <p:txBody>
@@ -1268,7 +1281,7 @@
           </a:lstStyle>
           <a:p>
             <a:r>
-              <a:rPr lang="en-US" smtClean="0"/>
+              <a:rPr lang="en-US"/>
               <a:t>Click to edit Master title style</a:t>
             </a:r>
             <a:endParaRPr lang="en-IN"/>
@@ -1287,8 +1300,8 @@
         </p:nvSpPr>
         <p:spPr>
           <a:xfrm>
-            <a:off x="722313" y="2906713"/>
-            <a:ext cx="7772400" cy="1500187"/>
+            <a:off x="963084" y="2906713"/>
+            <a:ext cx="10363200" cy="1500187"/>
           </a:xfrm>
         </p:spPr>
         <p:txBody>
@@ -1388,7 +1401,7 @@
           <a:p>
             <a:pPr lvl="0"/>
             <a:r>
-              <a:rPr lang="en-US" smtClean="0"/>
+              <a:rPr lang="en-US"/>
               <a:t>Click to edit Master text styles</a:t>
             </a:r>
           </a:p>
@@ -1412,7 +1425,7 @@
             <a:fld id="{47E71C75-95A0-4782-AD5B-2C635E75B37E}" type="datetime1">
               <a:rPr lang="en-US" smtClean="0"/>
               <a:pPr/>
-              <a:t>7/30/2024</a:t>
+              <a:t>8/7/2024</a:t>
             </a:fld>
             <a:endParaRPr lang="en-US"/>
           </a:p>
@@ -1502,7 +1515,7 @@
           <a:lstStyle/>
           <a:p>
             <a:r>
-              <a:rPr lang="en-US" smtClean="0"/>
+              <a:rPr lang="en-US"/>
               <a:t>Click to edit Master title style</a:t>
             </a:r>
             <a:endParaRPr lang="en-IN"/>
@@ -1521,8 +1534,8 @@
         </p:nvSpPr>
         <p:spPr>
           <a:xfrm>
-            <a:off x="457200" y="1600200"/>
-            <a:ext cx="4038600" cy="4525963"/>
+            <a:off x="609600" y="1600201"/>
+            <a:ext cx="5384800" cy="4525963"/>
           </a:xfrm>
         </p:spPr>
         <p:txBody>
@@ -1559,35 +1572,35 @@
           <a:p>
             <a:pPr lvl="0"/>
             <a:r>
-              <a:rPr lang="en-US" smtClean="0"/>
+              <a:rPr lang="en-US"/>
               <a:t>Click to edit Master text styles</a:t>
             </a:r>
           </a:p>
           <a:p>
             <a:pPr lvl="1"/>
             <a:r>
-              <a:rPr lang="en-US" smtClean="0"/>
+              <a:rPr lang="en-US"/>
               <a:t>Second level</a:t>
             </a:r>
           </a:p>
           <a:p>
             <a:pPr lvl="2"/>
             <a:r>
-              <a:rPr lang="en-US" smtClean="0"/>
+              <a:rPr lang="en-US"/>
               <a:t>Third level</a:t>
             </a:r>
           </a:p>
           <a:p>
             <a:pPr lvl="3"/>
             <a:r>
-              <a:rPr lang="en-US" smtClean="0"/>
+              <a:rPr lang="en-US"/>
               <a:t>Fourth level</a:t>
             </a:r>
           </a:p>
           <a:p>
             <a:pPr lvl="4"/>
             <a:r>
-              <a:rPr lang="en-US" smtClean="0"/>
+              <a:rPr lang="en-US"/>
               <a:t>Fifth level</a:t>
             </a:r>
             <a:endParaRPr lang="en-IN"/>
@@ -1606,8 +1619,8 @@
         </p:nvSpPr>
         <p:spPr>
           <a:xfrm>
-            <a:off x="4648200" y="1600200"/>
-            <a:ext cx="4038600" cy="4525963"/>
+            <a:off x="6197600" y="1600201"/>
+            <a:ext cx="5384800" cy="4525963"/>
           </a:xfrm>
         </p:spPr>
         <p:txBody>
@@ -1644,35 +1657,35 @@
           <a:p>
             <a:pPr lvl="0"/>
             <a:r>
-              <a:rPr lang="en-US" smtClean="0"/>
+              <a:rPr lang="en-US"/>
               <a:t>Click to edit Master text styles</a:t>
             </a:r>
           </a:p>
           <a:p>
             <a:pPr lvl="1"/>
             <a:r>
-              <a:rPr lang="en-US" smtClean="0"/>
+              <a:rPr lang="en-US"/>
               <a:t>Second level</a:t>
             </a:r>
           </a:p>
           <a:p>
             <a:pPr lvl="2"/>
             <a:r>
-              <a:rPr lang="en-US" smtClean="0"/>
+              <a:rPr lang="en-US"/>
               <a:t>Third level</a:t>
             </a:r>
           </a:p>
           <a:p>
             <a:pPr lvl="3"/>
             <a:r>
-              <a:rPr lang="en-US" smtClean="0"/>
+              <a:rPr lang="en-US"/>
               <a:t>Fourth level</a:t>
             </a:r>
           </a:p>
           <a:p>
             <a:pPr lvl="4"/>
             <a:r>
-              <a:rPr lang="en-US" smtClean="0"/>
+              <a:rPr lang="en-US"/>
               <a:t>Fifth level</a:t>
             </a:r>
             <a:endParaRPr lang="en-IN"/>
@@ -1697,7 +1710,7 @@
             <a:fld id="{D83F4B71-1D04-45C1-8B01-49A10CA9C075}" type="datetime1">
               <a:rPr lang="en-US" smtClean="0"/>
               <a:pPr/>
-              <a:t>7/30/2024</a:t>
+              <a:t>8/7/2024</a:t>
             </a:fld>
             <a:endParaRPr lang="en-US"/>
           </a:p>
@@ -1791,7 +1804,7 @@
           </a:lstStyle>
           <a:p>
             <a:r>
-              <a:rPr lang="en-US" smtClean="0"/>
+              <a:rPr lang="en-US"/>
               <a:t>Click to edit Master title style</a:t>
             </a:r>
             <a:endParaRPr lang="en-IN"/>
@@ -1810,8 +1823,8 @@
         </p:nvSpPr>
         <p:spPr>
           <a:xfrm>
-            <a:off x="457200" y="1535113"/>
-            <a:ext cx="4040188" cy="639762"/>
+            <a:off x="609600" y="1535113"/>
+            <a:ext cx="5386917" cy="639762"/>
           </a:xfrm>
         </p:spPr>
         <p:txBody>
@@ -1857,7 +1870,7 @@
           <a:p>
             <a:pPr lvl="0"/>
             <a:r>
-              <a:rPr lang="en-US" smtClean="0"/>
+              <a:rPr lang="en-US"/>
               <a:t>Click to edit Master text styles</a:t>
             </a:r>
           </a:p>
@@ -1875,8 +1888,8 @@
         </p:nvSpPr>
         <p:spPr>
           <a:xfrm>
-            <a:off x="457200" y="2174875"/>
-            <a:ext cx="4040188" cy="3951288"/>
+            <a:off x="609600" y="2174875"/>
+            <a:ext cx="5386917" cy="3951288"/>
           </a:xfrm>
         </p:spPr>
         <p:txBody>
@@ -1913,35 +1926,35 @@
           <a:p>
             <a:pPr lvl="0"/>
             <a:r>
-              <a:rPr lang="en-US" smtClean="0"/>
+              <a:rPr lang="en-US"/>
               <a:t>Click to edit Master text styles</a:t>
             </a:r>
           </a:p>
           <a:p>
             <a:pPr lvl="1"/>
             <a:r>
-              <a:rPr lang="en-US" smtClean="0"/>
+              <a:rPr lang="en-US"/>
               <a:t>Second level</a:t>
             </a:r>
           </a:p>
           <a:p>
             <a:pPr lvl="2"/>
             <a:r>
-              <a:rPr lang="en-US" smtClean="0"/>
+              <a:rPr lang="en-US"/>
               <a:t>Third level</a:t>
             </a:r>
           </a:p>
           <a:p>
             <a:pPr lvl="3"/>
             <a:r>
-              <a:rPr lang="en-US" smtClean="0"/>
+              <a:rPr lang="en-US"/>
               <a:t>Fourth level</a:t>
             </a:r>
           </a:p>
           <a:p>
             <a:pPr lvl="4"/>
             <a:r>
-              <a:rPr lang="en-US" smtClean="0"/>
+              <a:rPr lang="en-US"/>
               <a:t>Fifth level</a:t>
             </a:r>
             <a:endParaRPr lang="en-IN"/>
@@ -1960,8 +1973,8 @@
         </p:nvSpPr>
         <p:spPr>
           <a:xfrm>
-            <a:off x="4645025" y="1535113"/>
-            <a:ext cx="4041775" cy="639762"/>
+            <a:off x="6193368" y="1535113"/>
+            <a:ext cx="5389033" cy="639762"/>
           </a:xfrm>
         </p:spPr>
         <p:txBody>
@@ -2007,7 +2020,7 @@
           <a:p>
             <a:pPr lvl="0"/>
             <a:r>
-              <a:rPr lang="en-US" smtClean="0"/>
+              <a:rPr lang="en-US"/>
               <a:t>Click to edit Master text styles</a:t>
             </a:r>
           </a:p>
@@ -2025,8 +2038,8 @@
         </p:nvSpPr>
         <p:spPr>
           <a:xfrm>
-            <a:off x="4645025" y="2174875"/>
-            <a:ext cx="4041775" cy="3951288"/>
+            <a:off x="6193368" y="2174875"/>
+            <a:ext cx="5389033" cy="3951288"/>
           </a:xfrm>
         </p:spPr>
         <p:txBody>
@@ -2063,35 +2076,35 @@
           <a:p>
             <a:pPr lvl="0"/>
             <a:r>
-              <a:rPr lang="en-US" smtClean="0"/>
+              <a:rPr lang="en-US"/>
               <a:t>Click to edit Master text styles</a:t>
             </a:r>
           </a:p>
           <a:p>
             <a:pPr lvl="1"/>
             <a:r>
-              <a:rPr lang="en-US" smtClean="0"/>
+              <a:rPr lang="en-US"/>
               <a:t>Second level</a:t>
             </a:r>
           </a:p>
           <a:p>
             <a:pPr lvl="2"/>
             <a:r>
-              <a:rPr lang="en-US" smtClean="0"/>
+              <a:rPr lang="en-US"/>
               <a:t>Third level</a:t>
             </a:r>
           </a:p>
           <a:p>
             <a:pPr lvl="3"/>
             <a:r>
-              <a:rPr lang="en-US" smtClean="0"/>
+              <a:rPr lang="en-US"/>
               <a:t>Fourth level</a:t>
             </a:r>
           </a:p>
           <a:p>
             <a:pPr lvl="4"/>
             <a:r>
-              <a:rPr lang="en-US" smtClean="0"/>
+              <a:rPr lang="en-US"/>
               <a:t>Fifth level</a:t>
             </a:r>
             <a:endParaRPr lang="en-IN"/>
@@ -2116,7 +2129,7 @@
             <a:fld id="{232A0925-4DFA-4031-AC1C-EE687C8A35B9}" type="datetime1">
               <a:rPr lang="en-US" smtClean="0"/>
               <a:pPr/>
-              <a:t>7/30/2024</a:t>
+              <a:t>8/7/2024</a:t>
             </a:fld>
             <a:endParaRPr lang="en-US"/>
           </a:p>
@@ -2206,7 +2219,7 @@
           <a:lstStyle/>
           <a:p>
             <a:r>
-              <a:rPr lang="en-US" smtClean="0"/>
+              <a:rPr lang="en-US"/>
               <a:t>Click to edit Master title style</a:t>
             </a:r>
             <a:endParaRPr lang="en-IN"/>
@@ -2231,7 +2244,7 @@
             <a:fld id="{E38F9D56-42E6-4D5F-BCD7-8DF45E18B82B}" type="datetime1">
               <a:rPr lang="en-US" smtClean="0"/>
               <a:pPr/>
-              <a:t>7/30/2024</a:t>
+              <a:t>8/7/2024</a:t>
             </a:fld>
             <a:endParaRPr lang="en-US"/>
           </a:p>
@@ -2323,7 +2336,7 @@
             <a:fld id="{1C253461-3314-417A-9E69-8C7D69C055C2}" type="datetime1">
               <a:rPr lang="en-US" smtClean="0"/>
               <a:pPr/>
-              <a:t>7/30/2024</a:t>
+              <a:t>8/7/2024</a:t>
             </a:fld>
             <a:endParaRPr lang="en-US"/>
           </a:p>
@@ -2409,8 +2422,8 @@
         </p:nvSpPr>
         <p:spPr>
           <a:xfrm>
-            <a:off x="457200" y="273050"/>
-            <a:ext cx="3008313" cy="1162050"/>
+            <a:off x="609601" y="273050"/>
+            <a:ext cx="4011084" cy="1162050"/>
           </a:xfrm>
         </p:spPr>
         <p:txBody>
@@ -2422,7 +2435,7 @@
           </a:lstStyle>
           <a:p>
             <a:r>
-              <a:rPr lang="en-US" smtClean="0"/>
+              <a:rPr lang="en-US"/>
               <a:t>Click to edit Master title style</a:t>
             </a:r>
             <a:endParaRPr lang="en-IN"/>
@@ -2441,8 +2454,8 @@
         </p:nvSpPr>
         <p:spPr>
           <a:xfrm>
-            <a:off x="3575050" y="273050"/>
-            <a:ext cx="5111750" cy="5853113"/>
+            <a:off x="4766733" y="273051"/>
+            <a:ext cx="6815667" cy="5853113"/>
           </a:xfrm>
         </p:spPr>
         <p:txBody>
@@ -2479,35 +2492,35 @@
           <a:p>
             <a:pPr lvl="0"/>
             <a:r>
-              <a:rPr lang="en-US" smtClean="0"/>
+              <a:rPr lang="en-US"/>
               <a:t>Click to edit Master text styles</a:t>
             </a:r>
           </a:p>
           <a:p>
             <a:pPr lvl="1"/>
             <a:r>
-              <a:rPr lang="en-US" smtClean="0"/>
+              <a:rPr lang="en-US"/>
               <a:t>Second level</a:t>
             </a:r>
           </a:p>
           <a:p>
             <a:pPr lvl="2"/>
             <a:r>
-              <a:rPr lang="en-US" smtClean="0"/>
+              <a:rPr lang="en-US"/>
               <a:t>Third level</a:t>
             </a:r>
           </a:p>
           <a:p>
             <a:pPr lvl="3"/>
             <a:r>
-              <a:rPr lang="en-US" smtClean="0"/>
+              <a:rPr lang="en-US"/>
               <a:t>Fourth level</a:t>
             </a:r>
           </a:p>
           <a:p>
             <a:pPr lvl="4"/>
             <a:r>
-              <a:rPr lang="en-US" smtClean="0"/>
+              <a:rPr lang="en-US"/>
               <a:t>Fifth level</a:t>
             </a:r>
             <a:endParaRPr lang="en-IN"/>
@@ -2526,8 +2539,8 @@
         </p:nvSpPr>
         <p:spPr>
           <a:xfrm>
-            <a:off x="457200" y="1435100"/>
-            <a:ext cx="3008313" cy="4691063"/>
+            <a:off x="609601" y="1435101"/>
+            <a:ext cx="4011084" cy="4691063"/>
           </a:xfrm>
         </p:spPr>
         <p:txBody>
@@ -2573,7 +2586,7 @@
           <a:p>
             <a:pPr lvl="0"/>
             <a:r>
-              <a:rPr lang="en-US" smtClean="0"/>
+              <a:rPr lang="en-US"/>
               <a:t>Click to edit Master text styles</a:t>
             </a:r>
           </a:p>
@@ -2597,7 +2610,7 @@
             <a:fld id="{81C7D5A3-45C0-4945-9331-D861858FAA3A}" type="datetime1">
               <a:rPr lang="en-US" smtClean="0"/>
               <a:pPr/>
-              <a:t>7/30/2024</a:t>
+              <a:t>8/7/2024</a:t>
             </a:fld>
             <a:endParaRPr lang="en-US"/>
           </a:p>
@@ -2683,8 +2696,8 @@
         </p:nvSpPr>
         <p:spPr>
           <a:xfrm>
-            <a:off x="1792288" y="4800600"/>
-            <a:ext cx="5486400" cy="566738"/>
+            <a:off x="2389717" y="4800600"/>
+            <a:ext cx="7315200" cy="566738"/>
           </a:xfrm>
         </p:spPr>
         <p:txBody>
@@ -2696,7 +2709,7 @@
           </a:lstStyle>
           <a:p>
             <a:r>
-              <a:rPr lang="en-US" smtClean="0"/>
+              <a:rPr lang="en-US"/>
               <a:t>Click to edit Master title style</a:t>
             </a:r>
             <a:endParaRPr lang="en-IN"/>
@@ -2715,8 +2728,8 @@
         </p:nvSpPr>
         <p:spPr>
           <a:xfrm>
-            <a:off x="1792288" y="612775"/>
-            <a:ext cx="5486400" cy="4114800"/>
+            <a:off x="2389717" y="612775"/>
+            <a:ext cx="7315200" cy="4114800"/>
           </a:xfrm>
         </p:spPr>
         <p:txBody>
@@ -2776,8 +2789,8 @@
         </p:nvSpPr>
         <p:spPr>
           <a:xfrm>
-            <a:off x="1792288" y="5367338"/>
-            <a:ext cx="5486400" cy="804862"/>
+            <a:off x="2389717" y="5367338"/>
+            <a:ext cx="7315200" cy="804862"/>
           </a:xfrm>
         </p:spPr>
         <p:txBody>
@@ -2823,7 +2836,7 @@
           <a:p>
             <a:pPr lvl="0"/>
             <a:r>
-              <a:rPr lang="en-US" smtClean="0"/>
+              <a:rPr lang="en-US"/>
               <a:t>Click to edit Master text styles</a:t>
             </a:r>
           </a:p>
@@ -2847,7 +2860,7 @@
             <a:fld id="{37313C51-0C46-4694-B1CA-F494AEDC7584}" type="datetime1">
               <a:rPr lang="en-US" smtClean="0"/>
               <a:pPr/>
-              <a:t>7/30/2024</a:t>
+              <a:t>8/7/2024</a:t>
             </a:fld>
             <a:endParaRPr lang="en-US"/>
           </a:p>
@@ -2941,8 +2954,8 @@
         </p:nvSpPr>
         <p:spPr>
           <a:xfrm>
-            <a:off x="457200" y="274638"/>
-            <a:ext cx="8229600" cy="1143000"/>
+            <a:off x="609600" y="274638"/>
+            <a:ext cx="10972800" cy="1143000"/>
           </a:xfrm>
           <a:prstGeom prst="rect">
             <a:avLst/>
@@ -2955,7 +2968,7 @@
           <a:lstStyle/>
           <a:p>
             <a:r>
-              <a:rPr lang="en-US" smtClean="0"/>
+              <a:rPr lang="en-US"/>
               <a:t>Click to edit Master title style</a:t>
             </a:r>
             <a:endParaRPr lang="en-IN"/>
@@ -2974,8 +2987,8 @@
         </p:nvSpPr>
         <p:spPr>
           <a:xfrm>
-            <a:off x="457200" y="1600200"/>
-            <a:ext cx="8229600" cy="4525963"/>
+            <a:off x="609600" y="1600201"/>
+            <a:ext cx="10972800" cy="4525963"/>
           </a:xfrm>
           <a:prstGeom prst="rect">
             <a:avLst/>
@@ -2989,35 +3002,35 @@
           <a:p>
             <a:pPr lvl="0"/>
             <a:r>
-              <a:rPr lang="en-US" smtClean="0"/>
+              <a:rPr lang="en-US"/>
               <a:t>Click to edit Master text styles</a:t>
             </a:r>
           </a:p>
           <a:p>
             <a:pPr lvl="1"/>
             <a:r>
-              <a:rPr lang="en-US" smtClean="0"/>
+              <a:rPr lang="en-US"/>
               <a:t>Second level</a:t>
             </a:r>
           </a:p>
           <a:p>
             <a:pPr lvl="2"/>
             <a:r>
-              <a:rPr lang="en-US" smtClean="0"/>
+              <a:rPr lang="en-US"/>
               <a:t>Third level</a:t>
             </a:r>
           </a:p>
           <a:p>
             <a:pPr lvl="3"/>
             <a:r>
-              <a:rPr lang="en-US" smtClean="0"/>
+              <a:rPr lang="en-US"/>
               <a:t>Fourth level</a:t>
             </a:r>
           </a:p>
           <a:p>
             <a:pPr lvl="4"/>
             <a:r>
-              <a:rPr lang="en-US" smtClean="0"/>
+              <a:rPr lang="en-US"/>
               <a:t>Fifth level</a:t>
             </a:r>
             <a:endParaRPr lang="en-IN"/>
@@ -3036,8 +3049,8 @@
         </p:nvSpPr>
         <p:spPr>
           <a:xfrm>
-            <a:off x="457200" y="6356350"/>
-            <a:ext cx="2133600" cy="365125"/>
+            <a:off x="609600" y="6356351"/>
+            <a:ext cx="2844800" cy="365125"/>
           </a:xfrm>
           <a:prstGeom prst="rect">
             <a:avLst/>
@@ -3060,7 +3073,7 @@
             <a:fld id="{17379806-2787-4536-BE2E-76D988C62929}" type="datetime1">
               <a:rPr lang="en-US" smtClean="0"/>
               <a:pPr/>
-              <a:t>7/30/2024</a:t>
+              <a:t>8/7/2024</a:t>
             </a:fld>
             <a:endParaRPr lang="en-US"/>
           </a:p>
@@ -3078,8 +3091,8 @@
         </p:nvSpPr>
         <p:spPr>
           <a:xfrm>
-            <a:off x="3124200" y="6356350"/>
-            <a:ext cx="2895600" cy="365125"/>
+            <a:off x="4165600" y="6356351"/>
+            <a:ext cx="3860800" cy="365125"/>
           </a:xfrm>
           <a:prstGeom prst="rect">
             <a:avLst/>
@@ -3115,8 +3128,8 @@
         </p:nvSpPr>
         <p:spPr>
           <a:xfrm>
-            <a:off x="6553200" y="6356350"/>
-            <a:ext cx="2133600" cy="365125"/>
+            <a:off x="8737600" y="6356351"/>
+            <a:ext cx="2844800" cy="365125"/>
           </a:xfrm>
           <a:prstGeom prst="rect">
             <a:avLst/>
@@ -3444,8 +3457,8 @@
         </p:nvSpPr>
         <p:spPr>
           <a:xfrm>
-            <a:off x="762000" y="1371600"/>
-            <a:ext cx="7696200" cy="1295400"/>
+            <a:off x="2286000" y="1617800"/>
+            <a:ext cx="7696200" cy="1200329"/>
           </a:xfrm>
         </p:spPr>
         <p:txBody>
@@ -3455,157 +3468,129 @@
           <a:lstStyle/>
           <a:p>
             <a:r>
-              <a:rPr lang="en-IN" sz="2000" b="1" dirty="0" smtClean="0">
+              <a:rPr lang="en-IN" sz="2000" b="1" dirty="0">
                 <a:latin typeface="Times New Roman" pitchFamily="18" charset="0"/>
                 <a:cs typeface="Times New Roman" pitchFamily="18" charset="0"/>
               </a:rPr>
               <a:t>A </a:t>
             </a:r>
             <a:br>
-              <a:rPr lang="en-IN" sz="2000" b="1" dirty="0" smtClean="0">
+              <a:rPr lang="en-IN" sz="2000" b="1" dirty="0">
                 <a:latin typeface="Times New Roman" pitchFamily="18" charset="0"/>
                 <a:cs typeface="Times New Roman" pitchFamily="18" charset="0"/>
               </a:rPr>
             </a:br>
             <a:r>
-              <a:rPr lang="en-IN" sz="2000" b="1" dirty="0" smtClean="0">
+              <a:rPr lang="en-IN" sz="2000" b="1" dirty="0">
                 <a:latin typeface="Times New Roman" pitchFamily="18" charset="0"/>
                 <a:cs typeface="Times New Roman" pitchFamily="18" charset="0"/>
               </a:rPr>
               <a:t>Presentation</a:t>
             </a:r>
             <a:br>
-              <a:rPr lang="en-IN" sz="2000" b="1" dirty="0" smtClean="0">
+              <a:rPr lang="en-IN" sz="2000" b="1" dirty="0">
                 <a:latin typeface="Times New Roman" pitchFamily="18" charset="0"/>
                 <a:cs typeface="Times New Roman" pitchFamily="18" charset="0"/>
               </a:rPr>
             </a:br>
             <a:r>
-              <a:rPr lang="en-IN" sz="2000" b="1" dirty="0" smtClean="0">
+              <a:rPr lang="en-IN" sz="2000" b="1" dirty="0">
                 <a:latin typeface="Times New Roman" pitchFamily="18" charset="0"/>
                 <a:cs typeface="Times New Roman" pitchFamily="18" charset="0"/>
               </a:rPr>
               <a:t>on</a:t>
             </a:r>
             <a:br>
-              <a:rPr lang="en-IN" sz="2000" b="1" dirty="0" smtClean="0">
+              <a:rPr lang="en-IN" sz="2000" b="1" dirty="0">
                 <a:latin typeface="Times New Roman" pitchFamily="18" charset="0"/>
                 <a:cs typeface="Times New Roman" pitchFamily="18" charset="0"/>
               </a:rPr>
             </a:br>
             <a:r>
-              <a:rPr lang="en-IN" sz="2000" b="1" dirty="0" smtClean="0">
+              <a:rPr lang="en-IN" sz="2000" b="1" dirty="0">
                 <a:latin typeface="Times New Roman" pitchFamily="18" charset="0"/>
                 <a:cs typeface="Times New Roman" pitchFamily="18" charset="0"/>
               </a:rPr>
               <a:t>“TITLE OF PROJECT”</a:t>
             </a:r>
             <a:br>
-              <a:rPr lang="en-IN" sz="2000" b="1" dirty="0" smtClean="0">
+              <a:rPr lang="en-IN" sz="2000" b="1" dirty="0">
                 <a:latin typeface="Times New Roman" pitchFamily="18" charset="0"/>
                 <a:cs typeface="Times New Roman" pitchFamily="18" charset="0"/>
               </a:rPr>
             </a:br>
-            <a:r>
-              <a:rPr lang="en-IN" sz="2000" b="1" dirty="0" smtClean="0">
+            <a:br>
+              <a:rPr lang="en-IN" sz="2000" b="1" dirty="0">
                 <a:latin typeface="Times New Roman" pitchFamily="18" charset="0"/>
                 <a:cs typeface="Times New Roman" pitchFamily="18" charset="0"/>
               </a:rPr>
-              <a:t/>
-            </a:r>
-            <a:br>
-              <a:rPr lang="en-IN" sz="2000" b="1" dirty="0" smtClean="0">
+            </a:br>
+            <a:r>
+              <a:rPr lang="en-IN" sz="2000" b="1" dirty="0">
                 <a:latin typeface="Times New Roman" pitchFamily="18" charset="0"/>
                 <a:cs typeface="Times New Roman" pitchFamily="18" charset="0"/>
               </a:rPr>
-            </a:br>
-            <a:r>
-              <a:rPr lang="en-IN" sz="2000" b="1" dirty="0" smtClean="0">
+              <a:t>By</a:t>
+            </a:r>
+            <a:br>
+              <a:rPr lang="en-IN" sz="2000" b="1" dirty="0">
                 <a:latin typeface="Times New Roman" pitchFamily="18" charset="0"/>
                 <a:cs typeface="Times New Roman" pitchFamily="18" charset="0"/>
               </a:rPr>
-              <a:t>By</a:t>
-            </a:r>
-            <a:br>
-              <a:rPr lang="en-IN" sz="2000" b="1" dirty="0" smtClean="0">
+            </a:br>
+            <a:r>
+              <a:rPr lang="en-IN" sz="2000" b="1" dirty="0">
                 <a:latin typeface="Times New Roman" pitchFamily="18" charset="0"/>
                 <a:cs typeface="Times New Roman" pitchFamily="18" charset="0"/>
               </a:rPr>
-            </a:br>
-            <a:r>
-              <a:rPr lang="en-IN" sz="2000" b="1" dirty="0" smtClean="0">
+              <a:t>Vivek Jain                      Mahaveer Mandloi               Vishwa Bhalodia</a:t>
+            </a:r>
+            <a:br>
+              <a:rPr lang="en-IN" sz="2000" b="1" dirty="0">
                 <a:latin typeface="Times New Roman" pitchFamily="18" charset="0"/>
                 <a:cs typeface="Times New Roman" pitchFamily="18" charset="0"/>
               </a:rPr>
-              <a:t>Name of Students</a:t>
-            </a:r>
+            </a:br>
             <a:br>
-              <a:rPr lang="en-IN" sz="2000" b="1" dirty="0" smtClean="0">
+              <a:rPr lang="en-IN" sz="2000" b="1" dirty="0">
                 <a:latin typeface="Times New Roman" pitchFamily="18" charset="0"/>
                 <a:cs typeface="Times New Roman" pitchFamily="18" charset="0"/>
               </a:rPr>
             </a:br>
-            <a:r>
-              <a:rPr lang="en-IN" sz="2000" b="1" dirty="0" smtClean="0">
+            <a:br>
+              <a:rPr lang="en-IN" sz="2000" b="1" dirty="0">
                 <a:latin typeface="Times New Roman" pitchFamily="18" charset="0"/>
                 <a:cs typeface="Times New Roman" pitchFamily="18" charset="0"/>
               </a:rPr>
-              <a:t/>
-            </a:r>
+            </a:br>
             <a:br>
-              <a:rPr lang="en-IN" sz="2000" b="1" dirty="0" smtClean="0">
+              <a:rPr lang="en-IN" sz="2000" b="1" dirty="0">
                 <a:latin typeface="Times New Roman" pitchFamily="18" charset="0"/>
                 <a:cs typeface="Times New Roman" pitchFamily="18" charset="0"/>
               </a:rPr>
             </a:br>
             <a:r>
-              <a:rPr lang="en-IN" sz="2000" b="1" dirty="0" smtClean="0">
+              <a:rPr lang="en-IN" sz="2000" b="1" dirty="0">
                 <a:latin typeface="Times New Roman" pitchFamily="18" charset="0"/>
                 <a:cs typeface="Times New Roman" pitchFamily="18" charset="0"/>
               </a:rPr>
-              <a:t/>
+              <a:t>Under the Guidance of</a:t>
             </a:r>
             <a:br>
-              <a:rPr lang="en-IN" sz="2000" b="1" dirty="0" smtClean="0">
+              <a:rPr lang="en-IN" sz="2000" b="1" dirty="0">
                 <a:latin typeface="Times New Roman" pitchFamily="18" charset="0"/>
                 <a:cs typeface="Times New Roman" pitchFamily="18" charset="0"/>
               </a:rPr>
             </a:br>
             <a:r>
-              <a:rPr lang="en-IN" sz="2000" b="1" dirty="0" smtClean="0">
+              <a:rPr lang="en-IN" sz="2000" b="1" dirty="0">
                 <a:latin typeface="Times New Roman" pitchFamily="18" charset="0"/>
                 <a:cs typeface="Times New Roman" pitchFamily="18" charset="0"/>
               </a:rPr>
-              <a:t/>
+              <a:t>Name of Guide</a:t>
             </a:r>
             <a:br>
-              <a:rPr lang="en-IN" sz="2000" b="1" dirty="0" smtClean="0">
-                <a:latin typeface="Times New Roman" pitchFamily="18" charset="0"/>
-                <a:cs typeface="Times New Roman" pitchFamily="18" charset="0"/>
-              </a:rPr>
-            </a:br>
-            <a:r>
-              <a:rPr lang="en-IN" sz="2000" b="1" dirty="0" smtClean="0">
-                <a:latin typeface="Times New Roman" pitchFamily="18" charset="0"/>
-                <a:cs typeface="Times New Roman" pitchFamily="18" charset="0"/>
-              </a:rPr>
-              <a:t>Under the Guidance of</a:t>
-            </a:r>
-            <a:br>
-              <a:rPr lang="en-IN" sz="2000" b="1" dirty="0" smtClean="0">
-                <a:latin typeface="Times New Roman" pitchFamily="18" charset="0"/>
-                <a:cs typeface="Times New Roman" pitchFamily="18" charset="0"/>
-              </a:rPr>
-            </a:br>
-            <a:r>
-              <a:rPr lang="en-IN" sz="2000" b="1" dirty="0" smtClean="0">
-                <a:latin typeface="Times New Roman" pitchFamily="18" charset="0"/>
-                <a:cs typeface="Times New Roman" pitchFamily="18" charset="0"/>
-              </a:rPr>
-              <a:t>Name of Guide</a:t>
-            </a:r>
-            <a:br>
-              <a:rPr lang="en-IN" sz="2000" b="1" dirty="0" smtClean="0">
+              <a:rPr lang="en-IN" sz="2000" b="1" dirty="0">
                 <a:latin typeface="Times New Roman" pitchFamily="18" charset="0"/>
                 <a:cs typeface="Times New Roman" pitchFamily="18" charset="0"/>
               </a:rPr>
@@ -3658,7 +3643,7 @@
         </p:blipFill>
         <p:spPr bwMode="auto">
           <a:xfrm>
-            <a:off x="4081462" y="4030523"/>
+            <a:off x="5605463" y="4030524"/>
             <a:ext cx="1057275" cy="1209675"/>
           </a:xfrm>
           <a:prstGeom prst="rect">
@@ -3675,7 +3660,7 @@
         </p:nvSpPr>
         <p:spPr>
           <a:xfrm>
-            <a:off x="1524000" y="5380672"/>
+            <a:off x="3048000" y="5380673"/>
             <a:ext cx="6248400" cy="1200329"/>
           </a:xfrm>
           <a:prstGeom prst="rect">
@@ -3690,55 +3675,75 @@
           <a:lstStyle/>
           <a:p>
             <a:pPr algn="ctr"/>
-            <a:endParaRPr lang="en-IN" b="1" dirty="0" smtClean="0">
-              <a:latin typeface="Times New Roman" pitchFamily="18" charset="0"/>
-              <a:cs typeface="Times New Roman" pitchFamily="18" charset="0"/>
-            </a:endParaRPr>
-          </a:p>
-          <a:p>
-            <a:pPr algn="ctr"/>
-            <a:r>
-              <a:rPr lang="en-IN" b="1" dirty="0" smtClean="0">
-                <a:latin typeface="Times New Roman" pitchFamily="18" charset="0"/>
-                <a:cs typeface="Times New Roman" pitchFamily="18" charset="0"/>
-              </a:rPr>
-              <a:t>Department of Computer </a:t>
-            </a:r>
-            <a:r>
-              <a:rPr lang="en-IN" b="1" dirty="0" smtClean="0">
-                <a:latin typeface="Times New Roman" pitchFamily="18" charset="0"/>
-                <a:cs typeface="Times New Roman" pitchFamily="18" charset="0"/>
-              </a:rPr>
-              <a:t>Science</a:t>
-            </a:r>
-            <a:endParaRPr lang="en-IN" b="1" dirty="0" smtClean="0">
-              <a:latin typeface="Times New Roman" pitchFamily="18" charset="0"/>
-              <a:cs typeface="Times New Roman" pitchFamily="18" charset="0"/>
-            </a:endParaRPr>
-          </a:p>
-          <a:p>
-            <a:pPr algn="ctr"/>
-            <a:r>
-              <a:rPr lang="en-IN" b="1" dirty="0" smtClean="0">
-                <a:latin typeface="Times New Roman" pitchFamily="18" charset="0"/>
-                <a:cs typeface="Times New Roman" pitchFamily="18" charset="0"/>
-              </a:rPr>
-              <a:t>MPSTME, Shirpur Campus</a:t>
-            </a:r>
-          </a:p>
-          <a:p>
-            <a:pPr algn="ctr"/>
-            <a:r>
-              <a:rPr lang="en-IN" b="1" dirty="0" smtClean="0">
-                <a:latin typeface="Times New Roman" pitchFamily="18" charset="0"/>
-                <a:cs typeface="Times New Roman" pitchFamily="18" charset="0"/>
-              </a:rPr>
-              <a:t>2023-24</a:t>
-            </a:r>
             <a:endParaRPr lang="en-IN" b="1" dirty="0">
               <a:latin typeface="Times New Roman" pitchFamily="18" charset="0"/>
               <a:cs typeface="Times New Roman" pitchFamily="18" charset="0"/>
             </a:endParaRPr>
+          </a:p>
+          <a:p>
+            <a:pPr algn="ctr"/>
+            <a:r>
+              <a:rPr lang="en-IN" b="1" dirty="0">
+                <a:latin typeface="Times New Roman" pitchFamily="18" charset="0"/>
+                <a:cs typeface="Times New Roman" pitchFamily="18" charset="0"/>
+              </a:rPr>
+              <a:t>Department of Computer Science</a:t>
+            </a:r>
+          </a:p>
+          <a:p>
+            <a:pPr algn="ctr"/>
+            <a:r>
+              <a:rPr lang="en-IN" b="1" dirty="0">
+                <a:latin typeface="Times New Roman" pitchFamily="18" charset="0"/>
+                <a:cs typeface="Times New Roman" pitchFamily="18" charset="0"/>
+              </a:rPr>
+              <a:t>MPSTME, Shirpur Campus</a:t>
+            </a:r>
+          </a:p>
+          <a:p>
+            <a:pPr algn="ctr"/>
+            <a:r>
+              <a:rPr lang="en-IN" b="1" dirty="0">
+                <a:latin typeface="Times New Roman" pitchFamily="18" charset="0"/>
+                <a:cs typeface="Times New Roman" pitchFamily="18" charset="0"/>
+              </a:rPr>
+              <a:t>2023-24</a:t>
+            </a:r>
+          </a:p>
+        </p:txBody>
+      </p:sp>
+      <p:sp>
+        <p:nvSpPr>
+          <p:cNvPr id="3" name="TextBox 2">
+            <a:extLst>
+              <a:ext uri="{FF2B5EF4-FFF2-40B4-BE49-F238E27FC236}">
+                <a16:creationId xmlns:a16="http://schemas.microsoft.com/office/drawing/2014/main" id="{8B2D71E1-98FC-3FCB-C9DE-7A32B6EB44DF}"/>
+              </a:ext>
+            </a:extLst>
+          </p:cNvPr>
+          <p:cNvSpPr txBox="1"/>
+          <p:nvPr/>
+        </p:nvSpPr>
+        <p:spPr>
+          <a:xfrm>
+            <a:off x="2286000" y="2319128"/>
+            <a:ext cx="8382000" cy="369332"/>
+          </a:xfrm>
+          <a:prstGeom prst="rect">
+            <a:avLst/>
+          </a:prstGeom>
+          <a:noFill/>
+        </p:spPr>
+        <p:txBody>
+          <a:bodyPr wrap="square" rtlCol="0">
+            <a:spAutoFit/>
+          </a:bodyPr>
+          <a:lstStyle/>
+          <a:p>
+            <a:r>
+              <a:rPr lang="en-IN" b="1" dirty="0"/>
+              <a:t>(70552100059)                            (70552100091)                               (70552200005)</a:t>
+            </a:r>
           </a:p>
         </p:txBody>
       </p:sp>
@@ -3747,13 +3752,1561 @@
   <p:clrMapOvr>
     <a:masterClrMapping/>
   </p:clrMapOvr>
-  <p:timing>
-    <p:tnLst>
-      <p:par>
-        <p:cTn id="1" dur="indefinite" restart="never" nodeType="tmRoot"/>
-      </p:par>
-    </p:tnLst>
-  </p:timing>
+</p:sld>
+</file>
+
+<file path=ppt/slides/slide10.xml><?xml version="1.0" encoding="utf-8"?>
+<p:sld xmlns:a="http://schemas.openxmlformats.org/drawingml/2006/main" xmlns:r="http://schemas.openxmlformats.org/officeDocument/2006/relationships" xmlns:p="http://schemas.openxmlformats.org/presentationml/2006/main">
+  <p:cSld>
+    <p:spTree>
+      <p:nvGrpSpPr>
+        <p:cNvPr id="1" name=""/>
+        <p:cNvGrpSpPr/>
+        <p:nvPr/>
+      </p:nvGrpSpPr>
+      <p:grpSpPr>
+        <a:xfrm>
+          <a:off x="0" y="0"/>
+          <a:ext cx="0" cy="0"/>
+          <a:chOff x="0" y="0"/>
+          <a:chExt cx="0" cy="0"/>
+        </a:xfrm>
+      </p:grpSpPr>
+      <p:sp>
+        <p:nvSpPr>
+          <p:cNvPr id="2" name="Title 1">
+            <a:extLst>
+              <a:ext uri="{FF2B5EF4-FFF2-40B4-BE49-F238E27FC236}">
+                <a16:creationId xmlns:a16="http://schemas.microsoft.com/office/drawing/2014/main" id="{7AA05C55-B0FC-857F-4ABC-E5F7D3B219C9}"/>
+              </a:ext>
+            </a:extLst>
+          </p:cNvPr>
+          <p:cNvSpPr>
+            <a:spLocks noGrp="1"/>
+          </p:cNvSpPr>
+          <p:nvPr>
+            <p:ph type="title"/>
+          </p:nvPr>
+        </p:nvSpPr>
+        <p:spPr>
+          <a:xfrm>
+            <a:off x="609600" y="0"/>
+            <a:ext cx="10972800" cy="1143000"/>
+          </a:xfrm>
+        </p:spPr>
+        <p:txBody>
+          <a:bodyPr>
+            <a:normAutofit/>
+          </a:bodyPr>
+          <a:lstStyle/>
+          <a:p>
+            <a:r>
+              <a:rPr lang="en-IN" sz="4000" b="1" dirty="0">
+                <a:latin typeface="Times New Roman" panose="02020603050405020304" pitchFamily="18" charset="0"/>
+                <a:cs typeface="Times New Roman" panose="02020603050405020304" pitchFamily="18" charset="0"/>
+              </a:rPr>
+              <a:t>Proposed Solution</a:t>
+            </a:r>
+          </a:p>
+        </p:txBody>
+      </p:sp>
+      <p:sp>
+        <p:nvSpPr>
+          <p:cNvPr id="3" name="Slide Number Placeholder 2">
+            <a:extLst>
+              <a:ext uri="{FF2B5EF4-FFF2-40B4-BE49-F238E27FC236}">
+                <a16:creationId xmlns:a16="http://schemas.microsoft.com/office/drawing/2014/main" id="{D10BB6BF-EB60-8728-8035-B8557192446F}"/>
+              </a:ext>
+            </a:extLst>
+          </p:cNvPr>
+          <p:cNvSpPr>
+            <a:spLocks noGrp="1"/>
+          </p:cNvSpPr>
+          <p:nvPr>
+            <p:ph type="sldNum" sz="quarter" idx="12"/>
+          </p:nvPr>
+        </p:nvSpPr>
+        <p:spPr/>
+        <p:txBody>
+          <a:bodyPr/>
+          <a:lstStyle/>
+          <a:p>
+            <a:fld id="{B6F15528-21DE-4FAA-801E-634DDDAF4B2B}" type="slidenum">
+              <a:rPr lang="en-US" smtClean="0"/>
+              <a:pPr/>
+              <a:t>10</a:t>
+            </a:fld>
+            <a:endParaRPr lang="en-US"/>
+          </a:p>
+        </p:txBody>
+      </p:sp>
+      <p:sp>
+        <p:nvSpPr>
+          <p:cNvPr id="5" name="TextBox 4">
+            <a:extLst>
+              <a:ext uri="{FF2B5EF4-FFF2-40B4-BE49-F238E27FC236}">
+                <a16:creationId xmlns:a16="http://schemas.microsoft.com/office/drawing/2014/main" id="{4609C9D8-D1CA-3B43-B46A-5EA410D6D28A}"/>
+              </a:ext>
+            </a:extLst>
+          </p:cNvPr>
+          <p:cNvSpPr txBox="1"/>
+          <p:nvPr/>
+        </p:nvSpPr>
+        <p:spPr>
+          <a:xfrm>
+            <a:off x="762000" y="1295400"/>
+            <a:ext cx="8534400" cy="5047536"/>
+          </a:xfrm>
+          <a:prstGeom prst="rect">
+            <a:avLst/>
+          </a:prstGeom>
+          <a:noFill/>
+        </p:spPr>
+        <p:txBody>
+          <a:bodyPr wrap="square">
+            <a:spAutoFit/>
+          </a:bodyPr>
+          <a:lstStyle/>
+          <a:p>
+            <a:r>
+              <a:rPr lang="en-IN" sz="1400" dirty="0"/>
+              <a:t>1. Centralized Data Management</a:t>
+            </a:r>
+          </a:p>
+          <a:p>
+            <a:r>
+              <a:rPr lang="en-IN" sz="1400" dirty="0"/>
+              <a:t>   - A unified platform to store and manage student profiles, job postings, and company details, accessible via a web interface.</a:t>
+            </a:r>
+          </a:p>
+          <a:p>
+            <a:endParaRPr lang="en-IN" sz="1400" dirty="0"/>
+          </a:p>
+          <a:p>
+            <a:r>
+              <a:rPr lang="en-IN" sz="1400" dirty="0"/>
+              <a:t>2. Real-Time Notifications and Communication</a:t>
+            </a:r>
+          </a:p>
+          <a:p>
+            <a:r>
+              <a:rPr lang="en-IN" sz="1400" dirty="0"/>
+              <a:t>   - Integrated messaging system and real-time notifications to ensure prompt communication between students, recruiters, and administrators.</a:t>
+            </a:r>
+          </a:p>
+          <a:p>
+            <a:endParaRPr lang="en-IN" sz="1400" dirty="0"/>
+          </a:p>
+          <a:p>
+            <a:r>
+              <a:rPr lang="en-IN" sz="1400" dirty="0"/>
+              <a:t>3. Streamlined Application Process</a:t>
+            </a:r>
+          </a:p>
+          <a:p>
+            <a:r>
+              <a:rPr lang="en-IN" sz="1400" dirty="0"/>
+              <a:t>   - Online application submission and tracking, allowing students to apply for jobs and monitor their application status easily.</a:t>
+            </a:r>
+          </a:p>
+          <a:p>
+            <a:endParaRPr lang="en-IN" sz="1400" dirty="0"/>
+          </a:p>
+          <a:p>
+            <a:r>
+              <a:rPr lang="en-IN" sz="1400" dirty="0"/>
+              <a:t>4. Web Accessibility</a:t>
+            </a:r>
+          </a:p>
+          <a:p>
+            <a:r>
+              <a:rPr lang="en-IN" sz="1400" dirty="0"/>
+              <a:t>   - Responsive design for seamless access across various devices, including desktops, laptops, tablets, and smartphones.</a:t>
+            </a:r>
+          </a:p>
+          <a:p>
+            <a:endParaRPr lang="en-IN" sz="1400" dirty="0"/>
+          </a:p>
+          <a:p>
+            <a:r>
+              <a:rPr lang="en-IN" sz="1400" dirty="0"/>
+              <a:t>5. Data Analytics and Reporting</a:t>
+            </a:r>
+          </a:p>
+          <a:p>
+            <a:r>
+              <a:rPr lang="en-IN" sz="1400" dirty="0"/>
+              <a:t>   - Built-in analytics tools to provide insights on placement trends, student performance, and company engagement.</a:t>
+            </a:r>
+          </a:p>
+          <a:p>
+            <a:endParaRPr lang="en-IN" sz="1400" dirty="0"/>
+          </a:p>
+          <a:p>
+            <a:r>
+              <a:rPr lang="en-IN" sz="1400" dirty="0"/>
+              <a:t>6. Enhanced Security</a:t>
+            </a:r>
+          </a:p>
+          <a:p>
+            <a:r>
+              <a:rPr lang="en-IN" sz="1400" dirty="0"/>
+              <a:t>   - Secure login system with multi-factor authentication and data encryption to ensure the confidentiality and integrity of user data.</a:t>
+            </a:r>
+          </a:p>
+        </p:txBody>
+      </p:sp>
+    </p:spTree>
+    <p:extLst>
+      <p:ext uri="{BB962C8B-B14F-4D97-AF65-F5344CB8AC3E}">
+        <p14:creationId xmlns:p14="http://schemas.microsoft.com/office/powerpoint/2010/main" val="3073692723"/>
+      </p:ext>
+    </p:extLst>
+  </p:cSld>
+  <p:clrMapOvr>
+    <a:masterClrMapping/>
+  </p:clrMapOvr>
+</p:sld>
+</file>
+
+<file path=ppt/slides/slide11.xml><?xml version="1.0" encoding="utf-8"?>
+<p:sld xmlns:a="http://schemas.openxmlformats.org/drawingml/2006/main" xmlns:r="http://schemas.openxmlformats.org/officeDocument/2006/relationships" xmlns:p="http://schemas.openxmlformats.org/presentationml/2006/main">
+  <p:cSld>
+    <p:spTree>
+      <p:nvGrpSpPr>
+        <p:cNvPr id="1" name=""/>
+        <p:cNvGrpSpPr/>
+        <p:nvPr/>
+      </p:nvGrpSpPr>
+      <p:grpSpPr>
+        <a:xfrm>
+          <a:off x="0" y="0"/>
+          <a:ext cx="0" cy="0"/>
+          <a:chOff x="0" y="0"/>
+          <a:chExt cx="0" cy="0"/>
+        </a:xfrm>
+      </p:grpSpPr>
+      <p:sp>
+        <p:nvSpPr>
+          <p:cNvPr id="2" name="Title 1">
+            <a:extLst>
+              <a:ext uri="{FF2B5EF4-FFF2-40B4-BE49-F238E27FC236}">
+                <a16:creationId xmlns:a16="http://schemas.microsoft.com/office/drawing/2014/main" id="{AC98E9ED-47E4-4666-02BE-D046ED34B20F}"/>
+              </a:ext>
+            </a:extLst>
+          </p:cNvPr>
+          <p:cNvSpPr>
+            <a:spLocks noGrp="1"/>
+          </p:cNvSpPr>
+          <p:nvPr>
+            <p:ph type="title"/>
+          </p:nvPr>
+        </p:nvSpPr>
+        <p:spPr>
+          <a:xfrm>
+            <a:off x="609600" y="0"/>
+            <a:ext cx="10972800" cy="1143000"/>
+          </a:xfrm>
+        </p:spPr>
+        <p:txBody>
+          <a:bodyPr>
+            <a:normAutofit/>
+          </a:bodyPr>
+          <a:lstStyle/>
+          <a:p>
+            <a:r>
+              <a:rPr lang="en-IN" sz="4000" b="1" dirty="0">
+                <a:latin typeface="Times New Roman" panose="02020603050405020304" pitchFamily="18" charset="0"/>
+                <a:cs typeface="Times New Roman" panose="02020603050405020304" pitchFamily="18" charset="0"/>
+              </a:rPr>
+              <a:t>Software Requirements</a:t>
+            </a:r>
+          </a:p>
+        </p:txBody>
+      </p:sp>
+      <p:sp>
+        <p:nvSpPr>
+          <p:cNvPr id="3" name="Slide Number Placeholder 2">
+            <a:extLst>
+              <a:ext uri="{FF2B5EF4-FFF2-40B4-BE49-F238E27FC236}">
+                <a16:creationId xmlns:a16="http://schemas.microsoft.com/office/drawing/2014/main" id="{7DCF4BAC-18DF-C362-1397-97628EB81DE9}"/>
+              </a:ext>
+            </a:extLst>
+          </p:cNvPr>
+          <p:cNvSpPr>
+            <a:spLocks noGrp="1"/>
+          </p:cNvSpPr>
+          <p:nvPr>
+            <p:ph type="sldNum" sz="quarter" idx="12"/>
+          </p:nvPr>
+        </p:nvSpPr>
+        <p:spPr/>
+        <p:txBody>
+          <a:bodyPr/>
+          <a:lstStyle/>
+          <a:p>
+            <a:fld id="{B6F15528-21DE-4FAA-801E-634DDDAF4B2B}" type="slidenum">
+              <a:rPr lang="en-US" smtClean="0"/>
+              <a:pPr/>
+              <a:t>11</a:t>
+            </a:fld>
+            <a:endParaRPr lang="en-US"/>
+          </a:p>
+        </p:txBody>
+      </p:sp>
+      <p:sp>
+        <p:nvSpPr>
+          <p:cNvPr id="5" name="TextBox 4">
+            <a:extLst>
+              <a:ext uri="{FF2B5EF4-FFF2-40B4-BE49-F238E27FC236}">
+                <a16:creationId xmlns:a16="http://schemas.microsoft.com/office/drawing/2014/main" id="{B9509BD8-7B71-C830-226B-7F4D537E822F}"/>
+              </a:ext>
+            </a:extLst>
+          </p:cNvPr>
+          <p:cNvSpPr txBox="1"/>
+          <p:nvPr/>
+        </p:nvSpPr>
+        <p:spPr>
+          <a:xfrm>
+            <a:off x="838200" y="1828800"/>
+            <a:ext cx="9067800" cy="2677656"/>
+          </a:xfrm>
+          <a:prstGeom prst="rect">
+            <a:avLst/>
+          </a:prstGeom>
+          <a:noFill/>
+        </p:spPr>
+        <p:txBody>
+          <a:bodyPr wrap="square">
+            <a:spAutoFit/>
+          </a:bodyPr>
+          <a:lstStyle/>
+          <a:p>
+            <a:r>
+              <a:rPr lang="en-IN" sz="2400" b="1" dirty="0">
+                <a:latin typeface="Times New Roman" panose="02020603050405020304" pitchFamily="18" charset="0"/>
+                <a:cs typeface="Times New Roman" panose="02020603050405020304" pitchFamily="18" charset="0"/>
+              </a:rPr>
+              <a:t>Software:</a:t>
+            </a:r>
+          </a:p>
+          <a:p>
+            <a:pPr>
+              <a:buFont typeface="+mj-lt"/>
+              <a:buAutoNum type="arabicPeriod"/>
+            </a:pPr>
+            <a:r>
+              <a:rPr lang="en-IN" sz="2400" b="1" dirty="0">
+                <a:latin typeface="Times New Roman" panose="02020603050405020304" pitchFamily="18" charset="0"/>
+                <a:cs typeface="Times New Roman" panose="02020603050405020304" pitchFamily="18" charset="0"/>
+              </a:rPr>
+              <a:t>Frontend:</a:t>
+            </a:r>
+            <a:r>
+              <a:rPr lang="en-IN" sz="2400" dirty="0">
+                <a:latin typeface="Times New Roman" panose="02020603050405020304" pitchFamily="18" charset="0"/>
+                <a:cs typeface="Times New Roman" panose="02020603050405020304" pitchFamily="18" charset="0"/>
+              </a:rPr>
+              <a:t> React Native for mobile compatibility.</a:t>
+            </a:r>
+          </a:p>
+          <a:p>
+            <a:pPr>
+              <a:buFont typeface="+mj-lt"/>
+              <a:buAutoNum type="arabicPeriod"/>
+            </a:pPr>
+            <a:r>
+              <a:rPr lang="en-IN" sz="2400" b="1" dirty="0">
+                <a:latin typeface="Times New Roman" panose="02020603050405020304" pitchFamily="18" charset="0"/>
+                <a:cs typeface="Times New Roman" panose="02020603050405020304" pitchFamily="18" charset="0"/>
+              </a:rPr>
+              <a:t>Backend:</a:t>
+            </a:r>
+            <a:r>
+              <a:rPr lang="en-IN" sz="2400" dirty="0">
+                <a:latin typeface="Times New Roman" panose="02020603050405020304" pitchFamily="18" charset="0"/>
+                <a:cs typeface="Times New Roman" panose="02020603050405020304" pitchFamily="18" charset="0"/>
+              </a:rPr>
+              <a:t> Node.js with Express.js.</a:t>
+            </a:r>
+          </a:p>
+          <a:p>
+            <a:pPr>
+              <a:buFont typeface="+mj-lt"/>
+              <a:buAutoNum type="arabicPeriod"/>
+            </a:pPr>
+            <a:r>
+              <a:rPr lang="en-IN" sz="2400" b="1" dirty="0">
+                <a:latin typeface="Times New Roman" panose="02020603050405020304" pitchFamily="18" charset="0"/>
+                <a:cs typeface="Times New Roman" panose="02020603050405020304" pitchFamily="18" charset="0"/>
+              </a:rPr>
+              <a:t>Database:</a:t>
+            </a:r>
+            <a:r>
+              <a:rPr lang="en-IN" sz="2400" dirty="0">
+                <a:latin typeface="Times New Roman" panose="02020603050405020304" pitchFamily="18" charset="0"/>
+                <a:cs typeface="Times New Roman" panose="02020603050405020304" pitchFamily="18" charset="0"/>
+              </a:rPr>
+              <a:t> MongoDB for scalable and flexible data storage.</a:t>
+            </a:r>
+          </a:p>
+          <a:p>
+            <a:pPr>
+              <a:buFont typeface="+mj-lt"/>
+              <a:buAutoNum type="arabicPeriod"/>
+            </a:pPr>
+            <a:r>
+              <a:rPr lang="en-IN" sz="2400" b="1" dirty="0">
+                <a:latin typeface="Times New Roman" panose="02020603050405020304" pitchFamily="18" charset="0"/>
+                <a:cs typeface="Times New Roman" panose="02020603050405020304" pitchFamily="18" charset="0"/>
+              </a:rPr>
+              <a:t>Authentication:</a:t>
+            </a:r>
+            <a:r>
+              <a:rPr lang="en-IN" sz="2400" dirty="0">
+                <a:latin typeface="Times New Roman" panose="02020603050405020304" pitchFamily="18" charset="0"/>
+                <a:cs typeface="Times New Roman" panose="02020603050405020304" pitchFamily="18" charset="0"/>
+              </a:rPr>
+              <a:t> JSON Web Tokens for secure user authentication.</a:t>
+            </a:r>
+          </a:p>
+          <a:p>
+            <a:endParaRPr lang="en-IN" sz="2400" dirty="0">
+              <a:latin typeface="Times New Roman" panose="02020603050405020304" pitchFamily="18" charset="0"/>
+              <a:cs typeface="Times New Roman" panose="02020603050405020304" pitchFamily="18" charset="0"/>
+            </a:endParaRPr>
+          </a:p>
+          <a:p>
+            <a:pPr>
+              <a:buFont typeface="+mj-lt"/>
+              <a:buAutoNum type="arabicPeriod"/>
+            </a:pPr>
+            <a:r>
+              <a:rPr lang="en-IN" sz="2400" b="1" dirty="0">
+                <a:latin typeface="Times New Roman" panose="02020603050405020304" pitchFamily="18" charset="0"/>
+                <a:cs typeface="Times New Roman" panose="02020603050405020304" pitchFamily="18" charset="0"/>
+              </a:rPr>
+              <a:t>Hosting:</a:t>
+            </a:r>
+            <a:r>
+              <a:rPr lang="en-IN" sz="2400" dirty="0">
+                <a:latin typeface="Times New Roman" panose="02020603050405020304" pitchFamily="18" charset="0"/>
+                <a:cs typeface="Times New Roman" panose="02020603050405020304" pitchFamily="18" charset="0"/>
+              </a:rPr>
+              <a:t> AWS or Azure for reliable and scalable hosting services.</a:t>
+            </a:r>
+          </a:p>
+        </p:txBody>
+      </p:sp>
+    </p:spTree>
+    <p:extLst>
+      <p:ext uri="{BB962C8B-B14F-4D97-AF65-F5344CB8AC3E}">
+        <p14:creationId xmlns:p14="http://schemas.microsoft.com/office/powerpoint/2010/main" val="897299250"/>
+      </p:ext>
+    </p:extLst>
+  </p:cSld>
+  <p:clrMapOvr>
+    <a:masterClrMapping/>
+  </p:clrMapOvr>
+</p:sld>
+</file>
+
+<file path=ppt/slides/slide12.xml><?xml version="1.0" encoding="utf-8"?>
+<p:sld xmlns:a="http://schemas.openxmlformats.org/drawingml/2006/main" xmlns:r="http://schemas.openxmlformats.org/officeDocument/2006/relationships" xmlns:p="http://schemas.openxmlformats.org/presentationml/2006/main">
+  <p:cSld>
+    <p:spTree>
+      <p:nvGrpSpPr>
+        <p:cNvPr id="1" name=""/>
+        <p:cNvGrpSpPr/>
+        <p:nvPr/>
+      </p:nvGrpSpPr>
+      <p:grpSpPr>
+        <a:xfrm>
+          <a:off x="0" y="0"/>
+          <a:ext cx="0" cy="0"/>
+          <a:chOff x="0" y="0"/>
+          <a:chExt cx="0" cy="0"/>
+        </a:xfrm>
+      </p:grpSpPr>
+      <p:sp>
+        <p:nvSpPr>
+          <p:cNvPr id="2" name="Title 1">
+            <a:extLst>
+              <a:ext uri="{FF2B5EF4-FFF2-40B4-BE49-F238E27FC236}">
+                <a16:creationId xmlns:a16="http://schemas.microsoft.com/office/drawing/2014/main" id="{A5AE77BD-1A41-A8D3-B936-74FA655E894E}"/>
+              </a:ext>
+            </a:extLst>
+          </p:cNvPr>
+          <p:cNvSpPr>
+            <a:spLocks noGrp="1"/>
+          </p:cNvSpPr>
+          <p:nvPr>
+            <p:ph type="title"/>
+          </p:nvPr>
+        </p:nvSpPr>
+        <p:spPr>
+          <a:xfrm>
+            <a:off x="609600" y="2458"/>
+            <a:ext cx="10972800" cy="1143000"/>
+          </a:xfrm>
+        </p:spPr>
+        <p:txBody>
+          <a:bodyPr>
+            <a:normAutofit fontScale="90000"/>
+          </a:bodyPr>
+          <a:lstStyle/>
+          <a:p>
+            <a:br>
+              <a:rPr lang="en-IN" dirty="0">
+                <a:latin typeface="Times New Roman" pitchFamily="18" charset="0"/>
+                <a:cs typeface="Times New Roman" pitchFamily="18" charset="0"/>
+              </a:rPr>
+            </a:br>
+            <a:r>
+              <a:rPr lang="en-IN" b="1" dirty="0">
+                <a:latin typeface="Times New Roman" pitchFamily="18" charset="0"/>
+                <a:cs typeface="Times New Roman" pitchFamily="18" charset="0"/>
+              </a:rPr>
+              <a:t>Project Development Timeline </a:t>
+            </a:r>
+            <a:br>
+              <a:rPr lang="en-IN" b="1" dirty="0">
+                <a:latin typeface="Times New Roman" pitchFamily="18" charset="0"/>
+                <a:cs typeface="Times New Roman" pitchFamily="18" charset="0"/>
+              </a:rPr>
+            </a:br>
+            <a:endParaRPr lang="en-IN" b="1" dirty="0">
+              <a:latin typeface="Times New Roman" pitchFamily="18" charset="0"/>
+              <a:cs typeface="Times New Roman" pitchFamily="18" charset="0"/>
+            </a:endParaRPr>
+          </a:p>
+        </p:txBody>
+      </p:sp>
+      <p:sp>
+        <p:nvSpPr>
+          <p:cNvPr id="3" name="Slide Number Placeholder 2">
+            <a:extLst>
+              <a:ext uri="{FF2B5EF4-FFF2-40B4-BE49-F238E27FC236}">
+                <a16:creationId xmlns:a16="http://schemas.microsoft.com/office/drawing/2014/main" id="{BE686BF3-6C36-92F1-5CBF-DFA4C2137B41}"/>
+              </a:ext>
+            </a:extLst>
+          </p:cNvPr>
+          <p:cNvSpPr>
+            <a:spLocks noGrp="1"/>
+          </p:cNvSpPr>
+          <p:nvPr>
+            <p:ph type="sldNum" sz="quarter" idx="12"/>
+          </p:nvPr>
+        </p:nvSpPr>
+        <p:spPr/>
+        <p:txBody>
+          <a:bodyPr/>
+          <a:lstStyle/>
+          <a:p>
+            <a:fld id="{B6F15528-21DE-4FAA-801E-634DDDAF4B2B}" type="slidenum">
+              <a:rPr lang="en-US" smtClean="0"/>
+              <a:pPr/>
+              <a:t>12</a:t>
+            </a:fld>
+            <a:endParaRPr lang="en-US"/>
+          </a:p>
+        </p:txBody>
+      </p:sp>
+      <p:pic>
+        <p:nvPicPr>
+          <p:cNvPr id="5" name="Picture 4">
+            <a:extLst>
+              <a:ext uri="{FF2B5EF4-FFF2-40B4-BE49-F238E27FC236}">
+                <a16:creationId xmlns:a16="http://schemas.microsoft.com/office/drawing/2014/main" id="{2AFD40D5-2E67-4BDF-780B-DF023AD4B521}"/>
+              </a:ext>
+            </a:extLst>
+          </p:cNvPr>
+          <p:cNvPicPr>
+            <a:picLocks noChangeAspect="1"/>
+          </p:cNvPicPr>
+          <p:nvPr/>
+        </p:nvPicPr>
+        <p:blipFill rotWithShape="1">
+          <a:blip r:embed="rId2">
+            <a:extLst>
+              <a:ext uri="{28A0092B-C50C-407E-A947-70E740481C1C}">
+                <a14:useLocalDpi xmlns:a14="http://schemas.microsoft.com/office/drawing/2010/main" val="0"/>
+              </a:ext>
+            </a:extLst>
+          </a:blip>
+          <a:srcRect t="15714"/>
+          <a:stretch/>
+        </p:blipFill>
+        <p:spPr>
+          <a:xfrm>
+            <a:off x="762000" y="1116085"/>
+            <a:ext cx="10658168" cy="5240266"/>
+          </a:xfrm>
+          <a:prstGeom prst="rect">
+            <a:avLst/>
+          </a:prstGeom>
+        </p:spPr>
+      </p:pic>
+    </p:spTree>
+    <p:extLst>
+      <p:ext uri="{BB962C8B-B14F-4D97-AF65-F5344CB8AC3E}">
+        <p14:creationId xmlns:p14="http://schemas.microsoft.com/office/powerpoint/2010/main" val="2099382415"/>
+      </p:ext>
+    </p:extLst>
+  </p:cSld>
+  <p:clrMapOvr>
+    <a:masterClrMapping/>
+  </p:clrMapOvr>
+</p:sld>
+</file>
+
+<file path=ppt/slides/slide13.xml><?xml version="1.0" encoding="utf-8"?>
+<p:sld xmlns:a="http://schemas.openxmlformats.org/drawingml/2006/main" xmlns:r="http://schemas.openxmlformats.org/officeDocument/2006/relationships" xmlns:p="http://schemas.openxmlformats.org/presentationml/2006/main">
+  <p:cSld>
+    <p:spTree>
+      <p:nvGrpSpPr>
+        <p:cNvPr id="1" name=""/>
+        <p:cNvGrpSpPr/>
+        <p:nvPr/>
+      </p:nvGrpSpPr>
+      <p:grpSpPr>
+        <a:xfrm>
+          <a:off x="0" y="0"/>
+          <a:ext cx="0" cy="0"/>
+          <a:chOff x="0" y="0"/>
+          <a:chExt cx="0" cy="0"/>
+        </a:xfrm>
+      </p:grpSpPr>
+      <p:sp>
+        <p:nvSpPr>
+          <p:cNvPr id="2" name="Title 1">
+            <a:extLst>
+              <a:ext uri="{FF2B5EF4-FFF2-40B4-BE49-F238E27FC236}">
+                <a16:creationId xmlns:a16="http://schemas.microsoft.com/office/drawing/2014/main" id="{9A6594E9-8B1D-E3BB-D1EC-F16655F8111D}"/>
+              </a:ext>
+            </a:extLst>
+          </p:cNvPr>
+          <p:cNvSpPr>
+            <a:spLocks noGrp="1"/>
+          </p:cNvSpPr>
+          <p:nvPr>
+            <p:ph type="title"/>
+          </p:nvPr>
+        </p:nvSpPr>
+        <p:spPr>
+          <a:xfrm>
+            <a:off x="609600" y="0"/>
+            <a:ext cx="10972800" cy="1143000"/>
+          </a:xfrm>
+        </p:spPr>
+        <p:txBody>
+          <a:bodyPr>
+            <a:normAutofit/>
+          </a:bodyPr>
+          <a:lstStyle/>
+          <a:p>
+            <a:r>
+              <a:rPr lang="en-IN" sz="4000" b="1" dirty="0">
+                <a:latin typeface="Times New Roman" panose="02020603050405020304" pitchFamily="18" charset="0"/>
+                <a:cs typeface="Times New Roman" panose="02020603050405020304" pitchFamily="18" charset="0"/>
+              </a:rPr>
+              <a:t>References</a:t>
+            </a:r>
+          </a:p>
+        </p:txBody>
+      </p:sp>
+      <p:sp>
+        <p:nvSpPr>
+          <p:cNvPr id="3" name="Slide Number Placeholder 2">
+            <a:extLst>
+              <a:ext uri="{FF2B5EF4-FFF2-40B4-BE49-F238E27FC236}">
+                <a16:creationId xmlns:a16="http://schemas.microsoft.com/office/drawing/2014/main" id="{9DFA9988-574F-A209-63B2-97C72C15ECE1}"/>
+              </a:ext>
+            </a:extLst>
+          </p:cNvPr>
+          <p:cNvSpPr>
+            <a:spLocks noGrp="1"/>
+          </p:cNvSpPr>
+          <p:nvPr>
+            <p:ph type="sldNum" sz="quarter" idx="12"/>
+          </p:nvPr>
+        </p:nvSpPr>
+        <p:spPr/>
+        <p:txBody>
+          <a:bodyPr/>
+          <a:lstStyle/>
+          <a:p>
+            <a:fld id="{B6F15528-21DE-4FAA-801E-634DDDAF4B2B}" type="slidenum">
+              <a:rPr lang="en-US" smtClean="0"/>
+              <a:pPr/>
+              <a:t>13</a:t>
+            </a:fld>
+            <a:endParaRPr lang="en-US"/>
+          </a:p>
+        </p:txBody>
+      </p:sp>
+      <p:sp>
+        <p:nvSpPr>
+          <p:cNvPr id="7" name="TextBox 6">
+            <a:extLst>
+              <a:ext uri="{FF2B5EF4-FFF2-40B4-BE49-F238E27FC236}">
+                <a16:creationId xmlns:a16="http://schemas.microsoft.com/office/drawing/2014/main" id="{A82506A7-6F33-9538-7C2C-8D487069E68A}"/>
+              </a:ext>
+            </a:extLst>
+          </p:cNvPr>
+          <p:cNvSpPr txBox="1"/>
+          <p:nvPr/>
+        </p:nvSpPr>
+        <p:spPr>
+          <a:xfrm>
+            <a:off x="381000" y="1219200"/>
+            <a:ext cx="11675806" cy="6955750"/>
+          </a:xfrm>
+          <a:prstGeom prst="rect">
+            <a:avLst/>
+          </a:prstGeom>
+          <a:noFill/>
+        </p:spPr>
+        <p:txBody>
+          <a:bodyPr wrap="square">
+            <a:spAutoFit/>
+          </a:bodyPr>
+          <a:lstStyle/>
+          <a:p>
+            <a:pPr marL="285750" indent="-285750">
+              <a:buFont typeface="Arial" panose="020B0604020202020204" pitchFamily="34" charset="0"/>
+              <a:buChar char="•"/>
+            </a:pPr>
+            <a:r>
+              <a:rPr lang="en-IN" sz="1600" dirty="0">
+                <a:latin typeface="Times New Roman" panose="02020603050405020304" pitchFamily="18" charset="0"/>
+                <a:cs typeface="Times New Roman" panose="02020603050405020304" pitchFamily="18" charset="0"/>
+              </a:rPr>
+              <a:t>Sahil Ganeshkar, Sagar Khadilkar, Shubhangi Gahukar, Achal Punyapreddiwar, Kanak Thool, Prof. Sandeep Ganorkar (2023). </a:t>
+            </a:r>
+            <a:r>
+              <a:rPr lang="en-US" sz="1600" dirty="0">
+                <a:latin typeface="Times New Roman" panose="02020603050405020304" pitchFamily="18" charset="0"/>
+                <a:cs typeface="Times New Roman" panose="02020603050405020304" pitchFamily="18" charset="0"/>
+              </a:rPr>
+              <a:t>Web App for College Campus Placement System. International Research Journal of Modernization in Engineering Technology and Science, Volume:05/Issue:04/April-2023. </a:t>
+            </a:r>
+            <a:r>
+              <a:rPr lang="en-IN" sz="1600" dirty="0">
+                <a:latin typeface="Times New Roman" panose="02020603050405020304" pitchFamily="18" charset="0"/>
+                <a:cs typeface="Times New Roman" panose="02020603050405020304" pitchFamily="18" charset="0"/>
+                <a:hlinkClick r:id="rId2"/>
+              </a:rPr>
+              <a:t>https://www.doi.org/10.56726/IRJMETS35961</a:t>
+            </a:r>
+            <a:endParaRPr lang="en-IN" sz="1600" dirty="0">
+              <a:latin typeface="Times New Roman" panose="02020603050405020304" pitchFamily="18" charset="0"/>
+              <a:cs typeface="Times New Roman" panose="02020603050405020304" pitchFamily="18" charset="0"/>
+            </a:endParaRPr>
+          </a:p>
+          <a:p>
+            <a:pPr marL="285750" indent="-285750">
+              <a:buFont typeface="Arial" panose="020B0604020202020204" pitchFamily="34" charset="0"/>
+              <a:buChar char="•"/>
+            </a:pPr>
+            <a:endParaRPr lang="en-IN" sz="1600" dirty="0">
+              <a:latin typeface="Times New Roman" panose="02020603050405020304" pitchFamily="18" charset="0"/>
+              <a:cs typeface="Times New Roman" panose="02020603050405020304" pitchFamily="18" charset="0"/>
+            </a:endParaRPr>
+          </a:p>
+          <a:p>
+            <a:pPr marL="285750" indent="-285750">
+              <a:buFont typeface="Arial" panose="020B0604020202020204" pitchFamily="34" charset="0"/>
+              <a:buChar char="•"/>
+            </a:pPr>
+            <a:r>
+              <a:rPr lang="en-IN" sz="1600" dirty="0">
+                <a:latin typeface="Times New Roman" panose="02020603050405020304" pitchFamily="18" charset="0"/>
+                <a:cs typeface="Times New Roman" panose="02020603050405020304" pitchFamily="18" charset="0"/>
+              </a:rPr>
+              <a:t>Mrs. B.Sathyabama, Mr. S. Mohamed Salahudeen, Mr. Z. Mohamed Sohail, Mr. P.S. Mohamed Asarutheen4 (2019). </a:t>
+            </a:r>
+            <a:r>
+              <a:rPr lang="en-US" sz="1600" dirty="0">
+                <a:latin typeface="Times New Roman" panose="02020603050405020304" pitchFamily="18" charset="0"/>
+                <a:cs typeface="Times New Roman" panose="02020603050405020304" pitchFamily="18" charset="0"/>
+              </a:rPr>
+              <a:t>App Development for Placement Drive and Recruitment Process. International Journal of Computer Science and Mobile Computing, Vol.8 Issue.10, October- 2019. </a:t>
+            </a:r>
+            <a:r>
+              <a:rPr lang="en-US" sz="1600" dirty="0">
+                <a:latin typeface="Times New Roman" panose="02020603050405020304" pitchFamily="18" charset="0"/>
+                <a:cs typeface="Times New Roman" panose="02020603050405020304" pitchFamily="18" charset="0"/>
+                <a:hlinkClick r:id="rId3"/>
+              </a:rPr>
+              <a:t>https://www.academia.edu/40600340/APP_DEVELOPMENT_FOR_PLACEMENT_DRIVE_AND_RECRUITMENT_PROCESS_</a:t>
+            </a:r>
+            <a:r>
+              <a:rPr lang="en-US" sz="1600" dirty="0">
+                <a:latin typeface="Times New Roman" panose="02020603050405020304" pitchFamily="18" charset="0"/>
+                <a:cs typeface="Times New Roman" panose="02020603050405020304" pitchFamily="18" charset="0"/>
+              </a:rPr>
+              <a:t> </a:t>
+            </a:r>
+          </a:p>
+          <a:p>
+            <a:pPr marL="285750" indent="-285750">
+              <a:buFont typeface="Arial" panose="020B0604020202020204" pitchFamily="34" charset="0"/>
+              <a:buChar char="•"/>
+            </a:pPr>
+            <a:endParaRPr lang="en-US" sz="1600" dirty="0">
+              <a:latin typeface="Times New Roman" panose="02020603050405020304" pitchFamily="18" charset="0"/>
+              <a:cs typeface="Times New Roman" panose="02020603050405020304" pitchFamily="18" charset="0"/>
+            </a:endParaRPr>
+          </a:p>
+          <a:p>
+            <a:pPr marL="285750" indent="-285750">
+              <a:buFont typeface="Arial" panose="020B0604020202020204" pitchFamily="34" charset="0"/>
+              <a:buChar char="•"/>
+            </a:pPr>
+            <a:r>
+              <a:rPr lang="pt-BR" sz="1600" dirty="0">
+                <a:latin typeface="Times New Roman" panose="02020603050405020304" pitchFamily="18" charset="0"/>
+                <a:cs typeface="Times New Roman" panose="02020603050405020304" pitchFamily="18" charset="0"/>
+              </a:rPr>
+              <a:t>Fiza Kousar, Gandharva V Hegde, Prof. Saravanan C</a:t>
+            </a:r>
+            <a:r>
+              <a:rPr lang="en-IN" sz="1600" dirty="0">
+                <a:latin typeface="Times New Roman" panose="02020603050405020304" pitchFamily="18" charset="0"/>
+                <a:cs typeface="Times New Roman" panose="02020603050405020304" pitchFamily="18" charset="0"/>
+              </a:rPr>
+              <a:t> (2022). </a:t>
+            </a:r>
+            <a:r>
+              <a:rPr lang="en-US" sz="1600" dirty="0">
+                <a:latin typeface="Times New Roman" panose="02020603050405020304" pitchFamily="18" charset="0"/>
+                <a:cs typeface="Times New Roman" panose="02020603050405020304" pitchFamily="18" charset="0"/>
+              </a:rPr>
+              <a:t>Design and Development of Department Placement Portal using MERN Technology. International Advanced Research Journal in Science, Engineering and Technology, Vol. 9, Issue 1, January 2022. </a:t>
+            </a:r>
+            <a:r>
+              <a:rPr lang="en-US" sz="1600" dirty="0">
+                <a:latin typeface="Times New Roman" panose="02020603050405020304" pitchFamily="18" charset="0"/>
+                <a:cs typeface="Times New Roman" panose="02020603050405020304" pitchFamily="18" charset="0"/>
+                <a:hlinkClick r:id="rId4"/>
+              </a:rPr>
+              <a:t>https://iarjset.com/wp-content/uploads/2022/02/IARJSET.2022.9164.pdf</a:t>
+            </a:r>
+            <a:endParaRPr lang="en-US" sz="1600" dirty="0">
+              <a:latin typeface="Times New Roman" panose="02020603050405020304" pitchFamily="18" charset="0"/>
+              <a:cs typeface="Times New Roman" panose="02020603050405020304" pitchFamily="18" charset="0"/>
+            </a:endParaRPr>
+          </a:p>
+          <a:p>
+            <a:endParaRPr lang="en-US" sz="1600" dirty="0">
+              <a:latin typeface="Times New Roman" panose="02020603050405020304" pitchFamily="18" charset="0"/>
+              <a:cs typeface="Times New Roman" panose="02020603050405020304" pitchFamily="18" charset="0"/>
+            </a:endParaRPr>
+          </a:p>
+          <a:p>
+            <a:pPr marL="285750" indent="-285750">
+              <a:buFont typeface="Arial" panose="020B0604020202020204" pitchFamily="34" charset="0"/>
+              <a:buChar char="•"/>
+            </a:pPr>
+            <a:r>
+              <a:rPr lang="en-IN" sz="1600" dirty="0">
+                <a:latin typeface="Times New Roman" panose="02020603050405020304" pitchFamily="18" charset="0"/>
+                <a:cs typeface="Times New Roman" panose="02020603050405020304" pitchFamily="18" charset="0"/>
+              </a:rPr>
+              <a:t>Shital K. Patil, Sakshi S. Thombare, Rasika R. Wadhonkar, Sonal R. Wankhade (2022). </a:t>
+            </a:r>
+            <a:r>
+              <a:rPr lang="en-US" sz="1600" dirty="0">
+                <a:latin typeface="Times New Roman" panose="02020603050405020304" pitchFamily="18" charset="0"/>
+                <a:cs typeface="Times New Roman" panose="02020603050405020304" pitchFamily="18" charset="0"/>
+              </a:rPr>
+              <a:t>Web Portal for Training and Placement Cell. International Journal of Advanced Research in Science, Communication and Technology (IJARSCT), Volume 2, Issue 1, May 2022. </a:t>
+            </a:r>
+            <a:r>
+              <a:rPr lang="en-US" sz="1600" dirty="0">
+                <a:latin typeface="Times New Roman" panose="02020603050405020304" pitchFamily="18" charset="0"/>
+                <a:cs typeface="Times New Roman" panose="02020603050405020304" pitchFamily="18" charset="0"/>
+                <a:hlinkClick r:id="rId5"/>
+              </a:rPr>
+              <a:t>https://ijarsct.co.in/Paper3593.pdf</a:t>
+            </a:r>
+            <a:r>
+              <a:rPr lang="en-US" sz="1600" dirty="0">
+                <a:latin typeface="Times New Roman" panose="02020603050405020304" pitchFamily="18" charset="0"/>
+                <a:cs typeface="Times New Roman" panose="02020603050405020304" pitchFamily="18" charset="0"/>
+              </a:rPr>
+              <a:t> </a:t>
+            </a:r>
+          </a:p>
+          <a:p>
+            <a:pPr marL="285750" indent="-285750">
+              <a:buFont typeface="Arial" panose="020B0604020202020204" pitchFamily="34" charset="0"/>
+              <a:buChar char="•"/>
+            </a:pPr>
+            <a:endParaRPr lang="en-US" sz="1600" dirty="0">
+              <a:latin typeface="Times New Roman" panose="02020603050405020304" pitchFamily="18" charset="0"/>
+              <a:cs typeface="Times New Roman" panose="02020603050405020304" pitchFamily="18" charset="0"/>
+            </a:endParaRPr>
+          </a:p>
+          <a:p>
+            <a:pPr marL="285750" indent="-285750">
+              <a:buFont typeface="Arial" panose="020B0604020202020204" pitchFamily="34" charset="0"/>
+              <a:buChar char="•"/>
+            </a:pPr>
+            <a:r>
+              <a:rPr lang="en-IN" sz="1600" dirty="0">
+                <a:latin typeface="Times New Roman" panose="02020603050405020304" pitchFamily="18" charset="0"/>
+                <a:cs typeface="Times New Roman" panose="02020603050405020304" pitchFamily="18" charset="0"/>
+              </a:rPr>
+              <a:t>Prof. Bharat Dhak, Himanshu Bhoyar, Yash Bangare, Gaurav Zade (2022). </a:t>
+            </a:r>
+            <a:r>
+              <a:rPr lang="en-US" sz="1600" dirty="0">
+                <a:latin typeface="Times New Roman" panose="02020603050405020304" pitchFamily="18" charset="0"/>
+                <a:cs typeface="Times New Roman" panose="02020603050405020304" pitchFamily="18" charset="0"/>
+              </a:rPr>
+              <a:t>Training and Placement Application for College using Salesforce. International Research Journal of Modernization in Engineering Technology and Science, Volume:04/Issue:01/January-2022. </a:t>
+            </a:r>
+            <a:r>
+              <a:rPr lang="en-US" sz="1600" dirty="0">
+                <a:latin typeface="Times New Roman" panose="02020603050405020304" pitchFamily="18" charset="0"/>
+                <a:cs typeface="Times New Roman" panose="02020603050405020304" pitchFamily="18" charset="0"/>
+                <a:hlinkClick r:id="rId6"/>
+              </a:rPr>
+              <a:t>https://www.irjmets.com/uploadedfiles/paper//issue_1_january_2022/18715/final/fin_irjmets1644260217.pdf</a:t>
+            </a:r>
+            <a:r>
+              <a:rPr lang="en-US" sz="1600" dirty="0">
+                <a:latin typeface="Times New Roman" panose="02020603050405020304" pitchFamily="18" charset="0"/>
+                <a:cs typeface="Times New Roman" panose="02020603050405020304" pitchFamily="18" charset="0"/>
+              </a:rPr>
+              <a:t> </a:t>
+            </a:r>
+          </a:p>
+          <a:p>
+            <a:endParaRPr lang="en-US" dirty="0"/>
+          </a:p>
+          <a:p>
+            <a:endParaRPr lang="en-IN" sz="1800" dirty="0"/>
+          </a:p>
+          <a:p>
+            <a:endParaRPr lang="en-US" dirty="0"/>
+          </a:p>
+          <a:p>
+            <a:endParaRPr lang="en-US" dirty="0"/>
+          </a:p>
+          <a:p>
+            <a:endParaRPr lang="en-IN" sz="1800" dirty="0">
+              <a:latin typeface="Times New Roman" panose="02020603050405020304" pitchFamily="18" charset="0"/>
+              <a:cs typeface="Times New Roman" panose="02020603050405020304" pitchFamily="18" charset="0"/>
+            </a:endParaRPr>
+          </a:p>
+          <a:p>
+            <a:endParaRPr lang="en-IN" dirty="0"/>
+          </a:p>
+          <a:p>
+            <a:r>
+              <a:rPr lang="en-IN" dirty="0"/>
+              <a:t> </a:t>
+            </a:r>
+          </a:p>
+        </p:txBody>
+      </p:sp>
+    </p:spTree>
+    <p:extLst>
+      <p:ext uri="{BB962C8B-B14F-4D97-AF65-F5344CB8AC3E}">
+        <p14:creationId xmlns:p14="http://schemas.microsoft.com/office/powerpoint/2010/main" val="2658762305"/>
+      </p:ext>
+    </p:extLst>
+  </p:cSld>
+  <p:clrMapOvr>
+    <a:masterClrMapping/>
+  </p:clrMapOvr>
+</p:sld>
+</file>
+
+<file path=ppt/slides/slide14.xml><?xml version="1.0" encoding="utf-8"?>
+<p:sld xmlns:a="http://schemas.openxmlformats.org/drawingml/2006/main" xmlns:r="http://schemas.openxmlformats.org/officeDocument/2006/relationships" xmlns:p="http://schemas.openxmlformats.org/presentationml/2006/main">
+  <p:cSld>
+    <p:spTree>
+      <p:nvGrpSpPr>
+        <p:cNvPr id="1" name=""/>
+        <p:cNvGrpSpPr/>
+        <p:nvPr/>
+      </p:nvGrpSpPr>
+      <p:grpSpPr>
+        <a:xfrm>
+          <a:off x="0" y="0"/>
+          <a:ext cx="0" cy="0"/>
+          <a:chOff x="0" y="0"/>
+          <a:chExt cx="0" cy="0"/>
+        </a:xfrm>
+      </p:grpSpPr>
+      <p:sp>
+        <p:nvSpPr>
+          <p:cNvPr id="2" name="Title 1">
+            <a:extLst>
+              <a:ext uri="{FF2B5EF4-FFF2-40B4-BE49-F238E27FC236}">
+                <a16:creationId xmlns:a16="http://schemas.microsoft.com/office/drawing/2014/main" id="{BBBF3B18-94D2-8091-2B64-C8E00B4DDEB1}"/>
+              </a:ext>
+            </a:extLst>
+          </p:cNvPr>
+          <p:cNvSpPr>
+            <a:spLocks noGrp="1"/>
+          </p:cNvSpPr>
+          <p:nvPr>
+            <p:ph type="title"/>
+          </p:nvPr>
+        </p:nvSpPr>
+        <p:spPr>
+          <a:xfrm>
+            <a:off x="629265" y="2458"/>
+            <a:ext cx="10972800" cy="1143000"/>
+          </a:xfrm>
+        </p:spPr>
+        <p:txBody>
+          <a:bodyPr>
+            <a:normAutofit/>
+          </a:bodyPr>
+          <a:lstStyle/>
+          <a:p>
+            <a:r>
+              <a:rPr lang="en-IN" sz="4000" b="1" dirty="0">
+                <a:latin typeface="Times New Roman" panose="02020603050405020304" pitchFamily="18" charset="0"/>
+                <a:cs typeface="Times New Roman" panose="02020603050405020304" pitchFamily="18" charset="0"/>
+              </a:rPr>
+              <a:t>References</a:t>
+            </a:r>
+          </a:p>
+        </p:txBody>
+      </p:sp>
+      <p:sp>
+        <p:nvSpPr>
+          <p:cNvPr id="3" name="Slide Number Placeholder 2">
+            <a:extLst>
+              <a:ext uri="{FF2B5EF4-FFF2-40B4-BE49-F238E27FC236}">
+                <a16:creationId xmlns:a16="http://schemas.microsoft.com/office/drawing/2014/main" id="{8F4B2C26-A3A3-E948-346F-0900D510D4AB}"/>
+              </a:ext>
+            </a:extLst>
+          </p:cNvPr>
+          <p:cNvSpPr>
+            <a:spLocks noGrp="1"/>
+          </p:cNvSpPr>
+          <p:nvPr>
+            <p:ph type="sldNum" sz="quarter" idx="12"/>
+          </p:nvPr>
+        </p:nvSpPr>
+        <p:spPr/>
+        <p:txBody>
+          <a:bodyPr/>
+          <a:lstStyle/>
+          <a:p>
+            <a:fld id="{B6F15528-21DE-4FAA-801E-634DDDAF4B2B}" type="slidenum">
+              <a:rPr lang="en-US" smtClean="0"/>
+              <a:pPr/>
+              <a:t>14</a:t>
+            </a:fld>
+            <a:endParaRPr lang="en-US"/>
+          </a:p>
+        </p:txBody>
+      </p:sp>
+      <p:sp>
+        <p:nvSpPr>
+          <p:cNvPr id="11" name="TextBox 10">
+            <a:extLst>
+              <a:ext uri="{FF2B5EF4-FFF2-40B4-BE49-F238E27FC236}">
+                <a16:creationId xmlns:a16="http://schemas.microsoft.com/office/drawing/2014/main" id="{E25279CC-8EFE-0E68-763B-418E5539BF60}"/>
+              </a:ext>
+            </a:extLst>
+          </p:cNvPr>
+          <p:cNvSpPr txBox="1"/>
+          <p:nvPr/>
+        </p:nvSpPr>
+        <p:spPr>
+          <a:xfrm>
+            <a:off x="400664" y="1145458"/>
+            <a:ext cx="11638935" cy="6463308"/>
+          </a:xfrm>
+          <a:prstGeom prst="rect">
+            <a:avLst/>
+          </a:prstGeom>
+          <a:noFill/>
+        </p:spPr>
+        <p:txBody>
+          <a:bodyPr wrap="square">
+            <a:spAutoFit/>
+          </a:bodyPr>
+          <a:lstStyle/>
+          <a:p>
+            <a:pPr marL="0" marR="0" lvl="0" indent="0" algn="l" defTabSz="914400" rtl="0" eaLnBrk="1" fontAlgn="auto" latinLnBrk="0" hangingPunct="1">
+              <a:lnSpc>
+                <a:spcPct val="100000"/>
+              </a:lnSpc>
+              <a:spcBef>
+                <a:spcPts val="0"/>
+              </a:spcBef>
+              <a:spcAft>
+                <a:spcPts val="0"/>
+              </a:spcAft>
+              <a:buClrTx/>
+              <a:buSzTx/>
+              <a:buFontTx/>
+              <a:buNone/>
+              <a:tabLst/>
+              <a:defRPr/>
+            </a:pPr>
+            <a:r>
+              <a:rPr lang="en-IN" sz="1600" dirty="0">
+                <a:latin typeface="Times New Roman" panose="02020603050405020304" pitchFamily="18" charset="0"/>
+                <a:cs typeface="Times New Roman" panose="02020603050405020304" pitchFamily="18" charset="0"/>
+              </a:rPr>
+              <a:t>Abhay Padavi, Nikhil Birajdar, Rahul Raut, Suzanne Shaikh, Pratima Patil (2023). </a:t>
+            </a:r>
+            <a:r>
+              <a:rPr lang="en-US" sz="1600" dirty="0">
+                <a:latin typeface="Times New Roman" panose="02020603050405020304" pitchFamily="18" charset="0"/>
+                <a:cs typeface="Times New Roman" panose="02020603050405020304" pitchFamily="18" charset="0"/>
+              </a:rPr>
+              <a:t>Development of a Web Portal for the Training and Placement Cell of the College</a:t>
+            </a:r>
+            <a:r>
+              <a:rPr lang="en-IN" sz="1600" dirty="0">
+                <a:latin typeface="Times New Roman" panose="02020603050405020304" pitchFamily="18" charset="0"/>
+                <a:cs typeface="Times New Roman" panose="02020603050405020304" pitchFamily="18" charset="0"/>
+              </a:rPr>
+              <a:t>. </a:t>
+            </a:r>
+            <a:r>
+              <a:rPr lang="en-US" sz="1600" dirty="0">
+                <a:latin typeface="Times New Roman" panose="02020603050405020304" pitchFamily="18" charset="0"/>
+                <a:cs typeface="Times New Roman" panose="02020603050405020304" pitchFamily="18" charset="0"/>
+              </a:rPr>
+              <a:t>International Journal for Research in Applied Science &amp; Engineering Technology (IJRASET), Volume 11 Issue V May 2023. </a:t>
+            </a:r>
+            <a:r>
+              <a:rPr lang="en-US" sz="1600" dirty="0">
+                <a:latin typeface="Times New Roman" panose="02020603050405020304" pitchFamily="18" charset="0"/>
+                <a:cs typeface="Times New Roman" panose="02020603050405020304" pitchFamily="18" charset="0"/>
+                <a:hlinkClick r:id="rId2"/>
+              </a:rPr>
+              <a:t>https://typeset.io/pdf/development-of-a-web-portal-for-the-training-and-placement-3kk7301i.pdf</a:t>
+            </a:r>
+            <a:r>
+              <a:rPr lang="en-US" sz="1600" dirty="0">
+                <a:latin typeface="Times New Roman" panose="02020603050405020304" pitchFamily="18" charset="0"/>
+                <a:cs typeface="Times New Roman" panose="02020603050405020304" pitchFamily="18" charset="0"/>
+              </a:rPr>
+              <a:t> </a:t>
+            </a:r>
+          </a:p>
+          <a:p>
+            <a:pPr marL="0" marR="0" lvl="0" indent="0" algn="l" defTabSz="914400" rtl="0" eaLnBrk="1" fontAlgn="auto" latinLnBrk="0" hangingPunct="1">
+              <a:lnSpc>
+                <a:spcPct val="100000"/>
+              </a:lnSpc>
+              <a:spcBef>
+                <a:spcPts val="0"/>
+              </a:spcBef>
+              <a:spcAft>
+                <a:spcPts val="0"/>
+              </a:spcAft>
+              <a:buClrTx/>
+              <a:buSzTx/>
+              <a:buFontTx/>
+              <a:buNone/>
+              <a:tabLst/>
+              <a:defRPr/>
+            </a:pPr>
+            <a:endParaRPr lang="en-US" sz="1600" dirty="0">
+              <a:latin typeface="Times New Roman" panose="02020603050405020304" pitchFamily="18" charset="0"/>
+              <a:cs typeface="Times New Roman" panose="02020603050405020304" pitchFamily="18" charset="0"/>
+            </a:endParaRPr>
+          </a:p>
+          <a:p>
+            <a:pPr>
+              <a:defRPr/>
+            </a:pPr>
+            <a:r>
+              <a:rPr lang="en-IN" sz="1600" dirty="0">
+                <a:latin typeface="Times New Roman" panose="02020603050405020304" pitchFamily="18" charset="0"/>
+                <a:cs typeface="Times New Roman" panose="02020603050405020304" pitchFamily="18" charset="0"/>
+              </a:rPr>
+              <a:t>Shivani Chaurasia (2023). </a:t>
+            </a:r>
+            <a:r>
+              <a:rPr lang="en-US" sz="1600" dirty="0">
+                <a:latin typeface="Times New Roman" panose="02020603050405020304" pitchFamily="18" charset="0"/>
+                <a:cs typeface="Times New Roman" panose="02020603050405020304" pitchFamily="18" charset="0"/>
+              </a:rPr>
+              <a:t>Student Internship Placement Management System using Python. International Journal of Research in Science and Engineering, Vol: 03, No. 03, April-May 2023. </a:t>
+            </a:r>
+            <a:r>
+              <a:rPr lang="en-IN" sz="1600" dirty="0">
+                <a:latin typeface="Times New Roman" panose="02020603050405020304" pitchFamily="18" charset="0"/>
+                <a:cs typeface="Times New Roman" panose="02020603050405020304" pitchFamily="18" charset="0"/>
+                <a:hlinkClick r:id="rId3"/>
+              </a:rPr>
+              <a:t>https://doi.org/10.55529/ijrise.33.30.49</a:t>
+            </a:r>
+            <a:r>
+              <a:rPr lang="en-IN" sz="1600" dirty="0">
+                <a:latin typeface="Times New Roman" panose="02020603050405020304" pitchFamily="18" charset="0"/>
+                <a:cs typeface="Times New Roman" panose="02020603050405020304" pitchFamily="18" charset="0"/>
+              </a:rPr>
+              <a:t> </a:t>
+            </a:r>
+          </a:p>
+          <a:p>
+            <a:pPr>
+              <a:defRPr/>
+            </a:pPr>
+            <a:endParaRPr lang="en-IN" sz="1600" dirty="0">
+              <a:latin typeface="Times New Roman" panose="02020603050405020304" pitchFamily="18" charset="0"/>
+              <a:cs typeface="Times New Roman" panose="02020603050405020304" pitchFamily="18" charset="0"/>
+            </a:endParaRPr>
+          </a:p>
+          <a:p>
+            <a:pPr>
+              <a:defRPr/>
+            </a:pPr>
+            <a:r>
+              <a:rPr lang="en-IN" sz="1600" dirty="0">
+                <a:latin typeface="Times New Roman" panose="02020603050405020304" pitchFamily="18" charset="0"/>
+                <a:cs typeface="Times New Roman" panose="02020603050405020304" pitchFamily="18" charset="0"/>
+              </a:rPr>
+              <a:t>Mr. Puneshkumar U. Tembhare, Anand Khobragade, Rushabh Pachare, Sanjeev Sharma, Chaitanya Ramteke, Vaibhav Patil (2022). </a:t>
+            </a:r>
+            <a:r>
+              <a:rPr lang="en-US" sz="1600" dirty="0">
+                <a:latin typeface="Times New Roman" panose="02020603050405020304" pitchFamily="18" charset="0"/>
+                <a:cs typeface="Times New Roman" panose="02020603050405020304" pitchFamily="18" charset="0"/>
+              </a:rPr>
+              <a:t>Training and Placement Cell Android Application. International Journal of Innovations in Engineering and Science, </a:t>
+            </a:r>
+            <a:r>
+              <a:rPr lang="en-IN" sz="1600" dirty="0">
+                <a:latin typeface="Times New Roman" panose="02020603050405020304" pitchFamily="18" charset="0"/>
+                <a:cs typeface="Times New Roman" panose="02020603050405020304" pitchFamily="18" charset="0"/>
+              </a:rPr>
+              <a:t>Vol. 7, No. 2, 2022, PP. 20-23. </a:t>
+            </a:r>
+            <a:r>
+              <a:rPr lang="en-IN" sz="1600" dirty="0">
+                <a:latin typeface="Times New Roman" panose="02020603050405020304" pitchFamily="18" charset="0"/>
+                <a:cs typeface="Times New Roman" panose="02020603050405020304" pitchFamily="18" charset="0"/>
+                <a:hlinkClick r:id="rId4"/>
+              </a:rPr>
+              <a:t>https://doi.org/10.46335/IJIES.2022.7.2.3</a:t>
+            </a:r>
+            <a:r>
+              <a:rPr lang="en-IN" sz="1600" dirty="0">
+                <a:latin typeface="Times New Roman" panose="02020603050405020304" pitchFamily="18" charset="0"/>
+                <a:cs typeface="Times New Roman" panose="02020603050405020304" pitchFamily="18" charset="0"/>
+              </a:rPr>
+              <a:t> </a:t>
+            </a:r>
+          </a:p>
+          <a:p>
+            <a:pPr>
+              <a:defRPr/>
+            </a:pPr>
+            <a:endParaRPr lang="en-IN" sz="1600" dirty="0">
+              <a:latin typeface="Times New Roman" panose="02020603050405020304" pitchFamily="18" charset="0"/>
+              <a:cs typeface="Times New Roman" panose="02020603050405020304" pitchFamily="18" charset="0"/>
+            </a:endParaRPr>
+          </a:p>
+          <a:p>
+            <a:pPr>
+              <a:defRPr/>
+            </a:pPr>
+            <a:r>
+              <a:rPr lang="en-IN" sz="1600" dirty="0">
+                <a:latin typeface="Times New Roman" panose="02020603050405020304" pitchFamily="18" charset="0"/>
+                <a:cs typeface="Times New Roman" panose="02020603050405020304" pitchFamily="18" charset="0"/>
+              </a:rPr>
+              <a:t>Ashish Nanotkar, Nikita Jamgade, Prayas Tiwari, Siddhesh Ninawe, Prayash Bhoyar, Rahul Yadav (2023). </a:t>
+            </a:r>
+            <a:r>
+              <a:rPr lang="en-US" sz="1600" dirty="0">
+                <a:latin typeface="Times New Roman" panose="02020603050405020304" pitchFamily="18" charset="0"/>
+                <a:cs typeface="Times New Roman" panose="02020603050405020304" pitchFamily="18" charset="0"/>
+              </a:rPr>
+              <a:t>Development of Web Application to Automate Training &amp; Placement Process</a:t>
+            </a:r>
+            <a:r>
+              <a:rPr lang="en-IN" sz="1600" dirty="0">
+                <a:latin typeface="Times New Roman" panose="02020603050405020304" pitchFamily="18" charset="0"/>
+                <a:cs typeface="Times New Roman" panose="02020603050405020304" pitchFamily="18" charset="0"/>
+              </a:rPr>
+              <a:t>. International Journal of Novel Research and Development, </a:t>
+            </a:r>
+            <a:r>
+              <a:rPr lang="en-US" sz="1600" dirty="0">
+                <a:latin typeface="Times New Roman" panose="02020603050405020304" pitchFamily="18" charset="0"/>
+                <a:cs typeface="Times New Roman" panose="02020603050405020304" pitchFamily="18" charset="0"/>
+              </a:rPr>
+              <a:t>Volume 8, Issue 3 March 2023</a:t>
+            </a:r>
+            <a:r>
+              <a:rPr lang="en-IN" sz="1600" dirty="0">
+                <a:latin typeface="Times New Roman" panose="02020603050405020304" pitchFamily="18" charset="0"/>
+                <a:cs typeface="Times New Roman" panose="02020603050405020304" pitchFamily="18" charset="0"/>
+              </a:rPr>
+              <a:t>. </a:t>
+            </a:r>
+            <a:r>
+              <a:rPr lang="en-IN" sz="1600" dirty="0">
+                <a:latin typeface="Times New Roman" panose="02020603050405020304" pitchFamily="18" charset="0"/>
+                <a:cs typeface="Times New Roman" panose="02020603050405020304" pitchFamily="18" charset="0"/>
+                <a:hlinkClick r:id="rId5"/>
+              </a:rPr>
+              <a:t>https://www.ijnrd.org/papers/IJNRD2303426.pdf</a:t>
+            </a:r>
+            <a:endParaRPr lang="en-IN" sz="1600" dirty="0">
+              <a:latin typeface="Times New Roman" panose="02020603050405020304" pitchFamily="18" charset="0"/>
+              <a:cs typeface="Times New Roman" panose="02020603050405020304" pitchFamily="18" charset="0"/>
+            </a:endParaRPr>
+          </a:p>
+          <a:p>
+            <a:pPr>
+              <a:defRPr/>
+            </a:pPr>
+            <a:endParaRPr lang="en-IN" sz="1600" dirty="0">
+              <a:latin typeface="Times New Roman" panose="02020603050405020304" pitchFamily="18" charset="0"/>
+              <a:cs typeface="Times New Roman" panose="02020603050405020304" pitchFamily="18" charset="0"/>
+            </a:endParaRPr>
+          </a:p>
+          <a:p>
+            <a:pPr>
+              <a:defRPr/>
+            </a:pPr>
+            <a:r>
+              <a:rPr lang="en-IN" sz="1600" dirty="0">
+                <a:latin typeface="Times New Roman" panose="02020603050405020304" pitchFamily="18" charset="0"/>
+                <a:cs typeface="Times New Roman" panose="02020603050405020304" pitchFamily="18" charset="0"/>
+              </a:rPr>
+              <a:t>Twinkle Panchal, Mayuresh Wadke, Prof. Aishwarya Sedamkar (2023). Placement Management System. </a:t>
+            </a:r>
+            <a:r>
+              <a:rPr lang="en-US" sz="1600" dirty="0">
+                <a:latin typeface="Times New Roman" panose="02020603050405020304" pitchFamily="18" charset="0"/>
+                <a:cs typeface="Times New Roman" panose="02020603050405020304" pitchFamily="18" charset="0"/>
+              </a:rPr>
+              <a:t>International Research Journal of Engineering and Technology (IRJET), Volume: 09 Issue: 04 | Apr 2022. </a:t>
+            </a:r>
+            <a:r>
+              <a:rPr lang="en-US" sz="1600" dirty="0">
+                <a:latin typeface="Times New Roman" panose="02020603050405020304" pitchFamily="18" charset="0"/>
+                <a:cs typeface="Times New Roman" panose="02020603050405020304" pitchFamily="18" charset="0"/>
+                <a:hlinkClick r:id="rId6"/>
+              </a:rPr>
+              <a:t>https://www.irjet.net/archives/V9/i4/IRJET-V9I4301.pdf</a:t>
+            </a:r>
+            <a:r>
+              <a:rPr lang="en-US" sz="1600" dirty="0">
+                <a:latin typeface="Times New Roman" panose="02020603050405020304" pitchFamily="18" charset="0"/>
+                <a:cs typeface="Times New Roman" panose="02020603050405020304" pitchFamily="18" charset="0"/>
+              </a:rPr>
+              <a:t> </a:t>
+            </a:r>
+            <a:endParaRPr lang="en-IN" sz="1600" dirty="0">
+              <a:latin typeface="Times New Roman" panose="02020603050405020304" pitchFamily="18" charset="0"/>
+              <a:cs typeface="Times New Roman" panose="02020603050405020304" pitchFamily="18" charset="0"/>
+            </a:endParaRPr>
+          </a:p>
+          <a:p>
+            <a:pPr>
+              <a:defRPr/>
+            </a:pPr>
+            <a:r>
+              <a:rPr lang="en-IN" sz="1600" dirty="0">
+                <a:latin typeface="Times New Roman" panose="02020603050405020304" pitchFamily="18" charset="0"/>
+                <a:cs typeface="Times New Roman" panose="02020603050405020304" pitchFamily="18" charset="0"/>
+              </a:rPr>
+              <a:t> </a:t>
+            </a:r>
+          </a:p>
+          <a:p>
+            <a:pPr>
+              <a:defRPr/>
+            </a:pPr>
+            <a:endParaRPr lang="en-IN" sz="1800" dirty="0"/>
+          </a:p>
+          <a:p>
+            <a:pPr>
+              <a:defRPr/>
+            </a:pPr>
+            <a:endParaRPr lang="en-IN" sz="1800" dirty="0"/>
+          </a:p>
+          <a:p>
+            <a:pPr>
+              <a:defRPr/>
+            </a:pPr>
+            <a:endParaRPr lang="en-IN" dirty="0"/>
+          </a:p>
+          <a:p>
+            <a:pPr>
+              <a:defRPr/>
+            </a:pPr>
+            <a:endParaRPr lang="en-IN" sz="1800" dirty="0"/>
+          </a:p>
+          <a:p>
+            <a:pPr>
+              <a:defRPr/>
+            </a:pPr>
+            <a:endParaRPr lang="en-US" dirty="0"/>
+          </a:p>
+          <a:p>
+            <a:pPr marL="0" marR="0" lvl="0" indent="0" algn="l" defTabSz="914400" rtl="0" eaLnBrk="1" fontAlgn="auto" latinLnBrk="0" hangingPunct="1">
+              <a:lnSpc>
+                <a:spcPct val="100000"/>
+              </a:lnSpc>
+              <a:spcBef>
+                <a:spcPts val="0"/>
+              </a:spcBef>
+              <a:spcAft>
+                <a:spcPts val="0"/>
+              </a:spcAft>
+              <a:buClrTx/>
+              <a:buSzTx/>
+              <a:buFontTx/>
+              <a:buNone/>
+              <a:tabLst/>
+              <a:defRPr/>
+            </a:pPr>
+            <a:endParaRPr lang="en-US" sz="1800" dirty="0"/>
+          </a:p>
+          <a:p>
+            <a:pPr marL="0" marR="0" lvl="0" indent="0" algn="l" defTabSz="914400" rtl="0" eaLnBrk="1" fontAlgn="auto" latinLnBrk="0" hangingPunct="1">
+              <a:lnSpc>
+                <a:spcPct val="100000"/>
+              </a:lnSpc>
+              <a:spcBef>
+                <a:spcPts val="0"/>
+              </a:spcBef>
+              <a:spcAft>
+                <a:spcPts val="0"/>
+              </a:spcAft>
+              <a:buClrTx/>
+              <a:buSzTx/>
+              <a:buFontTx/>
+              <a:buNone/>
+              <a:tabLst/>
+              <a:defRPr/>
+            </a:pPr>
+            <a:endParaRPr lang="en-IN" sz="1800" dirty="0"/>
+          </a:p>
+        </p:txBody>
+      </p:sp>
+    </p:spTree>
+    <p:extLst>
+      <p:ext uri="{BB962C8B-B14F-4D97-AF65-F5344CB8AC3E}">
+        <p14:creationId xmlns:p14="http://schemas.microsoft.com/office/powerpoint/2010/main" val="3367276328"/>
+      </p:ext>
+    </p:extLst>
+  </p:cSld>
+  <p:clrMapOvr>
+    <a:masterClrMapping/>
+  </p:clrMapOvr>
+</p:sld>
+</file>
+
+<file path=ppt/slides/slide15.xml><?xml version="1.0" encoding="utf-8"?>
+<p:sld xmlns:a="http://schemas.openxmlformats.org/drawingml/2006/main" xmlns:r="http://schemas.openxmlformats.org/officeDocument/2006/relationships" xmlns:p="http://schemas.openxmlformats.org/presentationml/2006/main">
+  <p:cSld>
+    <p:spTree>
+      <p:nvGrpSpPr>
+        <p:cNvPr id="1" name=""/>
+        <p:cNvGrpSpPr/>
+        <p:nvPr/>
+      </p:nvGrpSpPr>
+      <p:grpSpPr>
+        <a:xfrm>
+          <a:off x="0" y="0"/>
+          <a:ext cx="0" cy="0"/>
+          <a:chOff x="0" y="0"/>
+          <a:chExt cx="0" cy="0"/>
+        </a:xfrm>
+      </p:grpSpPr>
+      <p:sp>
+        <p:nvSpPr>
+          <p:cNvPr id="2" name="Slide Number Placeholder 1">
+            <a:extLst>
+              <a:ext uri="{FF2B5EF4-FFF2-40B4-BE49-F238E27FC236}">
+                <a16:creationId xmlns:a16="http://schemas.microsoft.com/office/drawing/2014/main" id="{9CB65FBB-249A-5605-2F99-511CFED8893B}"/>
+              </a:ext>
+            </a:extLst>
+          </p:cNvPr>
+          <p:cNvSpPr>
+            <a:spLocks noGrp="1"/>
+          </p:cNvSpPr>
+          <p:nvPr>
+            <p:ph type="sldNum" sz="quarter" idx="12"/>
+          </p:nvPr>
+        </p:nvSpPr>
+        <p:spPr/>
+        <p:txBody>
+          <a:bodyPr/>
+          <a:lstStyle/>
+          <a:p>
+            <a:fld id="{B6F15528-21DE-4FAA-801E-634DDDAF4B2B}" type="slidenum">
+              <a:rPr lang="en-US" smtClean="0"/>
+              <a:pPr/>
+              <a:t>15</a:t>
+            </a:fld>
+            <a:endParaRPr lang="en-US"/>
+          </a:p>
+        </p:txBody>
+      </p:sp>
+      <p:sp>
+        <p:nvSpPr>
+          <p:cNvPr id="3" name="TextBox 2">
+            <a:extLst>
+              <a:ext uri="{FF2B5EF4-FFF2-40B4-BE49-F238E27FC236}">
+                <a16:creationId xmlns:a16="http://schemas.microsoft.com/office/drawing/2014/main" id="{2EAB3A8A-A119-1A7D-CDEF-03385BD36B1D}"/>
+              </a:ext>
+            </a:extLst>
+          </p:cNvPr>
+          <p:cNvSpPr txBox="1"/>
+          <p:nvPr/>
+        </p:nvSpPr>
+        <p:spPr>
+          <a:xfrm>
+            <a:off x="3741174" y="2768425"/>
+            <a:ext cx="8458200" cy="1015663"/>
+          </a:xfrm>
+          <a:prstGeom prst="rect">
+            <a:avLst/>
+          </a:prstGeom>
+          <a:noFill/>
+        </p:spPr>
+        <p:txBody>
+          <a:bodyPr wrap="square" rtlCol="0">
+            <a:spAutoFit/>
+          </a:bodyPr>
+          <a:lstStyle/>
+          <a:p>
+            <a:r>
+              <a:rPr lang="en-IN" sz="6000" b="1" dirty="0">
+                <a:latin typeface="Times New Roman" panose="02020603050405020304" pitchFamily="18" charset="0"/>
+                <a:cs typeface="Times New Roman" panose="02020603050405020304" pitchFamily="18" charset="0"/>
+              </a:rPr>
+              <a:t>THANK YOU </a:t>
+            </a:r>
+          </a:p>
+        </p:txBody>
+      </p:sp>
+    </p:spTree>
+    <p:extLst>
+      <p:ext uri="{BB962C8B-B14F-4D97-AF65-F5344CB8AC3E}">
+        <p14:creationId xmlns:p14="http://schemas.microsoft.com/office/powerpoint/2010/main" val="2137571735"/>
+      </p:ext>
+    </p:extLst>
+  </p:cSld>
+  <p:clrMapOvr>
+    <a:masterClrMapping/>
+  </p:clrMapOvr>
 </p:sld>
 </file>
 
@@ -3786,7 +5339,7 @@
         </p:nvSpPr>
         <p:spPr>
           <a:xfrm>
-            <a:off x="457200" y="0"/>
+            <a:off x="1981200" y="0"/>
             <a:ext cx="8229600" cy="1143000"/>
           </a:xfrm>
         </p:spPr>
@@ -3795,16 +5348,12 @@
           <a:lstStyle/>
           <a:p>
             <a:r>
-              <a:rPr lang="en-IN" b="1" dirty="0" smtClean="0">
+              <a:rPr lang="en-IN" b="1" dirty="0">
                 <a:latin typeface="Times New Roman" pitchFamily="18" charset="0"/>
                 <a:cs typeface="Times New Roman" pitchFamily="18" charset="0"/>
               </a:rPr>
               <a:t>Outline</a:t>
             </a:r>
-            <a:endParaRPr lang="en-IN" b="1" dirty="0">
-              <a:latin typeface="Times New Roman" pitchFamily="18" charset="0"/>
-              <a:cs typeface="Times New Roman" pitchFamily="18" charset="0"/>
-            </a:endParaRPr>
           </a:p>
         </p:txBody>
       </p:sp>
@@ -3820,8 +5369,8 @@
         </p:nvSpPr>
         <p:spPr>
           <a:xfrm>
-            <a:off x="533400" y="990600"/>
-            <a:ext cx="8229600" cy="4525963"/>
+            <a:off x="2057400" y="990600"/>
+            <a:ext cx="8229600" cy="5365750"/>
           </a:xfrm>
         </p:spPr>
         <p:txBody>
@@ -3836,7 +5385,7 @@
               </a:lnSpc>
             </a:pPr>
             <a:r>
-              <a:rPr lang="en-IN" sz="2800" dirty="0" smtClean="0">
+              <a:rPr lang="en-IN" sz="2800" dirty="0">
                 <a:latin typeface="Times New Roman" pitchFamily="18" charset="0"/>
                 <a:cs typeface="Times New Roman" pitchFamily="18" charset="0"/>
               </a:rPr>
@@ -3852,7 +5401,7 @@
               <a:buChar char="•"/>
             </a:pPr>
             <a:r>
-              <a:rPr lang="en-IN" dirty="0" smtClean="0">
+              <a:rPr lang="en-IN" dirty="0">
                 <a:latin typeface="Times New Roman" pitchFamily="18" charset="0"/>
                 <a:cs typeface="Times New Roman" pitchFamily="18" charset="0"/>
               </a:rPr>
@@ -3868,7 +5417,7 @@
               <a:buChar char="•"/>
             </a:pPr>
             <a:r>
-              <a:rPr lang="en-IN" dirty="0" smtClean="0">
+              <a:rPr lang="en-IN" dirty="0">
                 <a:latin typeface="Times New Roman" pitchFamily="18" charset="0"/>
                 <a:cs typeface="Times New Roman" pitchFamily="18" charset="0"/>
               </a:rPr>
@@ -3884,7 +5433,7 @@
               <a:buChar char="•"/>
             </a:pPr>
             <a:r>
-              <a:rPr lang="en-IN" dirty="0" smtClean="0">
+              <a:rPr lang="en-IN" dirty="0">
                 <a:latin typeface="Times New Roman" pitchFamily="18" charset="0"/>
                 <a:cs typeface="Times New Roman" pitchFamily="18" charset="0"/>
               </a:rPr>
@@ -3900,7 +5449,7 @@
               <a:buChar char="•"/>
             </a:pPr>
             <a:r>
-              <a:rPr lang="en-IN" dirty="0" smtClean="0">
+              <a:rPr lang="en-IN" dirty="0">
                 <a:latin typeface="Times New Roman" pitchFamily="18" charset="0"/>
                 <a:cs typeface="Times New Roman" pitchFamily="18" charset="0"/>
               </a:rPr>
@@ -3916,7 +5465,7 @@
               <a:buChar char="•"/>
             </a:pPr>
             <a:r>
-              <a:rPr lang="en-IN" dirty="0" smtClean="0">
+              <a:rPr lang="en-IN" dirty="0">
                 <a:latin typeface="Times New Roman" pitchFamily="18" charset="0"/>
                 <a:cs typeface="Times New Roman" pitchFamily="18" charset="0"/>
               </a:rPr>
@@ -3932,7 +5481,7 @@
               <a:buChar char="•"/>
             </a:pPr>
             <a:r>
-              <a:rPr lang="en-IN" dirty="0" smtClean="0">
+              <a:rPr lang="en-IN" dirty="0">
                 <a:latin typeface="Times New Roman" pitchFamily="18" charset="0"/>
                 <a:cs typeface="Times New Roman" pitchFamily="18" charset="0"/>
               </a:rPr>
@@ -3941,7 +5490,7 @@
           </a:p>
           <a:p>
             <a:pPr lvl="1"/>
-            <a:endParaRPr lang="en-IN" sz="1600" dirty="0" smtClean="0">
+            <a:endParaRPr lang="en-IN" sz="1600" dirty="0">
               <a:latin typeface="Times New Roman" pitchFamily="18" charset="0"/>
               <a:cs typeface="Times New Roman" pitchFamily="18" charset="0"/>
             </a:endParaRPr>
@@ -3986,13 +5535,3413 @@
   <p:clrMapOvr>
     <a:masterClrMapping/>
   </p:clrMapOvr>
-  <p:timing>
-    <p:tnLst>
-      <p:par>
-        <p:cTn id="1" dur="indefinite" restart="never" nodeType="tmRoot"/>
-      </p:par>
-    </p:tnLst>
-  </p:timing>
+</p:sld>
+</file>
+
+<file path=ppt/slides/slide3.xml><?xml version="1.0" encoding="utf-8"?>
+<p:sld xmlns:a="http://schemas.openxmlformats.org/drawingml/2006/main" xmlns:r="http://schemas.openxmlformats.org/officeDocument/2006/relationships" xmlns:p="http://schemas.openxmlformats.org/presentationml/2006/main">
+  <p:cSld>
+    <p:spTree>
+      <p:nvGrpSpPr>
+        <p:cNvPr id="1" name=""/>
+        <p:cNvGrpSpPr/>
+        <p:nvPr/>
+      </p:nvGrpSpPr>
+      <p:grpSpPr>
+        <a:xfrm>
+          <a:off x="0" y="0"/>
+          <a:ext cx="0" cy="0"/>
+          <a:chOff x="0" y="0"/>
+          <a:chExt cx="0" cy="0"/>
+        </a:xfrm>
+      </p:grpSpPr>
+      <p:sp>
+        <p:nvSpPr>
+          <p:cNvPr id="2" name="Slide Number Placeholder 1">
+            <a:extLst>
+              <a:ext uri="{FF2B5EF4-FFF2-40B4-BE49-F238E27FC236}">
+                <a16:creationId xmlns:a16="http://schemas.microsoft.com/office/drawing/2014/main" id="{A8CED2AC-B1AD-5311-07D6-9EC42B07B90D}"/>
+              </a:ext>
+            </a:extLst>
+          </p:cNvPr>
+          <p:cNvSpPr>
+            <a:spLocks noGrp="1"/>
+          </p:cNvSpPr>
+          <p:nvPr>
+            <p:ph type="sldNum" sz="quarter" idx="12"/>
+          </p:nvPr>
+        </p:nvSpPr>
+        <p:spPr/>
+        <p:txBody>
+          <a:bodyPr/>
+          <a:lstStyle/>
+          <a:p>
+            <a:fld id="{B6F15528-21DE-4FAA-801E-634DDDAF4B2B}" type="slidenum">
+              <a:rPr lang="en-US" smtClean="0"/>
+              <a:pPr/>
+              <a:t>3</a:t>
+            </a:fld>
+            <a:endParaRPr lang="en-US"/>
+          </a:p>
+        </p:txBody>
+      </p:sp>
+      <p:sp>
+        <p:nvSpPr>
+          <p:cNvPr id="4" name="TextBox 3">
+            <a:extLst>
+              <a:ext uri="{FF2B5EF4-FFF2-40B4-BE49-F238E27FC236}">
+                <a16:creationId xmlns:a16="http://schemas.microsoft.com/office/drawing/2014/main" id="{868A3276-B089-6DE1-DD6D-CB4EC4C5CE6C}"/>
+              </a:ext>
+            </a:extLst>
+          </p:cNvPr>
+          <p:cNvSpPr txBox="1"/>
+          <p:nvPr/>
+        </p:nvSpPr>
+        <p:spPr>
+          <a:xfrm>
+            <a:off x="2895600" y="457200"/>
+            <a:ext cx="6096000" cy="707886"/>
+          </a:xfrm>
+          <a:prstGeom prst="rect">
+            <a:avLst/>
+          </a:prstGeom>
+          <a:noFill/>
+        </p:spPr>
+        <p:txBody>
+          <a:bodyPr wrap="square">
+            <a:spAutoFit/>
+          </a:bodyPr>
+          <a:lstStyle/>
+          <a:p>
+            <a:pPr algn="ctr"/>
+            <a:r>
+              <a:rPr lang="en-IN" sz="4000" b="1" dirty="0">
+                <a:latin typeface="Times New Roman" pitchFamily="18" charset="0"/>
+                <a:cs typeface="Times New Roman" pitchFamily="18" charset="0"/>
+              </a:rPr>
+              <a:t>Objective of Project</a:t>
+            </a:r>
+            <a:endParaRPr lang="en-IN" sz="4000" b="1" dirty="0"/>
+          </a:p>
+        </p:txBody>
+      </p:sp>
+      <p:sp>
+        <p:nvSpPr>
+          <p:cNvPr id="6" name="TextBox 5">
+            <a:extLst>
+              <a:ext uri="{FF2B5EF4-FFF2-40B4-BE49-F238E27FC236}">
+                <a16:creationId xmlns:a16="http://schemas.microsoft.com/office/drawing/2014/main" id="{3B75D643-AB0A-997D-0C6F-0B74DC7E21F0}"/>
+              </a:ext>
+            </a:extLst>
+          </p:cNvPr>
+          <p:cNvSpPr txBox="1"/>
+          <p:nvPr/>
+        </p:nvSpPr>
+        <p:spPr>
+          <a:xfrm>
+            <a:off x="838200" y="1752600"/>
+            <a:ext cx="10591800" cy="2246769"/>
+          </a:xfrm>
+          <a:prstGeom prst="rect">
+            <a:avLst/>
+          </a:prstGeom>
+          <a:noFill/>
+        </p:spPr>
+        <p:txBody>
+          <a:bodyPr wrap="square">
+            <a:spAutoFit/>
+          </a:bodyPr>
+          <a:lstStyle/>
+          <a:p>
+            <a:r>
+              <a:rPr lang="en-IN" sz="2800" dirty="0">
+                <a:latin typeface="Times New Roman" panose="02020603050405020304" pitchFamily="18" charset="0"/>
+                <a:cs typeface="Times New Roman" panose="02020603050405020304" pitchFamily="18" charset="0"/>
+              </a:rPr>
+              <a:t>Develop a college placement app to enhance and streamline the campus recruitment process, making it efficient, transparent, and user-friendly for students, recruiters, and college administrators. The objective is to manage all data records systematically, ensuring they are instantly accessible without extra effort and free from redundancy.     </a:t>
+            </a:r>
+          </a:p>
+        </p:txBody>
+      </p:sp>
+    </p:spTree>
+    <p:extLst>
+      <p:ext uri="{BB962C8B-B14F-4D97-AF65-F5344CB8AC3E}">
+        <p14:creationId xmlns:p14="http://schemas.microsoft.com/office/powerpoint/2010/main" val="2708467196"/>
+      </p:ext>
+    </p:extLst>
+  </p:cSld>
+  <p:clrMapOvr>
+    <a:masterClrMapping/>
+  </p:clrMapOvr>
+</p:sld>
+</file>
+
+<file path=ppt/slides/slide4.xml><?xml version="1.0" encoding="utf-8"?>
+<p:sld xmlns:a="http://schemas.openxmlformats.org/drawingml/2006/main" xmlns:r="http://schemas.openxmlformats.org/officeDocument/2006/relationships" xmlns:p="http://schemas.openxmlformats.org/presentationml/2006/main">
+  <p:cSld>
+    <p:spTree>
+      <p:nvGrpSpPr>
+        <p:cNvPr id="1" name=""/>
+        <p:cNvGrpSpPr/>
+        <p:nvPr/>
+      </p:nvGrpSpPr>
+      <p:grpSpPr>
+        <a:xfrm>
+          <a:off x="0" y="0"/>
+          <a:ext cx="0" cy="0"/>
+          <a:chOff x="0" y="0"/>
+          <a:chExt cx="0" cy="0"/>
+        </a:xfrm>
+      </p:grpSpPr>
+      <p:sp>
+        <p:nvSpPr>
+          <p:cNvPr id="2" name="Slide Number Placeholder 1">
+            <a:extLst>
+              <a:ext uri="{FF2B5EF4-FFF2-40B4-BE49-F238E27FC236}">
+                <a16:creationId xmlns:a16="http://schemas.microsoft.com/office/drawing/2014/main" id="{97709230-8A04-7B16-7564-8CBE9B0E13AD}"/>
+              </a:ext>
+            </a:extLst>
+          </p:cNvPr>
+          <p:cNvSpPr>
+            <a:spLocks noGrp="1"/>
+          </p:cNvSpPr>
+          <p:nvPr>
+            <p:ph type="sldNum" sz="quarter" idx="12"/>
+          </p:nvPr>
+        </p:nvSpPr>
+        <p:spPr/>
+        <p:txBody>
+          <a:bodyPr/>
+          <a:lstStyle/>
+          <a:p>
+            <a:fld id="{B6F15528-21DE-4FAA-801E-634DDDAF4B2B}" type="slidenum">
+              <a:rPr lang="en-US" smtClean="0"/>
+              <a:pPr/>
+              <a:t>4</a:t>
+            </a:fld>
+            <a:endParaRPr lang="en-US"/>
+          </a:p>
+        </p:txBody>
+      </p:sp>
+      <p:sp>
+        <p:nvSpPr>
+          <p:cNvPr id="4" name="TextBox 3">
+            <a:extLst>
+              <a:ext uri="{FF2B5EF4-FFF2-40B4-BE49-F238E27FC236}">
+                <a16:creationId xmlns:a16="http://schemas.microsoft.com/office/drawing/2014/main" id="{6295B4E8-D074-D168-D49D-4DFA7ADE9598}"/>
+              </a:ext>
+            </a:extLst>
+          </p:cNvPr>
+          <p:cNvSpPr txBox="1"/>
+          <p:nvPr/>
+        </p:nvSpPr>
+        <p:spPr>
+          <a:xfrm>
+            <a:off x="3810000" y="304800"/>
+            <a:ext cx="5105400" cy="905056"/>
+          </a:xfrm>
+          <a:prstGeom prst="rect">
+            <a:avLst/>
+          </a:prstGeom>
+          <a:noFill/>
+        </p:spPr>
+        <p:txBody>
+          <a:bodyPr wrap="square">
+            <a:spAutoFit/>
+          </a:bodyPr>
+          <a:lstStyle/>
+          <a:p>
+            <a:pPr marL="0" lvl="1">
+              <a:lnSpc>
+                <a:spcPct val="150000"/>
+              </a:lnSpc>
+            </a:pPr>
+            <a:r>
+              <a:rPr lang="en-IN" sz="4000" b="1" dirty="0">
+                <a:latin typeface="Times New Roman" pitchFamily="18" charset="0"/>
+                <a:cs typeface="Times New Roman" pitchFamily="18" charset="0"/>
+              </a:rPr>
+              <a:t>Problem Statement</a:t>
+            </a:r>
+          </a:p>
+        </p:txBody>
+      </p:sp>
+      <p:sp>
+        <p:nvSpPr>
+          <p:cNvPr id="6" name="TextBox 5">
+            <a:extLst>
+              <a:ext uri="{FF2B5EF4-FFF2-40B4-BE49-F238E27FC236}">
+                <a16:creationId xmlns:a16="http://schemas.microsoft.com/office/drawing/2014/main" id="{CFECE94C-FF8D-C8C2-EBF6-FBA866A1A279}"/>
+              </a:ext>
+            </a:extLst>
+          </p:cNvPr>
+          <p:cNvSpPr txBox="1"/>
+          <p:nvPr/>
+        </p:nvSpPr>
+        <p:spPr>
+          <a:xfrm>
+            <a:off x="571500" y="1905000"/>
+            <a:ext cx="11049000" cy="2246769"/>
+          </a:xfrm>
+          <a:prstGeom prst="rect">
+            <a:avLst/>
+          </a:prstGeom>
+          <a:noFill/>
+        </p:spPr>
+        <p:txBody>
+          <a:bodyPr wrap="square">
+            <a:spAutoFit/>
+          </a:bodyPr>
+          <a:lstStyle/>
+          <a:p>
+            <a:r>
+              <a:rPr lang="en-IN" sz="2800" dirty="0">
+                <a:latin typeface="Times New Roman" panose="02020603050405020304" pitchFamily="18" charset="0"/>
+                <a:cs typeface="Times New Roman" panose="02020603050405020304" pitchFamily="18" charset="0"/>
+              </a:rPr>
+              <a:t>The traditional campus placement process is often manual, time-consuming, and inefficient, leading to communication gaps . It lacks real-time communication and is cumbersome to manage manually. There is a need for a centralized, digital solution to facilitate easier access to placement opportunities and streamline the application process.</a:t>
+            </a:r>
+          </a:p>
+        </p:txBody>
+      </p:sp>
+    </p:spTree>
+    <p:extLst>
+      <p:ext uri="{BB962C8B-B14F-4D97-AF65-F5344CB8AC3E}">
+        <p14:creationId xmlns:p14="http://schemas.microsoft.com/office/powerpoint/2010/main" val="2905438338"/>
+      </p:ext>
+    </p:extLst>
+  </p:cSld>
+  <p:clrMapOvr>
+    <a:masterClrMapping/>
+  </p:clrMapOvr>
+</p:sld>
+</file>
+
+<file path=ppt/slides/slide5.xml><?xml version="1.0" encoding="utf-8"?>
+<p:sld xmlns:a="http://schemas.openxmlformats.org/drawingml/2006/main" xmlns:r="http://schemas.openxmlformats.org/officeDocument/2006/relationships" xmlns:p="http://schemas.openxmlformats.org/presentationml/2006/main">
+  <p:cSld>
+    <p:spTree>
+      <p:nvGrpSpPr>
+        <p:cNvPr id="1" name=""/>
+        <p:cNvGrpSpPr/>
+        <p:nvPr/>
+      </p:nvGrpSpPr>
+      <p:grpSpPr>
+        <a:xfrm>
+          <a:off x="0" y="0"/>
+          <a:ext cx="0" cy="0"/>
+          <a:chOff x="0" y="0"/>
+          <a:chExt cx="0" cy="0"/>
+        </a:xfrm>
+      </p:grpSpPr>
+      <p:sp>
+        <p:nvSpPr>
+          <p:cNvPr id="2" name="Title 1">
+            <a:extLst>
+              <a:ext uri="{FF2B5EF4-FFF2-40B4-BE49-F238E27FC236}">
+                <a16:creationId xmlns:a16="http://schemas.microsoft.com/office/drawing/2014/main" id="{42D6F973-BDA8-0DB4-ADCB-5C7E4E3C52AC}"/>
+              </a:ext>
+            </a:extLst>
+          </p:cNvPr>
+          <p:cNvSpPr>
+            <a:spLocks noGrp="1"/>
+          </p:cNvSpPr>
+          <p:nvPr>
+            <p:ph type="title"/>
+          </p:nvPr>
+        </p:nvSpPr>
+        <p:spPr>
+          <a:xfrm>
+            <a:off x="609600" y="0"/>
+            <a:ext cx="10972800" cy="1143000"/>
+          </a:xfrm>
+        </p:spPr>
+        <p:txBody>
+          <a:bodyPr>
+            <a:normAutofit fontScale="90000"/>
+          </a:bodyPr>
+          <a:lstStyle/>
+          <a:p>
+            <a:br>
+              <a:rPr lang="en-IN" sz="4400" b="1" dirty="0">
+                <a:latin typeface="Times New Roman" pitchFamily="18" charset="0"/>
+                <a:cs typeface="Times New Roman" pitchFamily="18" charset="0"/>
+              </a:rPr>
+            </a:br>
+            <a:r>
+              <a:rPr lang="en-IN" sz="4400" b="1" dirty="0">
+                <a:latin typeface="Times New Roman" pitchFamily="18" charset="0"/>
+                <a:cs typeface="Times New Roman" pitchFamily="18" charset="0"/>
+              </a:rPr>
+              <a:t>Literature Survey</a:t>
+            </a:r>
+            <a:br>
+              <a:rPr lang="en-IN" sz="4400" b="1" dirty="0">
+                <a:latin typeface="Times New Roman" pitchFamily="18" charset="0"/>
+                <a:cs typeface="Times New Roman" pitchFamily="18" charset="0"/>
+              </a:rPr>
+            </a:br>
+            <a:endParaRPr lang="en-IN" dirty="0"/>
+          </a:p>
+        </p:txBody>
+      </p:sp>
+      <p:sp>
+        <p:nvSpPr>
+          <p:cNvPr id="3" name="Slide Number Placeholder 2">
+            <a:extLst>
+              <a:ext uri="{FF2B5EF4-FFF2-40B4-BE49-F238E27FC236}">
+                <a16:creationId xmlns:a16="http://schemas.microsoft.com/office/drawing/2014/main" id="{80B14422-7553-D88A-7ED6-13F3F25C1332}"/>
+              </a:ext>
+            </a:extLst>
+          </p:cNvPr>
+          <p:cNvSpPr>
+            <a:spLocks noGrp="1"/>
+          </p:cNvSpPr>
+          <p:nvPr>
+            <p:ph type="sldNum" sz="quarter" idx="12"/>
+          </p:nvPr>
+        </p:nvSpPr>
+        <p:spPr/>
+        <p:txBody>
+          <a:bodyPr/>
+          <a:lstStyle/>
+          <a:p>
+            <a:fld id="{B6F15528-21DE-4FAA-801E-634DDDAF4B2B}" type="slidenum">
+              <a:rPr lang="en-US" smtClean="0"/>
+              <a:pPr/>
+              <a:t>5</a:t>
+            </a:fld>
+            <a:endParaRPr lang="en-US"/>
+          </a:p>
+        </p:txBody>
+      </p:sp>
+      <p:graphicFrame>
+        <p:nvGraphicFramePr>
+          <p:cNvPr id="6" name="Table 5">
+            <a:extLst>
+              <a:ext uri="{FF2B5EF4-FFF2-40B4-BE49-F238E27FC236}">
+                <a16:creationId xmlns:a16="http://schemas.microsoft.com/office/drawing/2014/main" id="{2C7EB1F1-6C12-3024-4CEE-02D8A7617F34}"/>
+              </a:ext>
+            </a:extLst>
+          </p:cNvPr>
+          <p:cNvGraphicFramePr>
+            <a:graphicFrameLocks noGrp="1"/>
+          </p:cNvGraphicFramePr>
+          <p:nvPr>
+            <p:extLst>
+              <p:ext uri="{D42A27DB-BD31-4B8C-83A1-F6EECF244321}">
+                <p14:modId xmlns:p14="http://schemas.microsoft.com/office/powerpoint/2010/main" val="205518656"/>
+              </p:ext>
+            </p:extLst>
+          </p:nvPr>
+        </p:nvGraphicFramePr>
+        <p:xfrm>
+          <a:off x="381000" y="1066800"/>
+          <a:ext cx="11430000" cy="5151120"/>
+        </p:xfrm>
+        <a:graphic>
+          <a:graphicData uri="http://schemas.openxmlformats.org/drawingml/2006/table">
+            <a:tbl>
+              <a:tblPr firstRow="1" bandRow="1">
+                <a:tableStyleId>{5C22544A-7EE6-4342-B048-85BDC9FD1C3A}</a:tableStyleId>
+              </a:tblPr>
+              <a:tblGrid>
+                <a:gridCol w="714376">
+                  <a:extLst>
+                    <a:ext uri="{9D8B030D-6E8A-4147-A177-3AD203B41FA5}">
+                      <a16:colId xmlns:a16="http://schemas.microsoft.com/office/drawing/2014/main" val="260875291"/>
+                    </a:ext>
+                  </a:extLst>
+                </a:gridCol>
+                <a:gridCol w="2486024">
+                  <a:extLst>
+                    <a:ext uri="{9D8B030D-6E8A-4147-A177-3AD203B41FA5}">
+                      <a16:colId xmlns:a16="http://schemas.microsoft.com/office/drawing/2014/main" val="4285971249"/>
+                    </a:ext>
+                  </a:extLst>
+                </a:gridCol>
+                <a:gridCol w="2590800">
+                  <a:extLst>
+                    <a:ext uri="{9D8B030D-6E8A-4147-A177-3AD203B41FA5}">
+                      <a16:colId xmlns:a16="http://schemas.microsoft.com/office/drawing/2014/main" val="3264297778"/>
+                    </a:ext>
+                  </a:extLst>
+                </a:gridCol>
+                <a:gridCol w="2133600">
+                  <a:extLst>
+                    <a:ext uri="{9D8B030D-6E8A-4147-A177-3AD203B41FA5}">
+                      <a16:colId xmlns:a16="http://schemas.microsoft.com/office/drawing/2014/main" val="3575650235"/>
+                    </a:ext>
+                  </a:extLst>
+                </a:gridCol>
+                <a:gridCol w="3505200">
+                  <a:extLst>
+                    <a:ext uri="{9D8B030D-6E8A-4147-A177-3AD203B41FA5}">
+                      <a16:colId xmlns:a16="http://schemas.microsoft.com/office/drawing/2014/main" val="3955847805"/>
+                    </a:ext>
+                  </a:extLst>
+                </a:gridCol>
+              </a:tblGrid>
+              <a:tr h="457200">
+                <a:tc>
+                  <a:txBody>
+                    <a:bodyPr/>
+                    <a:lstStyle/>
+                    <a:p>
+                      <a:r>
+                        <a:rPr lang="en-IN" sz="1600" dirty="0">
+                          <a:latin typeface="Times New Roman" panose="02020603050405020304" pitchFamily="18" charset="0"/>
+                          <a:cs typeface="Times New Roman" panose="02020603050405020304" pitchFamily="18" charset="0"/>
+                        </a:rPr>
+                        <a:t>Sr No.</a:t>
+                      </a:r>
+                    </a:p>
+                  </a:txBody>
+                  <a:tcPr/>
+                </a:tc>
+                <a:tc>
+                  <a:txBody>
+                    <a:bodyPr/>
+                    <a:lstStyle/>
+                    <a:p>
+                      <a:r>
+                        <a:rPr lang="en-IN" sz="1600" dirty="0">
+                          <a:latin typeface="Times New Roman" panose="02020603050405020304" pitchFamily="18" charset="0"/>
+                          <a:cs typeface="Times New Roman" panose="02020603050405020304" pitchFamily="18" charset="0"/>
+                        </a:rPr>
+                        <a:t>Review Paper Title</a:t>
+                      </a:r>
+                    </a:p>
+                  </a:txBody>
+                  <a:tcPr/>
+                </a:tc>
+                <a:tc>
+                  <a:txBody>
+                    <a:bodyPr/>
+                    <a:lstStyle/>
+                    <a:p>
+                      <a:r>
+                        <a:rPr lang="en-IN" sz="1600" dirty="0">
+                          <a:latin typeface="Times New Roman" panose="02020603050405020304" pitchFamily="18" charset="0"/>
+                          <a:cs typeface="Times New Roman" panose="02020603050405020304" pitchFamily="18" charset="0"/>
+                        </a:rPr>
+                        <a:t>Authors</a:t>
+                      </a:r>
+                    </a:p>
+                  </a:txBody>
+                  <a:tcPr/>
+                </a:tc>
+                <a:tc>
+                  <a:txBody>
+                    <a:bodyPr/>
+                    <a:lstStyle/>
+                    <a:p>
+                      <a:r>
+                        <a:rPr lang="en-IN" sz="1600" dirty="0">
+                          <a:latin typeface="Times New Roman" panose="02020603050405020304" pitchFamily="18" charset="0"/>
+                          <a:cs typeface="Times New Roman" panose="02020603050405020304" pitchFamily="18" charset="0"/>
+                        </a:rPr>
+                        <a:t>Technologies Used</a:t>
+                      </a:r>
+                    </a:p>
+                  </a:txBody>
+                  <a:tcPr/>
+                </a:tc>
+                <a:tc>
+                  <a:txBody>
+                    <a:bodyPr/>
+                    <a:lstStyle/>
+                    <a:p>
+                      <a:r>
+                        <a:rPr lang="en-IN" sz="1600" dirty="0">
+                          <a:latin typeface="Times New Roman" panose="02020603050405020304" pitchFamily="18" charset="0"/>
+                          <a:cs typeface="Times New Roman" panose="02020603050405020304" pitchFamily="18" charset="0"/>
+                        </a:rPr>
+                        <a:t>Drawbacks</a:t>
+                      </a:r>
+                    </a:p>
+                  </a:txBody>
+                  <a:tcPr/>
+                </a:tc>
+                <a:extLst>
+                  <a:ext uri="{0D108BD9-81ED-4DB2-BD59-A6C34878D82A}">
+                    <a16:rowId xmlns:a16="http://schemas.microsoft.com/office/drawing/2014/main" val="3191148558"/>
+                  </a:ext>
+                </a:extLst>
+              </a:tr>
+              <a:tr h="1849120">
+                <a:tc>
+                  <a:txBody>
+                    <a:bodyPr/>
+                    <a:lstStyle/>
+                    <a:p>
+                      <a:r>
+                        <a:rPr lang="en-IN" sz="1600" dirty="0">
+                          <a:latin typeface="Times New Roman" panose="02020603050405020304" pitchFamily="18" charset="0"/>
+                          <a:cs typeface="Times New Roman" panose="02020603050405020304" pitchFamily="18" charset="0"/>
+                        </a:rPr>
+                        <a:t>1</a:t>
+                      </a:r>
+                    </a:p>
+                  </a:txBody>
+                  <a:tcPr/>
+                </a:tc>
+                <a:tc>
+                  <a:txBody>
+                    <a:bodyPr/>
+                    <a:lstStyle/>
+                    <a:p>
+                      <a:pPr marL="0" marR="0" lvl="0" indent="0" algn="l" defTabSz="914400" rtl="0" eaLnBrk="1" fontAlgn="auto" latinLnBrk="0" hangingPunct="1">
+                        <a:lnSpc>
+                          <a:spcPct val="100000"/>
+                        </a:lnSpc>
+                        <a:spcBef>
+                          <a:spcPts val="0"/>
+                        </a:spcBef>
+                        <a:spcAft>
+                          <a:spcPts val="0"/>
+                        </a:spcAft>
+                        <a:buClrTx/>
+                        <a:buSzTx/>
+                        <a:buFontTx/>
+                        <a:buNone/>
+                        <a:tabLst/>
+                        <a:defRPr/>
+                      </a:pPr>
+                      <a:r>
+                        <a:rPr lang="en-US" sz="1600" dirty="0">
+                          <a:latin typeface="Times New Roman" panose="02020603050405020304" pitchFamily="18" charset="0"/>
+                          <a:cs typeface="Times New Roman" panose="02020603050405020304" pitchFamily="18" charset="0"/>
+                        </a:rPr>
+                        <a:t>Web App for College Campus Placement System, (2023)[1].</a:t>
+                      </a:r>
+                      <a:endParaRPr lang="en-IN" sz="1600" dirty="0">
+                        <a:latin typeface="Times New Roman" panose="02020603050405020304" pitchFamily="18" charset="0"/>
+                        <a:cs typeface="Times New Roman" panose="02020603050405020304" pitchFamily="18" charset="0"/>
+                      </a:endParaRPr>
+                    </a:p>
+                    <a:p>
+                      <a:endParaRPr lang="en-IN" sz="1600" dirty="0">
+                        <a:latin typeface="Times New Roman" panose="02020603050405020304" pitchFamily="18" charset="0"/>
+                        <a:cs typeface="Times New Roman" panose="02020603050405020304" pitchFamily="18" charset="0"/>
+                      </a:endParaRPr>
+                    </a:p>
+                  </a:txBody>
+                  <a:tcPr/>
+                </a:tc>
+                <a:tc>
+                  <a:txBody>
+                    <a:bodyPr/>
+                    <a:lstStyle/>
+                    <a:p>
+                      <a:pPr marL="0" marR="0" lvl="0" indent="0" algn="l" defTabSz="914400" rtl="0" eaLnBrk="1" fontAlgn="auto" latinLnBrk="0" hangingPunct="1">
+                        <a:lnSpc>
+                          <a:spcPct val="100000"/>
+                        </a:lnSpc>
+                        <a:spcBef>
+                          <a:spcPts val="0"/>
+                        </a:spcBef>
+                        <a:spcAft>
+                          <a:spcPts val="0"/>
+                        </a:spcAft>
+                        <a:buClrTx/>
+                        <a:buSzTx/>
+                        <a:buFontTx/>
+                        <a:buNone/>
+                        <a:tabLst/>
+                        <a:defRPr/>
+                      </a:pPr>
+                      <a:r>
+                        <a:rPr lang="en-IN" sz="1600" dirty="0">
+                          <a:latin typeface="Times New Roman" panose="02020603050405020304" pitchFamily="18" charset="0"/>
+                          <a:cs typeface="Times New Roman" panose="02020603050405020304" pitchFamily="18" charset="0"/>
+                        </a:rPr>
+                        <a:t>Sahil Ganeshkar, Sagar Khadilkar, Shubhangi Gahukar, Achal Punyapreddiwar, Kanak Thool, Prof. Sandeep Ganorkar</a:t>
+                      </a:r>
+                    </a:p>
+                    <a:p>
+                      <a:endParaRPr lang="en-IN" sz="1600" dirty="0">
+                        <a:latin typeface="Times New Roman" panose="02020603050405020304" pitchFamily="18" charset="0"/>
+                        <a:cs typeface="Times New Roman" panose="02020603050405020304" pitchFamily="18" charset="0"/>
+                      </a:endParaRPr>
+                    </a:p>
+                  </a:txBody>
+                  <a:tcPr/>
+                </a:tc>
+                <a:tc>
+                  <a:txBody>
+                    <a:bodyPr/>
+                    <a:lstStyle/>
+                    <a:p>
+                      <a:pPr marL="0" marR="0" lvl="0" indent="0" algn="l" defTabSz="914400" rtl="0" eaLnBrk="1" fontAlgn="auto" latinLnBrk="0" hangingPunct="1">
+                        <a:lnSpc>
+                          <a:spcPct val="100000"/>
+                        </a:lnSpc>
+                        <a:spcBef>
+                          <a:spcPts val="0"/>
+                        </a:spcBef>
+                        <a:spcAft>
+                          <a:spcPts val="0"/>
+                        </a:spcAft>
+                        <a:buClrTx/>
+                        <a:buSzTx/>
+                        <a:buFontTx/>
+                        <a:buNone/>
+                        <a:tabLst/>
+                        <a:defRPr/>
+                      </a:pPr>
+                      <a:r>
+                        <a:rPr lang="en-IN" sz="1600" b="1" dirty="0">
+                          <a:latin typeface="Times New Roman" panose="02020603050405020304" pitchFamily="18" charset="0"/>
+                          <a:cs typeface="Times New Roman" panose="02020603050405020304" pitchFamily="18" charset="0"/>
+                        </a:rPr>
+                        <a:t>Frontend:</a:t>
+                      </a:r>
+                      <a:r>
+                        <a:rPr lang="en-IN" sz="1600" dirty="0">
+                          <a:latin typeface="Times New Roman" panose="02020603050405020304" pitchFamily="18" charset="0"/>
+                          <a:cs typeface="Times New Roman" panose="02020603050405020304" pitchFamily="18" charset="0"/>
+                        </a:rPr>
+                        <a:t> HTML, CSS, JavaScript </a:t>
+                      </a:r>
+                    </a:p>
+                    <a:p>
+                      <a:pPr marL="0" marR="0" lvl="0" indent="0" algn="l" defTabSz="914400" rtl="0" eaLnBrk="1" fontAlgn="auto" latinLnBrk="0" hangingPunct="1">
+                        <a:lnSpc>
+                          <a:spcPct val="100000"/>
+                        </a:lnSpc>
+                        <a:spcBef>
+                          <a:spcPts val="0"/>
+                        </a:spcBef>
+                        <a:spcAft>
+                          <a:spcPts val="0"/>
+                        </a:spcAft>
+                        <a:buClrTx/>
+                        <a:buSzTx/>
+                        <a:buFontTx/>
+                        <a:buNone/>
+                        <a:tabLst/>
+                        <a:defRPr/>
+                      </a:pPr>
+                      <a:r>
+                        <a:rPr lang="en-IN" sz="1600" b="1" dirty="0">
+                          <a:latin typeface="Times New Roman" panose="02020603050405020304" pitchFamily="18" charset="0"/>
+                          <a:cs typeface="Times New Roman" panose="02020603050405020304" pitchFamily="18" charset="0"/>
+                        </a:rPr>
+                        <a:t>Backend:</a:t>
+                      </a:r>
+                      <a:r>
+                        <a:rPr lang="en-IN" sz="1600" dirty="0">
+                          <a:latin typeface="Times New Roman" panose="02020603050405020304" pitchFamily="18" charset="0"/>
+                          <a:cs typeface="Times New Roman" panose="02020603050405020304" pitchFamily="18" charset="0"/>
+                        </a:rPr>
+                        <a:t> PHP </a:t>
+                      </a:r>
+                      <a:r>
+                        <a:rPr lang="en-IN" sz="1600" b="1" dirty="0">
+                          <a:latin typeface="Times New Roman" panose="02020603050405020304" pitchFamily="18" charset="0"/>
+                          <a:cs typeface="Times New Roman" panose="02020603050405020304" pitchFamily="18" charset="0"/>
+                        </a:rPr>
+                        <a:t>Database:</a:t>
+                      </a:r>
+                      <a:r>
+                        <a:rPr lang="en-IN" sz="1600" dirty="0">
+                          <a:latin typeface="Times New Roman" panose="02020603050405020304" pitchFamily="18" charset="0"/>
+                          <a:cs typeface="Times New Roman" panose="02020603050405020304" pitchFamily="18" charset="0"/>
+                        </a:rPr>
+                        <a:t> MySQL</a:t>
+                      </a:r>
+                    </a:p>
+                    <a:p>
+                      <a:endParaRPr lang="en-IN" sz="1600" dirty="0">
+                        <a:latin typeface="Times New Roman" panose="02020603050405020304" pitchFamily="18" charset="0"/>
+                        <a:cs typeface="Times New Roman" panose="02020603050405020304" pitchFamily="18" charset="0"/>
+                      </a:endParaRPr>
+                    </a:p>
+                  </a:txBody>
+                  <a:tcPr/>
+                </a:tc>
+                <a:tc>
+                  <a:txBody>
+                    <a:bodyPr/>
+                    <a:lstStyle/>
+                    <a:p>
+                      <a:r>
+                        <a:rPr lang="en-US" sz="1600" dirty="0">
+                          <a:latin typeface="Times New Roman" panose="02020603050405020304" pitchFamily="18" charset="0"/>
+                          <a:cs typeface="Times New Roman" panose="02020603050405020304" pitchFamily="18" charset="0"/>
+                        </a:rPr>
+                        <a:t>Reliance on manual data entry, limited notification methods, lack of industry interaction features, and insufficient data security measures. Additionally, implementing comprehensive analytics and ensuring system scalability are crucial for better performance and user satisfaction.</a:t>
+                      </a:r>
+                      <a:endParaRPr lang="en-IN" sz="1600" dirty="0">
+                        <a:latin typeface="Times New Roman" panose="02020603050405020304" pitchFamily="18" charset="0"/>
+                        <a:cs typeface="Times New Roman" panose="02020603050405020304" pitchFamily="18" charset="0"/>
+                      </a:endParaRPr>
+                    </a:p>
+                  </a:txBody>
+                  <a:tcPr/>
+                </a:tc>
+                <a:extLst>
+                  <a:ext uri="{0D108BD9-81ED-4DB2-BD59-A6C34878D82A}">
+                    <a16:rowId xmlns:a16="http://schemas.microsoft.com/office/drawing/2014/main" val="1507947574"/>
+                  </a:ext>
+                </a:extLst>
+              </a:tr>
+              <a:tr h="1925320">
+                <a:tc>
+                  <a:txBody>
+                    <a:bodyPr/>
+                    <a:lstStyle/>
+                    <a:p>
+                      <a:r>
+                        <a:rPr lang="en-IN" sz="1600" dirty="0">
+                          <a:latin typeface="Times New Roman" panose="02020603050405020304" pitchFamily="18" charset="0"/>
+                          <a:cs typeface="Times New Roman" panose="02020603050405020304" pitchFamily="18" charset="0"/>
+                        </a:rPr>
+                        <a:t>2</a:t>
+                      </a:r>
+                    </a:p>
+                  </a:txBody>
+                  <a:tcPr/>
+                </a:tc>
+                <a:tc>
+                  <a:txBody>
+                    <a:bodyPr/>
+                    <a:lstStyle/>
+                    <a:p>
+                      <a:pPr marL="0" marR="0" lvl="0" indent="0" algn="l" defTabSz="914400" rtl="0" eaLnBrk="1" fontAlgn="auto" latinLnBrk="0" hangingPunct="1">
+                        <a:lnSpc>
+                          <a:spcPct val="100000"/>
+                        </a:lnSpc>
+                        <a:spcBef>
+                          <a:spcPts val="0"/>
+                        </a:spcBef>
+                        <a:spcAft>
+                          <a:spcPts val="0"/>
+                        </a:spcAft>
+                        <a:buClrTx/>
+                        <a:buSzTx/>
+                        <a:buFontTx/>
+                        <a:buNone/>
+                        <a:tabLst/>
+                        <a:defRPr/>
+                      </a:pPr>
+                      <a:r>
+                        <a:rPr lang="en-US" sz="1600" dirty="0">
+                          <a:latin typeface="Times New Roman" panose="02020603050405020304" pitchFamily="18" charset="0"/>
+                          <a:cs typeface="Times New Roman" panose="02020603050405020304" pitchFamily="18" charset="0"/>
+                        </a:rPr>
+                        <a:t>App Development for Placement Drive and Recruitment Process (2019)</a:t>
+                      </a:r>
+                      <a:endParaRPr lang="en-IN" sz="1600" dirty="0">
+                        <a:latin typeface="Times New Roman" panose="02020603050405020304" pitchFamily="18" charset="0"/>
+                        <a:cs typeface="Times New Roman" panose="02020603050405020304" pitchFamily="18" charset="0"/>
+                      </a:endParaRPr>
+                    </a:p>
+                    <a:p>
+                      <a:endParaRPr lang="en-IN" sz="1600" dirty="0">
+                        <a:latin typeface="Times New Roman" panose="02020603050405020304" pitchFamily="18" charset="0"/>
+                        <a:cs typeface="Times New Roman" panose="02020603050405020304" pitchFamily="18" charset="0"/>
+                      </a:endParaRPr>
+                    </a:p>
+                  </a:txBody>
+                  <a:tcPr/>
+                </a:tc>
+                <a:tc>
+                  <a:txBody>
+                    <a:bodyPr/>
+                    <a:lstStyle/>
+                    <a:p>
+                      <a:pPr marL="0" marR="0" lvl="0" indent="0" algn="l" defTabSz="914400" rtl="0" eaLnBrk="1" fontAlgn="auto" latinLnBrk="0" hangingPunct="1">
+                        <a:lnSpc>
+                          <a:spcPct val="100000"/>
+                        </a:lnSpc>
+                        <a:spcBef>
+                          <a:spcPts val="0"/>
+                        </a:spcBef>
+                        <a:spcAft>
+                          <a:spcPts val="0"/>
+                        </a:spcAft>
+                        <a:buClrTx/>
+                        <a:buSzTx/>
+                        <a:buFontTx/>
+                        <a:buNone/>
+                        <a:tabLst/>
+                        <a:defRPr/>
+                      </a:pPr>
+                      <a:r>
+                        <a:rPr lang="en-IN" sz="1600" dirty="0">
+                          <a:latin typeface="Times New Roman" panose="02020603050405020304" pitchFamily="18" charset="0"/>
+                          <a:cs typeface="Times New Roman" panose="02020603050405020304" pitchFamily="18" charset="0"/>
+                        </a:rPr>
+                        <a:t>Mrs. B.Sathyabama, Mr. S. Mohamed Salahudeen, Mr. Z. Mohamed Sohail, Mr. P.S. Mohamed Asarutheen4 </a:t>
+                      </a:r>
+                    </a:p>
+                    <a:p>
+                      <a:endParaRPr lang="en-IN" sz="1600" dirty="0">
+                        <a:latin typeface="Times New Roman" panose="02020603050405020304" pitchFamily="18" charset="0"/>
+                        <a:cs typeface="Times New Roman" panose="02020603050405020304" pitchFamily="18" charset="0"/>
+                      </a:endParaRPr>
+                    </a:p>
+                  </a:txBody>
+                  <a:tcPr/>
+                </a:tc>
+                <a:tc>
+                  <a:txBody>
+                    <a:bodyPr/>
+                    <a:lstStyle/>
+                    <a:p>
+                      <a:pPr marL="0" marR="0" lvl="0" indent="0" algn="l" defTabSz="914400" rtl="0" eaLnBrk="1" fontAlgn="auto" latinLnBrk="0" hangingPunct="1">
+                        <a:lnSpc>
+                          <a:spcPct val="100000"/>
+                        </a:lnSpc>
+                        <a:spcBef>
+                          <a:spcPts val="0"/>
+                        </a:spcBef>
+                        <a:spcAft>
+                          <a:spcPts val="0"/>
+                        </a:spcAft>
+                        <a:buClrTx/>
+                        <a:buSzTx/>
+                        <a:buFontTx/>
+                        <a:buNone/>
+                        <a:tabLst/>
+                        <a:defRPr/>
+                      </a:pPr>
+                      <a:r>
+                        <a:rPr lang="en-US" sz="1600" b="1" dirty="0">
+                          <a:latin typeface="Times New Roman" panose="02020603050405020304" pitchFamily="18" charset="0"/>
+                          <a:cs typeface="Times New Roman" panose="02020603050405020304" pitchFamily="18" charset="0"/>
+                        </a:rPr>
+                        <a:t>Java</a:t>
+                      </a:r>
+                      <a:r>
+                        <a:rPr lang="en-US" sz="1600" dirty="0">
+                          <a:latin typeface="Times New Roman" panose="02020603050405020304" pitchFamily="18" charset="0"/>
+                          <a:cs typeface="Times New Roman" panose="02020603050405020304" pitchFamily="18" charset="0"/>
+                        </a:rPr>
+                        <a:t>: For programming and application development.</a:t>
+                      </a:r>
+                    </a:p>
+                    <a:p>
+                      <a:pPr marL="0" marR="0" lvl="0" indent="0" algn="l" defTabSz="914400" rtl="0" eaLnBrk="1" fontAlgn="auto" latinLnBrk="0" hangingPunct="1">
+                        <a:lnSpc>
+                          <a:spcPct val="100000"/>
+                        </a:lnSpc>
+                        <a:spcBef>
+                          <a:spcPts val="0"/>
+                        </a:spcBef>
+                        <a:spcAft>
+                          <a:spcPts val="0"/>
+                        </a:spcAft>
+                        <a:buClrTx/>
+                        <a:buSzTx/>
+                        <a:buFontTx/>
+                        <a:buNone/>
+                        <a:tabLst/>
+                        <a:defRPr/>
+                      </a:pPr>
+                      <a:r>
+                        <a:rPr lang="en-US" sz="1600" b="1" dirty="0">
+                          <a:latin typeface="Times New Roman" panose="02020603050405020304" pitchFamily="18" charset="0"/>
+                          <a:cs typeface="Times New Roman" panose="02020603050405020304" pitchFamily="18" charset="0"/>
+                        </a:rPr>
+                        <a:t>JDBC</a:t>
+                      </a:r>
+                      <a:r>
+                        <a:rPr lang="en-US" sz="1600" dirty="0">
+                          <a:latin typeface="Times New Roman" panose="02020603050405020304" pitchFamily="18" charset="0"/>
+                          <a:cs typeface="Times New Roman" panose="02020603050405020304" pitchFamily="18" charset="0"/>
+                        </a:rPr>
+                        <a:t>: For database connectivity.</a:t>
+                      </a:r>
+                    </a:p>
+                    <a:p>
+                      <a:pPr marL="0" marR="0" lvl="0" indent="0" algn="l" defTabSz="914400" rtl="0" eaLnBrk="1" fontAlgn="auto" latinLnBrk="0" hangingPunct="1">
+                        <a:lnSpc>
+                          <a:spcPct val="100000"/>
+                        </a:lnSpc>
+                        <a:spcBef>
+                          <a:spcPts val="0"/>
+                        </a:spcBef>
+                        <a:spcAft>
+                          <a:spcPts val="0"/>
+                        </a:spcAft>
+                        <a:buClrTx/>
+                        <a:buSzTx/>
+                        <a:buFontTx/>
+                        <a:buNone/>
+                        <a:tabLst/>
+                        <a:defRPr/>
+                      </a:pPr>
+                      <a:r>
+                        <a:rPr lang="en-US" sz="1600" b="1" dirty="0">
+                          <a:latin typeface="Times New Roman" panose="02020603050405020304" pitchFamily="18" charset="0"/>
+                          <a:cs typeface="Times New Roman" panose="02020603050405020304" pitchFamily="18" charset="0"/>
+                        </a:rPr>
+                        <a:t>Android</a:t>
+                      </a:r>
+                      <a:r>
+                        <a:rPr lang="en-US" sz="1600" dirty="0">
+                          <a:latin typeface="Times New Roman" panose="02020603050405020304" pitchFamily="18" charset="0"/>
+                          <a:cs typeface="Times New Roman" panose="02020603050405020304" pitchFamily="18" charset="0"/>
+                        </a:rPr>
+                        <a:t>: For mobile application development​</a:t>
+                      </a:r>
+                      <a:endParaRPr lang="en-IN" sz="1600" dirty="0">
+                        <a:latin typeface="Times New Roman" panose="02020603050405020304" pitchFamily="18" charset="0"/>
+                        <a:cs typeface="Times New Roman" panose="02020603050405020304" pitchFamily="18" charset="0"/>
+                      </a:endParaRPr>
+                    </a:p>
+                    <a:p>
+                      <a:endParaRPr lang="en-IN" sz="1600" dirty="0">
+                        <a:latin typeface="Times New Roman" panose="02020603050405020304" pitchFamily="18" charset="0"/>
+                        <a:cs typeface="Times New Roman" panose="02020603050405020304" pitchFamily="18" charset="0"/>
+                      </a:endParaRPr>
+                    </a:p>
+                  </a:txBody>
+                  <a:tcPr/>
+                </a:tc>
+                <a:tc>
+                  <a:txBody>
+                    <a:bodyPr/>
+                    <a:lstStyle/>
+                    <a:p>
+                      <a:r>
+                        <a:rPr lang="en-US" sz="1600" dirty="0">
+                          <a:latin typeface="Times New Roman" panose="02020603050405020304" pitchFamily="18" charset="0"/>
+                          <a:cs typeface="Times New Roman" panose="02020603050405020304" pitchFamily="18" charset="0"/>
+                        </a:rPr>
+                        <a:t>The placement system can be improved by enhancing the user interface, strengthening security with encryption and authentication, automating repetitive tasks, and optimizing for scalability to handle more users and data efficiently. These changes will enhance the system's effectiveness and reliability</a:t>
+                      </a:r>
+                      <a:endParaRPr lang="en-IN" sz="1600" dirty="0">
+                        <a:latin typeface="Times New Roman" panose="02020603050405020304" pitchFamily="18" charset="0"/>
+                        <a:cs typeface="Times New Roman" panose="02020603050405020304" pitchFamily="18" charset="0"/>
+                      </a:endParaRPr>
+                    </a:p>
+                  </a:txBody>
+                  <a:tcPr/>
+                </a:tc>
+                <a:extLst>
+                  <a:ext uri="{0D108BD9-81ED-4DB2-BD59-A6C34878D82A}">
+                    <a16:rowId xmlns:a16="http://schemas.microsoft.com/office/drawing/2014/main" val="1534483912"/>
+                  </a:ext>
+                </a:extLst>
+              </a:tr>
+            </a:tbl>
+          </a:graphicData>
+        </a:graphic>
+      </p:graphicFrame>
+    </p:spTree>
+    <p:extLst>
+      <p:ext uri="{BB962C8B-B14F-4D97-AF65-F5344CB8AC3E}">
+        <p14:creationId xmlns:p14="http://schemas.microsoft.com/office/powerpoint/2010/main" val="3563158354"/>
+      </p:ext>
+    </p:extLst>
+  </p:cSld>
+  <p:clrMapOvr>
+    <a:masterClrMapping/>
+  </p:clrMapOvr>
+</p:sld>
+</file>
+
+<file path=ppt/slides/slide6.xml><?xml version="1.0" encoding="utf-8"?>
+<p:sld xmlns:a="http://schemas.openxmlformats.org/drawingml/2006/main" xmlns:r="http://schemas.openxmlformats.org/officeDocument/2006/relationships" xmlns:p="http://schemas.openxmlformats.org/presentationml/2006/main">
+  <p:cSld>
+    <p:spTree>
+      <p:nvGrpSpPr>
+        <p:cNvPr id="1" name=""/>
+        <p:cNvGrpSpPr/>
+        <p:nvPr/>
+      </p:nvGrpSpPr>
+      <p:grpSpPr>
+        <a:xfrm>
+          <a:off x="0" y="0"/>
+          <a:ext cx="0" cy="0"/>
+          <a:chOff x="0" y="0"/>
+          <a:chExt cx="0" cy="0"/>
+        </a:xfrm>
+      </p:grpSpPr>
+      <p:sp>
+        <p:nvSpPr>
+          <p:cNvPr id="2" name="Title 1">
+            <a:extLst>
+              <a:ext uri="{FF2B5EF4-FFF2-40B4-BE49-F238E27FC236}">
+                <a16:creationId xmlns:a16="http://schemas.microsoft.com/office/drawing/2014/main" id="{5E395C2A-13A1-4344-2B6D-755004E0D29F}"/>
+              </a:ext>
+            </a:extLst>
+          </p:cNvPr>
+          <p:cNvSpPr>
+            <a:spLocks noGrp="1"/>
+          </p:cNvSpPr>
+          <p:nvPr>
+            <p:ph type="title"/>
+          </p:nvPr>
+        </p:nvSpPr>
+        <p:spPr>
+          <a:xfrm>
+            <a:off x="609600" y="0"/>
+            <a:ext cx="10972800" cy="1143000"/>
+          </a:xfrm>
+        </p:spPr>
+        <p:txBody>
+          <a:bodyPr>
+            <a:normAutofit/>
+          </a:bodyPr>
+          <a:lstStyle/>
+          <a:p>
+            <a:r>
+              <a:rPr lang="en-IN" sz="4000" b="1" dirty="0">
+                <a:latin typeface="Times New Roman" pitchFamily="18" charset="0"/>
+                <a:cs typeface="Times New Roman" pitchFamily="18" charset="0"/>
+              </a:rPr>
+              <a:t>Literature Survey</a:t>
+            </a:r>
+            <a:endParaRPr lang="en-IN" sz="4000" dirty="0"/>
+          </a:p>
+        </p:txBody>
+      </p:sp>
+      <p:sp>
+        <p:nvSpPr>
+          <p:cNvPr id="3" name="Slide Number Placeholder 2">
+            <a:extLst>
+              <a:ext uri="{FF2B5EF4-FFF2-40B4-BE49-F238E27FC236}">
+                <a16:creationId xmlns:a16="http://schemas.microsoft.com/office/drawing/2014/main" id="{ED62338E-3F85-8BA7-8B9F-D624E7E388BE}"/>
+              </a:ext>
+            </a:extLst>
+          </p:cNvPr>
+          <p:cNvSpPr>
+            <a:spLocks noGrp="1"/>
+          </p:cNvSpPr>
+          <p:nvPr>
+            <p:ph type="sldNum" sz="quarter" idx="12"/>
+          </p:nvPr>
+        </p:nvSpPr>
+        <p:spPr/>
+        <p:txBody>
+          <a:bodyPr/>
+          <a:lstStyle/>
+          <a:p>
+            <a:fld id="{B6F15528-21DE-4FAA-801E-634DDDAF4B2B}" type="slidenum">
+              <a:rPr lang="en-US" smtClean="0"/>
+              <a:pPr/>
+              <a:t>6</a:t>
+            </a:fld>
+            <a:endParaRPr lang="en-US"/>
+          </a:p>
+        </p:txBody>
+      </p:sp>
+      <p:graphicFrame>
+        <p:nvGraphicFramePr>
+          <p:cNvPr id="4" name="Table 3">
+            <a:extLst>
+              <a:ext uri="{FF2B5EF4-FFF2-40B4-BE49-F238E27FC236}">
+                <a16:creationId xmlns:a16="http://schemas.microsoft.com/office/drawing/2014/main" id="{265AD644-45E9-1EE8-B4DD-D1FE2D95C78A}"/>
+              </a:ext>
+            </a:extLst>
+          </p:cNvPr>
+          <p:cNvGraphicFramePr>
+            <a:graphicFrameLocks noGrp="1"/>
+          </p:cNvGraphicFramePr>
+          <p:nvPr>
+            <p:extLst>
+              <p:ext uri="{D42A27DB-BD31-4B8C-83A1-F6EECF244321}">
+                <p14:modId xmlns:p14="http://schemas.microsoft.com/office/powerpoint/2010/main" val="2504129357"/>
+              </p:ext>
+            </p:extLst>
+          </p:nvPr>
+        </p:nvGraphicFramePr>
+        <p:xfrm>
+          <a:off x="381000" y="1068707"/>
+          <a:ext cx="11430000" cy="5394960"/>
+        </p:xfrm>
+        <a:graphic>
+          <a:graphicData uri="http://schemas.openxmlformats.org/drawingml/2006/table">
+            <a:tbl>
+              <a:tblPr firstRow="1" bandRow="1">
+                <a:tableStyleId>{5C22544A-7EE6-4342-B048-85BDC9FD1C3A}</a:tableStyleId>
+              </a:tblPr>
+              <a:tblGrid>
+                <a:gridCol w="714376">
+                  <a:extLst>
+                    <a:ext uri="{9D8B030D-6E8A-4147-A177-3AD203B41FA5}">
+                      <a16:colId xmlns:a16="http://schemas.microsoft.com/office/drawing/2014/main" val="3073023794"/>
+                    </a:ext>
+                  </a:extLst>
+                </a:gridCol>
+                <a:gridCol w="2486024">
+                  <a:extLst>
+                    <a:ext uri="{9D8B030D-6E8A-4147-A177-3AD203B41FA5}">
+                      <a16:colId xmlns:a16="http://schemas.microsoft.com/office/drawing/2014/main" val="1644274197"/>
+                    </a:ext>
+                  </a:extLst>
+                </a:gridCol>
+                <a:gridCol w="2590800">
+                  <a:extLst>
+                    <a:ext uri="{9D8B030D-6E8A-4147-A177-3AD203B41FA5}">
+                      <a16:colId xmlns:a16="http://schemas.microsoft.com/office/drawing/2014/main" val="1651870310"/>
+                    </a:ext>
+                  </a:extLst>
+                </a:gridCol>
+                <a:gridCol w="2133600">
+                  <a:extLst>
+                    <a:ext uri="{9D8B030D-6E8A-4147-A177-3AD203B41FA5}">
+                      <a16:colId xmlns:a16="http://schemas.microsoft.com/office/drawing/2014/main" val="1023664638"/>
+                    </a:ext>
+                  </a:extLst>
+                </a:gridCol>
+                <a:gridCol w="3505200">
+                  <a:extLst>
+                    <a:ext uri="{9D8B030D-6E8A-4147-A177-3AD203B41FA5}">
+                      <a16:colId xmlns:a16="http://schemas.microsoft.com/office/drawing/2014/main" val="768728687"/>
+                    </a:ext>
+                  </a:extLst>
+                </a:gridCol>
+              </a:tblGrid>
+              <a:tr h="557989">
+                <a:tc>
+                  <a:txBody>
+                    <a:bodyPr/>
+                    <a:lstStyle/>
+                    <a:p>
+                      <a:r>
+                        <a:rPr lang="en-IN" sz="1600" dirty="0">
+                          <a:latin typeface="Times New Roman" panose="02020603050405020304" pitchFamily="18" charset="0"/>
+                          <a:cs typeface="Times New Roman" panose="02020603050405020304" pitchFamily="18" charset="0"/>
+                        </a:rPr>
+                        <a:t>Sr No.</a:t>
+                      </a:r>
+                    </a:p>
+                  </a:txBody>
+                  <a:tcPr/>
+                </a:tc>
+                <a:tc>
+                  <a:txBody>
+                    <a:bodyPr/>
+                    <a:lstStyle/>
+                    <a:p>
+                      <a:r>
+                        <a:rPr lang="en-IN" sz="1600" dirty="0">
+                          <a:latin typeface="Times New Roman" panose="02020603050405020304" pitchFamily="18" charset="0"/>
+                          <a:cs typeface="Times New Roman" panose="02020603050405020304" pitchFamily="18" charset="0"/>
+                        </a:rPr>
+                        <a:t>Review Paper Title</a:t>
+                      </a:r>
+                    </a:p>
+                  </a:txBody>
+                  <a:tcPr/>
+                </a:tc>
+                <a:tc>
+                  <a:txBody>
+                    <a:bodyPr/>
+                    <a:lstStyle/>
+                    <a:p>
+                      <a:r>
+                        <a:rPr lang="en-IN" sz="1600" dirty="0">
+                          <a:latin typeface="Times New Roman" panose="02020603050405020304" pitchFamily="18" charset="0"/>
+                          <a:cs typeface="Times New Roman" panose="02020603050405020304" pitchFamily="18" charset="0"/>
+                        </a:rPr>
+                        <a:t>Authors</a:t>
+                      </a:r>
+                    </a:p>
+                  </a:txBody>
+                  <a:tcPr/>
+                </a:tc>
+                <a:tc>
+                  <a:txBody>
+                    <a:bodyPr/>
+                    <a:lstStyle/>
+                    <a:p>
+                      <a:r>
+                        <a:rPr lang="en-IN" sz="1600" dirty="0">
+                          <a:latin typeface="Times New Roman" panose="02020603050405020304" pitchFamily="18" charset="0"/>
+                          <a:cs typeface="Times New Roman" panose="02020603050405020304" pitchFamily="18" charset="0"/>
+                        </a:rPr>
+                        <a:t>Technologies Used</a:t>
+                      </a:r>
+                    </a:p>
+                  </a:txBody>
+                  <a:tcPr/>
+                </a:tc>
+                <a:tc>
+                  <a:txBody>
+                    <a:bodyPr/>
+                    <a:lstStyle/>
+                    <a:p>
+                      <a:r>
+                        <a:rPr lang="en-IN" sz="1600" dirty="0">
+                          <a:latin typeface="Times New Roman" panose="02020603050405020304" pitchFamily="18" charset="0"/>
+                          <a:cs typeface="Times New Roman" panose="02020603050405020304" pitchFamily="18" charset="0"/>
+                        </a:rPr>
+                        <a:t>Drawbacks</a:t>
+                      </a:r>
+                    </a:p>
+                  </a:txBody>
+                  <a:tcPr/>
+                </a:tc>
+                <a:extLst>
+                  <a:ext uri="{0D108BD9-81ED-4DB2-BD59-A6C34878D82A}">
+                    <a16:rowId xmlns:a16="http://schemas.microsoft.com/office/drawing/2014/main" val="3530803474"/>
+                  </a:ext>
+                </a:extLst>
+              </a:tr>
+              <a:tr h="2437532">
+                <a:tc>
+                  <a:txBody>
+                    <a:bodyPr/>
+                    <a:lstStyle/>
+                    <a:p>
+                      <a:r>
+                        <a:rPr lang="en-IN" sz="1600" dirty="0">
+                          <a:latin typeface="Times New Roman" panose="02020603050405020304" pitchFamily="18" charset="0"/>
+                          <a:cs typeface="Times New Roman" panose="02020603050405020304" pitchFamily="18" charset="0"/>
+                        </a:rPr>
+                        <a:t>3</a:t>
+                      </a:r>
+                    </a:p>
+                  </a:txBody>
+                  <a:tcPr/>
+                </a:tc>
+                <a:tc>
+                  <a:txBody>
+                    <a:bodyPr/>
+                    <a:lstStyle/>
+                    <a:p>
+                      <a:pPr marL="0" marR="0" lvl="0" indent="0" algn="l" defTabSz="914400" rtl="0" eaLnBrk="1" fontAlgn="auto" latinLnBrk="0" hangingPunct="1">
+                        <a:lnSpc>
+                          <a:spcPct val="100000"/>
+                        </a:lnSpc>
+                        <a:spcBef>
+                          <a:spcPts val="0"/>
+                        </a:spcBef>
+                        <a:spcAft>
+                          <a:spcPts val="0"/>
+                        </a:spcAft>
+                        <a:buClrTx/>
+                        <a:buSzTx/>
+                        <a:buFontTx/>
+                        <a:buNone/>
+                        <a:tabLst/>
+                        <a:defRPr/>
+                      </a:pPr>
+                      <a:r>
+                        <a:rPr lang="en-US" sz="1600" dirty="0"/>
+                        <a:t>Design and Development of Department Placement Portal using MERN Technology (2022)</a:t>
+                      </a:r>
+                      <a:endParaRPr lang="en-IN" sz="1600" dirty="0"/>
+                    </a:p>
+                    <a:p>
+                      <a:endParaRPr lang="en-IN" sz="1600" dirty="0">
+                        <a:latin typeface="Times New Roman" panose="02020603050405020304" pitchFamily="18" charset="0"/>
+                        <a:cs typeface="Times New Roman" panose="02020603050405020304" pitchFamily="18" charset="0"/>
+                      </a:endParaRPr>
+                    </a:p>
+                  </a:txBody>
+                  <a:tcPr/>
+                </a:tc>
+                <a:tc>
+                  <a:txBody>
+                    <a:bodyPr/>
+                    <a:lstStyle/>
+                    <a:p>
+                      <a:pPr marL="0" marR="0" lvl="0" indent="0" algn="l" defTabSz="914400" rtl="0" eaLnBrk="1" fontAlgn="auto" latinLnBrk="0" hangingPunct="1">
+                        <a:lnSpc>
+                          <a:spcPct val="100000"/>
+                        </a:lnSpc>
+                        <a:spcBef>
+                          <a:spcPts val="0"/>
+                        </a:spcBef>
+                        <a:spcAft>
+                          <a:spcPts val="0"/>
+                        </a:spcAft>
+                        <a:buClrTx/>
+                        <a:buSzTx/>
+                        <a:buFontTx/>
+                        <a:buNone/>
+                        <a:tabLst/>
+                        <a:defRPr/>
+                      </a:pPr>
+                      <a:r>
+                        <a:rPr lang="pt-BR" sz="1600" dirty="0"/>
+                        <a:t>Fiza Kousar, Gandharva V Hegde, Prof. Saravanan C</a:t>
+                      </a:r>
+                      <a:endParaRPr lang="en-IN" sz="1600" dirty="0"/>
+                    </a:p>
+                    <a:p>
+                      <a:endParaRPr lang="en-IN" sz="1600" dirty="0">
+                        <a:latin typeface="Times New Roman" panose="02020603050405020304" pitchFamily="18" charset="0"/>
+                        <a:cs typeface="Times New Roman" panose="02020603050405020304" pitchFamily="18" charset="0"/>
+                      </a:endParaRPr>
+                    </a:p>
+                  </a:txBody>
+                  <a:tcPr/>
+                </a:tc>
+                <a:tc>
+                  <a:txBody>
+                    <a:bodyPr/>
+                    <a:lstStyle/>
+                    <a:p>
+                      <a:r>
+                        <a:rPr lang="en-IN" sz="1600" dirty="0"/>
+                        <a:t>MERN Stack using: </a:t>
+                      </a:r>
+                    </a:p>
+                    <a:p>
+                      <a:r>
+                        <a:rPr lang="en-IN" sz="1600" dirty="0"/>
+                        <a:t>Database: MongoDB</a:t>
+                      </a:r>
+                    </a:p>
+                    <a:p>
+                      <a:r>
+                        <a:rPr lang="en-IN" sz="1600" dirty="0"/>
+                        <a:t>Server-side framework: Express.js</a:t>
+                      </a:r>
+                    </a:p>
+                    <a:p>
+                      <a:r>
+                        <a:rPr lang="en-IN" sz="1600" dirty="0"/>
+                        <a:t>Frontend: React.js</a:t>
+                      </a:r>
+                    </a:p>
+                    <a:p>
+                      <a:r>
+                        <a:rPr lang="en-IN" sz="1600" dirty="0"/>
+                        <a:t>Server-side runtime environment: Node.js</a:t>
+                      </a:r>
+                    </a:p>
+                    <a:p>
+                      <a:endParaRPr lang="en-IN" sz="1600" dirty="0">
+                        <a:latin typeface="Times New Roman" panose="02020603050405020304" pitchFamily="18" charset="0"/>
+                        <a:cs typeface="Times New Roman" panose="02020603050405020304" pitchFamily="18" charset="0"/>
+                      </a:endParaRPr>
+                    </a:p>
+                  </a:txBody>
+                  <a:tcPr/>
+                </a:tc>
+                <a:tc>
+                  <a:txBody>
+                    <a:bodyPr/>
+                    <a:lstStyle/>
+                    <a:p>
+                      <a:pPr marL="0" marR="0" lvl="0" indent="0" algn="l" defTabSz="914400" rtl="0" eaLnBrk="1" fontAlgn="auto" latinLnBrk="0" hangingPunct="1">
+                        <a:lnSpc>
+                          <a:spcPct val="100000"/>
+                        </a:lnSpc>
+                        <a:spcBef>
+                          <a:spcPts val="0"/>
+                        </a:spcBef>
+                        <a:spcAft>
+                          <a:spcPts val="0"/>
+                        </a:spcAft>
+                        <a:buClrTx/>
+                        <a:buSzTx/>
+                        <a:buFontTx/>
+                        <a:buNone/>
+                        <a:tabLst/>
+                        <a:defRPr/>
+                      </a:pPr>
+                      <a:r>
+                        <a:rPr lang="en-US" sz="1600" dirty="0"/>
+                        <a:t>The app's drawbacks include limited scalability, a need for a more intuitive user interface, and insufficient real-time notifications. Additionally, advanced data analytics for insights into placement trends are lacking, and the current system may struggle to handle a large volume of simultaneous users efficiently.</a:t>
+                      </a:r>
+                      <a:endParaRPr lang="en-IN" sz="1600" dirty="0"/>
+                    </a:p>
+                    <a:p>
+                      <a:endParaRPr lang="en-IN" sz="1600" dirty="0">
+                        <a:latin typeface="Times New Roman" panose="02020603050405020304" pitchFamily="18" charset="0"/>
+                        <a:cs typeface="Times New Roman" panose="02020603050405020304" pitchFamily="18" charset="0"/>
+                      </a:endParaRPr>
+                    </a:p>
+                  </a:txBody>
+                  <a:tcPr/>
+                </a:tc>
+                <a:extLst>
+                  <a:ext uri="{0D108BD9-81ED-4DB2-BD59-A6C34878D82A}">
+                    <a16:rowId xmlns:a16="http://schemas.microsoft.com/office/drawing/2014/main" val="2682521073"/>
+                  </a:ext>
+                </a:extLst>
+              </a:tr>
+              <a:tr h="2202589">
+                <a:tc>
+                  <a:txBody>
+                    <a:bodyPr/>
+                    <a:lstStyle/>
+                    <a:p>
+                      <a:r>
+                        <a:rPr lang="en-IN" sz="1600" dirty="0">
+                          <a:latin typeface="Times New Roman" panose="02020603050405020304" pitchFamily="18" charset="0"/>
+                          <a:cs typeface="Times New Roman" panose="02020603050405020304" pitchFamily="18" charset="0"/>
+                        </a:rPr>
+                        <a:t>4</a:t>
+                      </a:r>
+                    </a:p>
+                  </a:txBody>
+                  <a:tcPr/>
+                </a:tc>
+                <a:tc>
+                  <a:txBody>
+                    <a:bodyPr/>
+                    <a:lstStyle/>
+                    <a:p>
+                      <a:pPr marL="0" marR="0" lvl="0" indent="0" algn="l" defTabSz="914400" rtl="0" eaLnBrk="1" fontAlgn="auto" latinLnBrk="0" hangingPunct="1">
+                        <a:lnSpc>
+                          <a:spcPct val="100000"/>
+                        </a:lnSpc>
+                        <a:spcBef>
+                          <a:spcPts val="0"/>
+                        </a:spcBef>
+                        <a:spcAft>
+                          <a:spcPts val="0"/>
+                        </a:spcAft>
+                        <a:buClrTx/>
+                        <a:buSzTx/>
+                        <a:buFontTx/>
+                        <a:buNone/>
+                        <a:tabLst/>
+                        <a:defRPr/>
+                      </a:pPr>
+                      <a:r>
+                        <a:rPr lang="en-US" sz="1600" dirty="0"/>
+                        <a:t>Web Portal for Training and Placement Cell (2022)</a:t>
+                      </a:r>
+                      <a:endParaRPr lang="en-IN" sz="1600" dirty="0"/>
+                    </a:p>
+                    <a:p>
+                      <a:endParaRPr lang="en-IN" sz="1600" dirty="0">
+                        <a:latin typeface="Times New Roman" panose="02020603050405020304" pitchFamily="18" charset="0"/>
+                        <a:cs typeface="Times New Roman" panose="02020603050405020304" pitchFamily="18" charset="0"/>
+                      </a:endParaRPr>
+                    </a:p>
+                  </a:txBody>
+                  <a:tcPr/>
+                </a:tc>
+                <a:tc>
+                  <a:txBody>
+                    <a:bodyPr/>
+                    <a:lstStyle/>
+                    <a:p>
+                      <a:pPr marL="0" marR="0" lvl="0" indent="0" algn="l" defTabSz="914400" rtl="0" eaLnBrk="1" fontAlgn="auto" latinLnBrk="0" hangingPunct="1">
+                        <a:lnSpc>
+                          <a:spcPct val="100000"/>
+                        </a:lnSpc>
+                        <a:spcBef>
+                          <a:spcPts val="0"/>
+                        </a:spcBef>
+                        <a:spcAft>
+                          <a:spcPts val="0"/>
+                        </a:spcAft>
+                        <a:buClrTx/>
+                        <a:buSzTx/>
+                        <a:buFontTx/>
+                        <a:buNone/>
+                        <a:tabLst/>
+                        <a:defRPr/>
+                      </a:pPr>
+                      <a:r>
+                        <a:rPr lang="en-IN" sz="1600" dirty="0"/>
+                        <a:t>Shital K. Patil, Sakshi S. Thombare, Rasika R. Wadhonkar, Sonal R. Wankhade</a:t>
+                      </a:r>
+                    </a:p>
+                    <a:p>
+                      <a:endParaRPr lang="en-IN" sz="1600" dirty="0">
+                        <a:latin typeface="Times New Roman" panose="02020603050405020304" pitchFamily="18" charset="0"/>
+                        <a:cs typeface="Times New Roman" panose="02020603050405020304" pitchFamily="18" charset="0"/>
+                      </a:endParaRPr>
+                    </a:p>
+                  </a:txBody>
+                  <a:tcPr/>
+                </a:tc>
+                <a:tc>
+                  <a:txBody>
+                    <a:bodyPr/>
+                    <a:lstStyle/>
+                    <a:p>
+                      <a:r>
+                        <a:rPr lang="en-IN" sz="1600" dirty="0"/>
+                        <a:t>Backend: Python-</a:t>
+                      </a:r>
+                    </a:p>
+                    <a:p>
+                      <a:r>
+                        <a:rPr lang="en-IN" sz="1600" dirty="0"/>
+                        <a:t>Web framework: Django</a:t>
+                      </a:r>
+                    </a:p>
+                    <a:p>
+                      <a:r>
+                        <a:rPr lang="en-IN" sz="1600" dirty="0"/>
+                        <a:t>Frontend: HTML, CSS, Javascript</a:t>
+                      </a:r>
+                    </a:p>
+                    <a:p>
+                      <a:r>
+                        <a:rPr lang="en-IN" sz="1600" dirty="0"/>
+                        <a:t>Database: MYSQL</a:t>
+                      </a:r>
+                      <a:endParaRPr lang="en-IN" sz="1600" dirty="0">
+                        <a:latin typeface="Times New Roman" panose="02020603050405020304" pitchFamily="18" charset="0"/>
+                        <a:cs typeface="Times New Roman" panose="02020603050405020304" pitchFamily="18" charset="0"/>
+                      </a:endParaRPr>
+                    </a:p>
+                  </a:txBody>
+                  <a:tcPr/>
+                </a:tc>
+                <a:tc>
+                  <a:txBody>
+                    <a:bodyPr/>
+                    <a:lstStyle/>
+                    <a:p>
+                      <a:pPr marL="0" marR="0" lvl="0" indent="0" algn="l" defTabSz="914400" rtl="0" eaLnBrk="1" fontAlgn="auto" latinLnBrk="0" hangingPunct="1">
+                        <a:lnSpc>
+                          <a:spcPct val="100000"/>
+                        </a:lnSpc>
+                        <a:spcBef>
+                          <a:spcPts val="0"/>
+                        </a:spcBef>
+                        <a:spcAft>
+                          <a:spcPts val="0"/>
+                        </a:spcAft>
+                        <a:buClrTx/>
+                        <a:buSzTx/>
+                        <a:buFontTx/>
+                        <a:buNone/>
+                        <a:tabLst/>
+                        <a:defRPr/>
+                      </a:pPr>
+                      <a:r>
+                        <a:rPr lang="en-US" sz="1600" dirty="0"/>
+                        <a:t>limited customization for job filtering, potential inefficiencies and errors in manual data handling, and possible scalability issues affecting performance as user numbers and data volume increase. Enhanced features and better data management practices could address these concerns.</a:t>
+                      </a:r>
+                      <a:endParaRPr lang="en-IN" sz="1600" dirty="0"/>
+                    </a:p>
+                    <a:p>
+                      <a:endParaRPr lang="en-IN" sz="1600" dirty="0">
+                        <a:latin typeface="Times New Roman" panose="02020603050405020304" pitchFamily="18" charset="0"/>
+                        <a:cs typeface="Times New Roman" panose="02020603050405020304" pitchFamily="18" charset="0"/>
+                      </a:endParaRPr>
+                    </a:p>
+                  </a:txBody>
+                  <a:tcPr/>
+                </a:tc>
+                <a:extLst>
+                  <a:ext uri="{0D108BD9-81ED-4DB2-BD59-A6C34878D82A}">
+                    <a16:rowId xmlns:a16="http://schemas.microsoft.com/office/drawing/2014/main" val="2815873332"/>
+                  </a:ext>
+                </a:extLst>
+              </a:tr>
+            </a:tbl>
+          </a:graphicData>
+        </a:graphic>
+      </p:graphicFrame>
+    </p:spTree>
+    <p:extLst>
+      <p:ext uri="{BB962C8B-B14F-4D97-AF65-F5344CB8AC3E}">
+        <p14:creationId xmlns:p14="http://schemas.microsoft.com/office/powerpoint/2010/main" val="2915708278"/>
+      </p:ext>
+    </p:extLst>
+  </p:cSld>
+  <p:clrMapOvr>
+    <a:masterClrMapping/>
+  </p:clrMapOvr>
+</p:sld>
+</file>
+
+<file path=ppt/slides/slide7.xml><?xml version="1.0" encoding="utf-8"?>
+<p:sld xmlns:a="http://schemas.openxmlformats.org/drawingml/2006/main" xmlns:r="http://schemas.openxmlformats.org/officeDocument/2006/relationships" xmlns:p="http://schemas.openxmlformats.org/presentationml/2006/main">
+  <p:cSld>
+    <p:spTree>
+      <p:nvGrpSpPr>
+        <p:cNvPr id="1" name=""/>
+        <p:cNvGrpSpPr/>
+        <p:nvPr/>
+      </p:nvGrpSpPr>
+      <p:grpSpPr>
+        <a:xfrm>
+          <a:off x="0" y="0"/>
+          <a:ext cx="0" cy="0"/>
+          <a:chOff x="0" y="0"/>
+          <a:chExt cx="0" cy="0"/>
+        </a:xfrm>
+      </p:grpSpPr>
+      <p:sp>
+        <p:nvSpPr>
+          <p:cNvPr id="2" name="Title 1">
+            <a:extLst>
+              <a:ext uri="{FF2B5EF4-FFF2-40B4-BE49-F238E27FC236}">
+                <a16:creationId xmlns:a16="http://schemas.microsoft.com/office/drawing/2014/main" id="{398EE25E-A021-750D-540C-05FB3F355533}"/>
+              </a:ext>
+            </a:extLst>
+          </p:cNvPr>
+          <p:cNvSpPr>
+            <a:spLocks noGrp="1"/>
+          </p:cNvSpPr>
+          <p:nvPr>
+            <p:ph type="title"/>
+          </p:nvPr>
+        </p:nvSpPr>
+        <p:spPr>
+          <a:xfrm>
+            <a:off x="609600" y="0"/>
+            <a:ext cx="10972800" cy="1143000"/>
+          </a:xfrm>
+        </p:spPr>
+        <p:txBody>
+          <a:bodyPr>
+            <a:normAutofit/>
+          </a:bodyPr>
+          <a:lstStyle/>
+          <a:p>
+            <a:r>
+              <a:rPr lang="en-IN" sz="4000" b="1" dirty="0">
+                <a:latin typeface="Times New Roman" pitchFamily="18" charset="0"/>
+                <a:cs typeface="Times New Roman" pitchFamily="18" charset="0"/>
+              </a:rPr>
+              <a:t>Literature Survey</a:t>
+            </a:r>
+            <a:endParaRPr lang="en-IN" sz="4000" dirty="0"/>
+          </a:p>
+        </p:txBody>
+      </p:sp>
+      <p:sp>
+        <p:nvSpPr>
+          <p:cNvPr id="3" name="Slide Number Placeholder 2">
+            <a:extLst>
+              <a:ext uri="{FF2B5EF4-FFF2-40B4-BE49-F238E27FC236}">
+                <a16:creationId xmlns:a16="http://schemas.microsoft.com/office/drawing/2014/main" id="{9C2DD733-DFAE-E0CE-2092-29C8309A4915}"/>
+              </a:ext>
+            </a:extLst>
+          </p:cNvPr>
+          <p:cNvSpPr>
+            <a:spLocks noGrp="1"/>
+          </p:cNvSpPr>
+          <p:nvPr>
+            <p:ph type="sldNum" sz="quarter" idx="12"/>
+          </p:nvPr>
+        </p:nvSpPr>
+        <p:spPr/>
+        <p:txBody>
+          <a:bodyPr/>
+          <a:lstStyle/>
+          <a:p>
+            <a:fld id="{B6F15528-21DE-4FAA-801E-634DDDAF4B2B}" type="slidenum">
+              <a:rPr lang="en-US" smtClean="0"/>
+              <a:pPr/>
+              <a:t>7</a:t>
+            </a:fld>
+            <a:endParaRPr lang="en-US"/>
+          </a:p>
+        </p:txBody>
+      </p:sp>
+      <p:graphicFrame>
+        <p:nvGraphicFramePr>
+          <p:cNvPr id="4" name="Table 3">
+            <a:extLst>
+              <a:ext uri="{FF2B5EF4-FFF2-40B4-BE49-F238E27FC236}">
+                <a16:creationId xmlns:a16="http://schemas.microsoft.com/office/drawing/2014/main" id="{BCAEA079-1091-E44D-C5D6-E6EAC5A8B4B4}"/>
+              </a:ext>
+            </a:extLst>
+          </p:cNvPr>
+          <p:cNvGraphicFramePr>
+            <a:graphicFrameLocks noGrp="1"/>
+          </p:cNvGraphicFramePr>
+          <p:nvPr>
+            <p:extLst>
+              <p:ext uri="{D42A27DB-BD31-4B8C-83A1-F6EECF244321}">
+                <p14:modId xmlns:p14="http://schemas.microsoft.com/office/powerpoint/2010/main" val="4208774757"/>
+              </p:ext>
+            </p:extLst>
+          </p:nvPr>
+        </p:nvGraphicFramePr>
+        <p:xfrm>
+          <a:off x="381000" y="975360"/>
+          <a:ext cx="11430000" cy="5151120"/>
+        </p:xfrm>
+        <a:graphic>
+          <a:graphicData uri="http://schemas.openxmlformats.org/drawingml/2006/table">
+            <a:tbl>
+              <a:tblPr firstRow="1" bandRow="1">
+                <a:tableStyleId>{5C22544A-7EE6-4342-B048-85BDC9FD1C3A}</a:tableStyleId>
+              </a:tblPr>
+              <a:tblGrid>
+                <a:gridCol w="714376">
+                  <a:extLst>
+                    <a:ext uri="{9D8B030D-6E8A-4147-A177-3AD203B41FA5}">
+                      <a16:colId xmlns:a16="http://schemas.microsoft.com/office/drawing/2014/main" val="295068642"/>
+                    </a:ext>
+                  </a:extLst>
+                </a:gridCol>
+                <a:gridCol w="2486024">
+                  <a:extLst>
+                    <a:ext uri="{9D8B030D-6E8A-4147-A177-3AD203B41FA5}">
+                      <a16:colId xmlns:a16="http://schemas.microsoft.com/office/drawing/2014/main" val="559433328"/>
+                    </a:ext>
+                  </a:extLst>
+                </a:gridCol>
+                <a:gridCol w="2590800">
+                  <a:extLst>
+                    <a:ext uri="{9D8B030D-6E8A-4147-A177-3AD203B41FA5}">
+                      <a16:colId xmlns:a16="http://schemas.microsoft.com/office/drawing/2014/main" val="3899967860"/>
+                    </a:ext>
+                  </a:extLst>
+                </a:gridCol>
+                <a:gridCol w="2133600">
+                  <a:extLst>
+                    <a:ext uri="{9D8B030D-6E8A-4147-A177-3AD203B41FA5}">
+                      <a16:colId xmlns:a16="http://schemas.microsoft.com/office/drawing/2014/main" val="2554764329"/>
+                    </a:ext>
+                  </a:extLst>
+                </a:gridCol>
+                <a:gridCol w="3505200">
+                  <a:extLst>
+                    <a:ext uri="{9D8B030D-6E8A-4147-A177-3AD203B41FA5}">
+                      <a16:colId xmlns:a16="http://schemas.microsoft.com/office/drawing/2014/main" val="1229412655"/>
+                    </a:ext>
+                  </a:extLst>
+                </a:gridCol>
+              </a:tblGrid>
+              <a:tr h="457200">
+                <a:tc>
+                  <a:txBody>
+                    <a:bodyPr/>
+                    <a:lstStyle/>
+                    <a:p>
+                      <a:r>
+                        <a:rPr lang="en-IN" sz="1600" dirty="0">
+                          <a:latin typeface="Times New Roman" panose="02020603050405020304" pitchFamily="18" charset="0"/>
+                          <a:cs typeface="Times New Roman" panose="02020603050405020304" pitchFamily="18" charset="0"/>
+                        </a:rPr>
+                        <a:t>Sr No.</a:t>
+                      </a:r>
+                    </a:p>
+                  </a:txBody>
+                  <a:tcPr/>
+                </a:tc>
+                <a:tc>
+                  <a:txBody>
+                    <a:bodyPr/>
+                    <a:lstStyle/>
+                    <a:p>
+                      <a:r>
+                        <a:rPr lang="en-IN" sz="1600" dirty="0">
+                          <a:latin typeface="Times New Roman" panose="02020603050405020304" pitchFamily="18" charset="0"/>
+                          <a:cs typeface="Times New Roman" panose="02020603050405020304" pitchFamily="18" charset="0"/>
+                        </a:rPr>
+                        <a:t>Review Paper Title</a:t>
+                      </a:r>
+                    </a:p>
+                  </a:txBody>
+                  <a:tcPr/>
+                </a:tc>
+                <a:tc>
+                  <a:txBody>
+                    <a:bodyPr/>
+                    <a:lstStyle/>
+                    <a:p>
+                      <a:r>
+                        <a:rPr lang="en-IN" sz="1600" dirty="0">
+                          <a:latin typeface="Times New Roman" panose="02020603050405020304" pitchFamily="18" charset="0"/>
+                          <a:cs typeface="Times New Roman" panose="02020603050405020304" pitchFamily="18" charset="0"/>
+                        </a:rPr>
+                        <a:t>Authors</a:t>
+                      </a:r>
+                    </a:p>
+                  </a:txBody>
+                  <a:tcPr/>
+                </a:tc>
+                <a:tc>
+                  <a:txBody>
+                    <a:bodyPr/>
+                    <a:lstStyle/>
+                    <a:p>
+                      <a:r>
+                        <a:rPr lang="en-IN" sz="1600" dirty="0">
+                          <a:latin typeface="Times New Roman" panose="02020603050405020304" pitchFamily="18" charset="0"/>
+                          <a:cs typeface="Times New Roman" panose="02020603050405020304" pitchFamily="18" charset="0"/>
+                        </a:rPr>
+                        <a:t>Technologies Used</a:t>
+                      </a:r>
+                    </a:p>
+                  </a:txBody>
+                  <a:tcPr/>
+                </a:tc>
+                <a:tc>
+                  <a:txBody>
+                    <a:bodyPr/>
+                    <a:lstStyle/>
+                    <a:p>
+                      <a:r>
+                        <a:rPr lang="en-IN" sz="1600" dirty="0">
+                          <a:latin typeface="Times New Roman" panose="02020603050405020304" pitchFamily="18" charset="0"/>
+                          <a:cs typeface="Times New Roman" panose="02020603050405020304" pitchFamily="18" charset="0"/>
+                        </a:rPr>
+                        <a:t>Drawbacks</a:t>
+                      </a:r>
+                    </a:p>
+                  </a:txBody>
+                  <a:tcPr/>
+                </a:tc>
+                <a:extLst>
+                  <a:ext uri="{0D108BD9-81ED-4DB2-BD59-A6C34878D82A}">
+                    <a16:rowId xmlns:a16="http://schemas.microsoft.com/office/drawing/2014/main" val="1016460182"/>
+                  </a:ext>
+                </a:extLst>
+              </a:tr>
+              <a:tr h="1849120">
+                <a:tc>
+                  <a:txBody>
+                    <a:bodyPr/>
+                    <a:lstStyle/>
+                    <a:p>
+                      <a:r>
+                        <a:rPr lang="en-IN" sz="1600" dirty="0">
+                          <a:latin typeface="Times New Roman" panose="02020603050405020304" pitchFamily="18" charset="0"/>
+                          <a:cs typeface="Times New Roman" panose="02020603050405020304" pitchFamily="18" charset="0"/>
+                        </a:rPr>
+                        <a:t>5</a:t>
+                      </a:r>
+                    </a:p>
+                  </a:txBody>
+                  <a:tcPr/>
+                </a:tc>
+                <a:tc>
+                  <a:txBody>
+                    <a:bodyPr/>
+                    <a:lstStyle/>
+                    <a:p>
+                      <a:pPr marL="0" marR="0" lvl="0" indent="0" algn="l" defTabSz="914400" rtl="0" eaLnBrk="1" fontAlgn="auto" latinLnBrk="0" hangingPunct="1">
+                        <a:lnSpc>
+                          <a:spcPct val="100000"/>
+                        </a:lnSpc>
+                        <a:spcBef>
+                          <a:spcPts val="0"/>
+                        </a:spcBef>
+                        <a:spcAft>
+                          <a:spcPts val="0"/>
+                        </a:spcAft>
+                        <a:buClrTx/>
+                        <a:buSzTx/>
+                        <a:buFontTx/>
+                        <a:buNone/>
+                        <a:tabLst/>
+                        <a:defRPr/>
+                      </a:pPr>
+                      <a:r>
+                        <a:rPr lang="en-US" sz="1600" dirty="0"/>
+                        <a:t>Training and Placement Application for College using Salesforce </a:t>
+                      </a:r>
+                      <a:r>
+                        <a:rPr lang="en-IN" sz="1600" dirty="0">
+                          <a:latin typeface="Times New Roman" panose="02020603050405020304" pitchFamily="18" charset="0"/>
+                          <a:cs typeface="Times New Roman" panose="02020603050405020304" pitchFamily="18" charset="0"/>
+                        </a:rPr>
+                        <a:t>(2022)</a:t>
+                      </a:r>
+                      <a:endParaRPr lang="en-IN" sz="1600" dirty="0"/>
+                    </a:p>
+                  </a:txBody>
+                  <a:tcPr/>
+                </a:tc>
+                <a:tc>
+                  <a:txBody>
+                    <a:bodyPr/>
+                    <a:lstStyle/>
+                    <a:p>
+                      <a:pPr marL="0" marR="0" lvl="0" indent="0" algn="l" defTabSz="914400" rtl="0" eaLnBrk="1" fontAlgn="auto" latinLnBrk="0" hangingPunct="1">
+                        <a:lnSpc>
+                          <a:spcPct val="100000"/>
+                        </a:lnSpc>
+                        <a:spcBef>
+                          <a:spcPts val="0"/>
+                        </a:spcBef>
+                        <a:spcAft>
+                          <a:spcPts val="0"/>
+                        </a:spcAft>
+                        <a:buClrTx/>
+                        <a:buSzTx/>
+                        <a:buFontTx/>
+                        <a:buNone/>
+                        <a:tabLst/>
+                        <a:defRPr/>
+                      </a:pPr>
+                      <a:r>
+                        <a:rPr lang="en-IN" sz="1600" dirty="0"/>
+                        <a:t>Prof. Bharat Dhak, Himanshu Bhoyar, Yash Bangare, Gaurav Zade</a:t>
+                      </a:r>
+                    </a:p>
+                    <a:p>
+                      <a:endParaRPr lang="en-IN" sz="1600" dirty="0">
+                        <a:latin typeface="Times New Roman" panose="02020603050405020304" pitchFamily="18" charset="0"/>
+                        <a:cs typeface="Times New Roman" panose="02020603050405020304" pitchFamily="18" charset="0"/>
+                      </a:endParaRPr>
+                    </a:p>
+                  </a:txBody>
+                  <a:tcPr/>
+                </a:tc>
+                <a:tc>
+                  <a:txBody>
+                    <a:bodyPr/>
+                    <a:lstStyle/>
+                    <a:p>
+                      <a:r>
+                        <a:rPr lang="en-US" sz="1600" dirty="0"/>
+                        <a:t>Salesforce: A cloud-based CRM platform.</a:t>
+                      </a:r>
+                    </a:p>
+                    <a:p>
+                      <a:r>
+                        <a:rPr lang="en-US" sz="1600" dirty="0"/>
+                        <a:t>Visualforce: A component-based user interface framework part of Salesforce force.com used for creating dynamic interfaces.</a:t>
+                      </a:r>
+                      <a:endParaRPr lang="en-IN" sz="1600" dirty="0"/>
+                    </a:p>
+                    <a:p>
+                      <a:endParaRPr lang="en-IN" sz="1600" dirty="0">
+                        <a:latin typeface="Times New Roman" panose="02020603050405020304" pitchFamily="18" charset="0"/>
+                        <a:cs typeface="Times New Roman" panose="02020603050405020304" pitchFamily="18" charset="0"/>
+                      </a:endParaRPr>
+                    </a:p>
+                  </a:txBody>
+                  <a:tcPr/>
+                </a:tc>
+                <a:tc>
+                  <a:txBody>
+                    <a:bodyPr/>
+                    <a:lstStyle/>
+                    <a:p>
+                      <a:r>
+                        <a:rPr lang="en-US" sz="1600" dirty="0"/>
+                        <a:t>dependency on internet connectivity for accessing data, potential complexities in managing and customizing the platform for specific institutional needs, and possible challenges in ensuring data privacy and security for sensitive student information.</a:t>
+                      </a:r>
+                      <a:endParaRPr lang="en-IN" sz="1600" dirty="0">
+                        <a:latin typeface="Times New Roman" panose="02020603050405020304" pitchFamily="18" charset="0"/>
+                        <a:cs typeface="Times New Roman" panose="02020603050405020304" pitchFamily="18" charset="0"/>
+                      </a:endParaRPr>
+                    </a:p>
+                  </a:txBody>
+                  <a:tcPr/>
+                </a:tc>
+                <a:extLst>
+                  <a:ext uri="{0D108BD9-81ED-4DB2-BD59-A6C34878D82A}">
+                    <a16:rowId xmlns:a16="http://schemas.microsoft.com/office/drawing/2014/main" val="4286317264"/>
+                  </a:ext>
+                </a:extLst>
+              </a:tr>
+              <a:tr h="1925320">
+                <a:tc>
+                  <a:txBody>
+                    <a:bodyPr/>
+                    <a:lstStyle/>
+                    <a:p>
+                      <a:r>
+                        <a:rPr lang="en-IN" sz="1600" dirty="0">
+                          <a:latin typeface="Times New Roman" panose="02020603050405020304" pitchFamily="18" charset="0"/>
+                          <a:cs typeface="Times New Roman" panose="02020603050405020304" pitchFamily="18" charset="0"/>
+                        </a:rPr>
+                        <a:t>6</a:t>
+                      </a:r>
+                    </a:p>
+                  </a:txBody>
+                  <a:tcPr/>
+                </a:tc>
+                <a:tc>
+                  <a:txBody>
+                    <a:bodyPr/>
+                    <a:lstStyle/>
+                    <a:p>
+                      <a:pPr marL="0" marR="0" lvl="0" indent="0" algn="l" defTabSz="914400" rtl="0" eaLnBrk="1" fontAlgn="auto" latinLnBrk="0" hangingPunct="1">
+                        <a:lnSpc>
+                          <a:spcPct val="100000"/>
+                        </a:lnSpc>
+                        <a:spcBef>
+                          <a:spcPts val="0"/>
+                        </a:spcBef>
+                        <a:spcAft>
+                          <a:spcPts val="0"/>
+                        </a:spcAft>
+                        <a:buClrTx/>
+                        <a:buSzTx/>
+                        <a:buFontTx/>
+                        <a:buNone/>
+                        <a:tabLst/>
+                        <a:defRPr/>
+                      </a:pPr>
+                      <a:r>
+                        <a:rPr lang="en-US" sz="1600" dirty="0"/>
+                        <a:t>Development of a Web Portal for the Training and Placement Cell of the College</a:t>
+                      </a:r>
+                      <a:r>
+                        <a:rPr lang="en-IN" sz="1600" dirty="0">
+                          <a:latin typeface="Times New Roman" panose="02020603050405020304" pitchFamily="18" charset="0"/>
+                          <a:cs typeface="Times New Roman" panose="02020603050405020304" pitchFamily="18" charset="0"/>
+                        </a:rPr>
+                        <a:t> (2023)</a:t>
+                      </a:r>
+                      <a:endParaRPr lang="en-IN" sz="1600" dirty="0"/>
+                    </a:p>
+                  </a:txBody>
+                  <a:tcPr/>
+                </a:tc>
+                <a:tc>
+                  <a:txBody>
+                    <a:bodyPr/>
+                    <a:lstStyle/>
+                    <a:p>
+                      <a:pPr marL="0" marR="0" lvl="0" indent="0" algn="l" defTabSz="914400" rtl="0" eaLnBrk="1" fontAlgn="auto" latinLnBrk="0" hangingPunct="1">
+                        <a:lnSpc>
+                          <a:spcPct val="100000"/>
+                        </a:lnSpc>
+                        <a:spcBef>
+                          <a:spcPts val="0"/>
+                        </a:spcBef>
+                        <a:spcAft>
+                          <a:spcPts val="0"/>
+                        </a:spcAft>
+                        <a:buClrTx/>
+                        <a:buSzTx/>
+                        <a:buFontTx/>
+                        <a:buNone/>
+                        <a:tabLst/>
+                        <a:defRPr/>
+                      </a:pPr>
+                      <a:r>
+                        <a:rPr lang="en-IN" sz="1600" dirty="0"/>
+                        <a:t>Abhay Padavi, Nikhil Birajdar, Rahul Raut, Suzanne Shaikh, Pratima Patil</a:t>
+                      </a:r>
+                    </a:p>
+                    <a:p>
+                      <a:endParaRPr lang="en-IN" sz="1600" dirty="0">
+                        <a:latin typeface="Times New Roman" panose="02020603050405020304" pitchFamily="18" charset="0"/>
+                        <a:cs typeface="Times New Roman" panose="02020603050405020304" pitchFamily="18" charset="0"/>
+                      </a:endParaRPr>
+                    </a:p>
+                  </a:txBody>
+                  <a:tcPr/>
+                </a:tc>
+                <a:tc>
+                  <a:txBody>
+                    <a:bodyPr/>
+                    <a:lstStyle/>
+                    <a:p>
+                      <a:pPr marL="0" marR="0" lvl="0" indent="0" algn="l" defTabSz="914400" rtl="0" eaLnBrk="1" fontAlgn="auto" latinLnBrk="0" hangingPunct="1">
+                        <a:lnSpc>
+                          <a:spcPct val="100000"/>
+                        </a:lnSpc>
+                        <a:spcBef>
+                          <a:spcPts val="0"/>
+                        </a:spcBef>
+                        <a:spcAft>
+                          <a:spcPts val="0"/>
+                        </a:spcAft>
+                        <a:buClrTx/>
+                        <a:buSzTx/>
+                        <a:buFontTx/>
+                        <a:buNone/>
+                        <a:tabLst/>
+                        <a:defRPr/>
+                      </a:pPr>
+                      <a:r>
+                        <a:rPr lang="en-US" sz="1600" dirty="0"/>
+                        <a:t>Python, Java, Android, .NET, and Firebase</a:t>
+                      </a:r>
+                      <a:endParaRPr lang="en-IN" sz="1600" dirty="0"/>
+                    </a:p>
+                    <a:p>
+                      <a:endParaRPr lang="en-IN" sz="1600" dirty="0">
+                        <a:latin typeface="Times New Roman" panose="02020603050405020304" pitchFamily="18" charset="0"/>
+                        <a:cs typeface="Times New Roman" panose="02020603050405020304" pitchFamily="18" charset="0"/>
+                      </a:endParaRPr>
+                    </a:p>
+                  </a:txBody>
+                  <a:tcPr/>
+                </a:tc>
+                <a:tc>
+                  <a:txBody>
+                    <a:bodyPr/>
+                    <a:lstStyle/>
+                    <a:p>
+                      <a:r>
+                        <a:rPr lang="en-US" sz="1600" dirty="0"/>
+                        <a:t>dependence on consistent internet access, potential security vulnerabilities, the need for regular updates and maintenance, and the initial cost and time required for development and implementation. risk of data breaches, and the potential for technical issues or downtime</a:t>
+                      </a:r>
+                      <a:endParaRPr lang="en-IN" sz="1600" dirty="0">
+                        <a:latin typeface="Times New Roman" panose="02020603050405020304" pitchFamily="18" charset="0"/>
+                        <a:cs typeface="Times New Roman" panose="02020603050405020304" pitchFamily="18" charset="0"/>
+                      </a:endParaRPr>
+                    </a:p>
+                  </a:txBody>
+                  <a:tcPr/>
+                </a:tc>
+                <a:extLst>
+                  <a:ext uri="{0D108BD9-81ED-4DB2-BD59-A6C34878D82A}">
+                    <a16:rowId xmlns:a16="http://schemas.microsoft.com/office/drawing/2014/main" val="1436179284"/>
+                  </a:ext>
+                </a:extLst>
+              </a:tr>
+            </a:tbl>
+          </a:graphicData>
+        </a:graphic>
+      </p:graphicFrame>
+    </p:spTree>
+    <p:extLst>
+      <p:ext uri="{BB962C8B-B14F-4D97-AF65-F5344CB8AC3E}">
+        <p14:creationId xmlns:p14="http://schemas.microsoft.com/office/powerpoint/2010/main" val="3935900738"/>
+      </p:ext>
+    </p:extLst>
+  </p:cSld>
+  <p:clrMapOvr>
+    <a:masterClrMapping/>
+  </p:clrMapOvr>
+</p:sld>
+</file>
+
+<file path=ppt/slides/slide8.xml><?xml version="1.0" encoding="utf-8"?>
+<p:sld xmlns:a="http://schemas.openxmlformats.org/drawingml/2006/main" xmlns:r="http://schemas.openxmlformats.org/officeDocument/2006/relationships" xmlns:p="http://schemas.openxmlformats.org/presentationml/2006/main">
+  <p:cSld>
+    <p:spTree>
+      <p:nvGrpSpPr>
+        <p:cNvPr id="1" name=""/>
+        <p:cNvGrpSpPr/>
+        <p:nvPr/>
+      </p:nvGrpSpPr>
+      <p:grpSpPr>
+        <a:xfrm>
+          <a:off x="0" y="0"/>
+          <a:ext cx="0" cy="0"/>
+          <a:chOff x="0" y="0"/>
+          <a:chExt cx="0" cy="0"/>
+        </a:xfrm>
+      </p:grpSpPr>
+      <p:sp>
+        <p:nvSpPr>
+          <p:cNvPr id="2" name="Title 1">
+            <a:extLst>
+              <a:ext uri="{FF2B5EF4-FFF2-40B4-BE49-F238E27FC236}">
+                <a16:creationId xmlns:a16="http://schemas.microsoft.com/office/drawing/2014/main" id="{9C47372B-4848-6720-1A2E-59486AC62333}"/>
+              </a:ext>
+            </a:extLst>
+          </p:cNvPr>
+          <p:cNvSpPr>
+            <a:spLocks noGrp="1"/>
+          </p:cNvSpPr>
+          <p:nvPr>
+            <p:ph type="title"/>
+          </p:nvPr>
+        </p:nvSpPr>
+        <p:spPr>
+          <a:xfrm>
+            <a:off x="609600" y="0"/>
+            <a:ext cx="10972800" cy="1143000"/>
+          </a:xfrm>
+        </p:spPr>
+        <p:txBody>
+          <a:bodyPr>
+            <a:normAutofit/>
+          </a:bodyPr>
+          <a:lstStyle/>
+          <a:p>
+            <a:r>
+              <a:rPr lang="en-IN" sz="4000" b="1" dirty="0">
+                <a:latin typeface="Times New Roman" pitchFamily="18" charset="0"/>
+                <a:cs typeface="Times New Roman" pitchFamily="18" charset="0"/>
+              </a:rPr>
+              <a:t>Literature Survey</a:t>
+            </a:r>
+            <a:endParaRPr lang="en-IN" sz="4000" dirty="0"/>
+          </a:p>
+        </p:txBody>
+      </p:sp>
+      <p:sp>
+        <p:nvSpPr>
+          <p:cNvPr id="3" name="Slide Number Placeholder 2">
+            <a:extLst>
+              <a:ext uri="{FF2B5EF4-FFF2-40B4-BE49-F238E27FC236}">
+                <a16:creationId xmlns:a16="http://schemas.microsoft.com/office/drawing/2014/main" id="{49975E82-C334-2F5E-41AF-EEAC2B1738DA}"/>
+              </a:ext>
+            </a:extLst>
+          </p:cNvPr>
+          <p:cNvSpPr>
+            <a:spLocks noGrp="1"/>
+          </p:cNvSpPr>
+          <p:nvPr>
+            <p:ph type="sldNum" sz="quarter" idx="12"/>
+          </p:nvPr>
+        </p:nvSpPr>
+        <p:spPr/>
+        <p:txBody>
+          <a:bodyPr/>
+          <a:lstStyle/>
+          <a:p>
+            <a:fld id="{B6F15528-21DE-4FAA-801E-634DDDAF4B2B}" type="slidenum">
+              <a:rPr lang="en-US" smtClean="0"/>
+              <a:pPr/>
+              <a:t>8</a:t>
+            </a:fld>
+            <a:endParaRPr lang="en-US"/>
+          </a:p>
+        </p:txBody>
+      </p:sp>
+      <p:graphicFrame>
+        <p:nvGraphicFramePr>
+          <p:cNvPr id="4" name="Table 3">
+            <a:extLst>
+              <a:ext uri="{FF2B5EF4-FFF2-40B4-BE49-F238E27FC236}">
+                <a16:creationId xmlns:a16="http://schemas.microsoft.com/office/drawing/2014/main" id="{5A561252-D13E-13E6-7802-EB5594DD540B}"/>
+              </a:ext>
+            </a:extLst>
+          </p:cNvPr>
+          <p:cNvGraphicFramePr>
+            <a:graphicFrameLocks noGrp="1"/>
+          </p:cNvGraphicFramePr>
+          <p:nvPr>
+            <p:extLst>
+              <p:ext uri="{D42A27DB-BD31-4B8C-83A1-F6EECF244321}">
+                <p14:modId xmlns:p14="http://schemas.microsoft.com/office/powerpoint/2010/main" val="1641275006"/>
+              </p:ext>
+            </p:extLst>
+          </p:nvPr>
+        </p:nvGraphicFramePr>
+        <p:xfrm>
+          <a:off x="381000" y="1137921"/>
+          <a:ext cx="11430000" cy="4761423"/>
+        </p:xfrm>
+        <a:graphic>
+          <a:graphicData uri="http://schemas.openxmlformats.org/drawingml/2006/table">
+            <a:tbl>
+              <a:tblPr firstRow="1" bandRow="1">
+                <a:tableStyleId>{5C22544A-7EE6-4342-B048-85BDC9FD1C3A}</a:tableStyleId>
+              </a:tblPr>
+              <a:tblGrid>
+                <a:gridCol w="714376">
+                  <a:extLst>
+                    <a:ext uri="{9D8B030D-6E8A-4147-A177-3AD203B41FA5}">
+                      <a16:colId xmlns:a16="http://schemas.microsoft.com/office/drawing/2014/main" val="3509255944"/>
+                    </a:ext>
+                  </a:extLst>
+                </a:gridCol>
+                <a:gridCol w="2486024">
+                  <a:extLst>
+                    <a:ext uri="{9D8B030D-6E8A-4147-A177-3AD203B41FA5}">
+                      <a16:colId xmlns:a16="http://schemas.microsoft.com/office/drawing/2014/main" val="961600692"/>
+                    </a:ext>
+                  </a:extLst>
+                </a:gridCol>
+                <a:gridCol w="2590800">
+                  <a:extLst>
+                    <a:ext uri="{9D8B030D-6E8A-4147-A177-3AD203B41FA5}">
+                      <a16:colId xmlns:a16="http://schemas.microsoft.com/office/drawing/2014/main" val="2074561909"/>
+                    </a:ext>
+                  </a:extLst>
+                </a:gridCol>
+                <a:gridCol w="2133600">
+                  <a:extLst>
+                    <a:ext uri="{9D8B030D-6E8A-4147-A177-3AD203B41FA5}">
+                      <a16:colId xmlns:a16="http://schemas.microsoft.com/office/drawing/2014/main" val="1246107752"/>
+                    </a:ext>
+                  </a:extLst>
+                </a:gridCol>
+                <a:gridCol w="3505200">
+                  <a:extLst>
+                    <a:ext uri="{9D8B030D-6E8A-4147-A177-3AD203B41FA5}">
+                      <a16:colId xmlns:a16="http://schemas.microsoft.com/office/drawing/2014/main" val="1080474796"/>
+                    </a:ext>
+                  </a:extLst>
+                </a:gridCol>
+              </a:tblGrid>
+              <a:tr h="515654">
+                <a:tc>
+                  <a:txBody>
+                    <a:bodyPr/>
+                    <a:lstStyle/>
+                    <a:p>
+                      <a:r>
+                        <a:rPr lang="en-IN" sz="1600" dirty="0">
+                          <a:latin typeface="Times New Roman" panose="02020603050405020304" pitchFamily="18" charset="0"/>
+                          <a:cs typeface="Times New Roman" panose="02020603050405020304" pitchFamily="18" charset="0"/>
+                        </a:rPr>
+                        <a:t>Sr No.</a:t>
+                      </a:r>
+                    </a:p>
+                  </a:txBody>
+                  <a:tcPr/>
+                </a:tc>
+                <a:tc>
+                  <a:txBody>
+                    <a:bodyPr/>
+                    <a:lstStyle/>
+                    <a:p>
+                      <a:r>
+                        <a:rPr lang="en-IN" sz="1600" dirty="0">
+                          <a:latin typeface="Times New Roman" panose="02020603050405020304" pitchFamily="18" charset="0"/>
+                          <a:cs typeface="Times New Roman" panose="02020603050405020304" pitchFamily="18" charset="0"/>
+                        </a:rPr>
+                        <a:t>Review Paper Title</a:t>
+                      </a:r>
+                    </a:p>
+                  </a:txBody>
+                  <a:tcPr/>
+                </a:tc>
+                <a:tc>
+                  <a:txBody>
+                    <a:bodyPr/>
+                    <a:lstStyle/>
+                    <a:p>
+                      <a:r>
+                        <a:rPr lang="en-IN" sz="1600" dirty="0">
+                          <a:latin typeface="Times New Roman" panose="02020603050405020304" pitchFamily="18" charset="0"/>
+                          <a:cs typeface="Times New Roman" panose="02020603050405020304" pitchFamily="18" charset="0"/>
+                        </a:rPr>
+                        <a:t>Authors</a:t>
+                      </a:r>
+                    </a:p>
+                  </a:txBody>
+                  <a:tcPr/>
+                </a:tc>
+                <a:tc>
+                  <a:txBody>
+                    <a:bodyPr/>
+                    <a:lstStyle/>
+                    <a:p>
+                      <a:r>
+                        <a:rPr lang="en-IN" sz="1600" dirty="0">
+                          <a:latin typeface="Times New Roman" panose="02020603050405020304" pitchFamily="18" charset="0"/>
+                          <a:cs typeface="Times New Roman" panose="02020603050405020304" pitchFamily="18" charset="0"/>
+                        </a:rPr>
+                        <a:t>Technologies Used</a:t>
+                      </a:r>
+                    </a:p>
+                  </a:txBody>
+                  <a:tcPr/>
+                </a:tc>
+                <a:tc>
+                  <a:txBody>
+                    <a:bodyPr/>
+                    <a:lstStyle/>
+                    <a:p>
+                      <a:r>
+                        <a:rPr lang="en-IN" sz="1600" dirty="0">
+                          <a:latin typeface="Times New Roman" panose="02020603050405020304" pitchFamily="18" charset="0"/>
+                          <a:cs typeface="Times New Roman" panose="02020603050405020304" pitchFamily="18" charset="0"/>
+                        </a:rPr>
+                        <a:t>Drawbacks</a:t>
+                      </a:r>
+                    </a:p>
+                  </a:txBody>
+                  <a:tcPr/>
+                </a:tc>
+                <a:extLst>
+                  <a:ext uri="{0D108BD9-81ED-4DB2-BD59-A6C34878D82A}">
+                    <a16:rowId xmlns:a16="http://schemas.microsoft.com/office/drawing/2014/main" val="640490136"/>
+                  </a:ext>
+                </a:extLst>
+              </a:tr>
+              <a:tr h="1601242">
+                <a:tc>
+                  <a:txBody>
+                    <a:bodyPr/>
+                    <a:lstStyle/>
+                    <a:p>
+                      <a:r>
+                        <a:rPr lang="en-IN" sz="1600" dirty="0">
+                          <a:latin typeface="Times New Roman" panose="02020603050405020304" pitchFamily="18" charset="0"/>
+                          <a:cs typeface="Times New Roman" panose="02020603050405020304" pitchFamily="18" charset="0"/>
+                        </a:rPr>
+                        <a:t>7</a:t>
+                      </a:r>
+                    </a:p>
+                  </a:txBody>
+                  <a:tcPr/>
+                </a:tc>
+                <a:tc>
+                  <a:txBody>
+                    <a:bodyPr/>
+                    <a:lstStyle/>
+                    <a:p>
+                      <a:pPr marL="0" marR="0" lvl="0" indent="0" algn="l" defTabSz="914400" rtl="0" eaLnBrk="1" fontAlgn="auto" latinLnBrk="0" hangingPunct="1">
+                        <a:lnSpc>
+                          <a:spcPct val="100000"/>
+                        </a:lnSpc>
+                        <a:spcBef>
+                          <a:spcPts val="0"/>
+                        </a:spcBef>
+                        <a:spcAft>
+                          <a:spcPts val="0"/>
+                        </a:spcAft>
+                        <a:buClrTx/>
+                        <a:buSzTx/>
+                        <a:buFontTx/>
+                        <a:buNone/>
+                        <a:tabLst/>
+                        <a:defRPr/>
+                      </a:pPr>
+                      <a:r>
+                        <a:rPr lang="en-US" sz="1600" dirty="0"/>
+                        <a:t>Student Internship Placement Management System using Python </a:t>
+                      </a:r>
+                      <a:endParaRPr lang="en-IN" sz="1600" dirty="0"/>
+                    </a:p>
+                    <a:p>
+                      <a:pPr marL="0" marR="0" lvl="0" indent="0" algn="l" defTabSz="914400" rtl="0" eaLnBrk="1" fontAlgn="auto" latinLnBrk="0" hangingPunct="1">
+                        <a:lnSpc>
+                          <a:spcPct val="100000"/>
+                        </a:lnSpc>
+                        <a:spcBef>
+                          <a:spcPts val="0"/>
+                        </a:spcBef>
+                        <a:spcAft>
+                          <a:spcPts val="0"/>
+                        </a:spcAft>
+                        <a:buClrTx/>
+                        <a:buSzTx/>
+                        <a:buFontTx/>
+                        <a:buNone/>
+                        <a:tabLst/>
+                        <a:defRPr/>
+                      </a:pPr>
+                      <a:r>
+                        <a:rPr lang="en-US" sz="1600" dirty="0">
+                          <a:latin typeface="Times New Roman" panose="02020603050405020304" pitchFamily="18" charset="0"/>
+                          <a:cs typeface="Times New Roman" panose="02020603050405020304" pitchFamily="18" charset="0"/>
+                        </a:rPr>
+                        <a:t>(2023)</a:t>
+                      </a:r>
+                      <a:endParaRPr lang="en-IN" sz="1600" dirty="0">
+                        <a:latin typeface="Times New Roman" panose="02020603050405020304" pitchFamily="18" charset="0"/>
+                        <a:cs typeface="Times New Roman" panose="02020603050405020304" pitchFamily="18" charset="0"/>
+                      </a:endParaRPr>
+                    </a:p>
+                    <a:p>
+                      <a:endParaRPr lang="en-IN" sz="1600" dirty="0">
+                        <a:latin typeface="Times New Roman" panose="02020603050405020304" pitchFamily="18" charset="0"/>
+                        <a:cs typeface="Times New Roman" panose="02020603050405020304" pitchFamily="18" charset="0"/>
+                      </a:endParaRPr>
+                    </a:p>
+                  </a:txBody>
+                  <a:tcPr/>
+                </a:tc>
+                <a:tc>
+                  <a:txBody>
+                    <a:bodyPr/>
+                    <a:lstStyle/>
+                    <a:p>
+                      <a:r>
+                        <a:rPr lang="en-IN" sz="1600" dirty="0"/>
+                        <a:t>Shivani Chaurasia</a:t>
+                      </a:r>
+                      <a:endParaRPr lang="en-IN" sz="1600" dirty="0">
+                        <a:latin typeface="Times New Roman" panose="02020603050405020304" pitchFamily="18" charset="0"/>
+                        <a:cs typeface="Times New Roman" panose="02020603050405020304" pitchFamily="18" charset="0"/>
+                      </a:endParaRPr>
+                    </a:p>
+                  </a:txBody>
+                  <a:tcPr/>
+                </a:tc>
+                <a:tc>
+                  <a:txBody>
+                    <a:bodyPr/>
+                    <a:lstStyle/>
+                    <a:p>
+                      <a:pPr marL="0" marR="0" lvl="0" indent="0" algn="l" defTabSz="914400" rtl="0" eaLnBrk="1" fontAlgn="auto" latinLnBrk="0" hangingPunct="1">
+                        <a:lnSpc>
+                          <a:spcPct val="100000"/>
+                        </a:lnSpc>
+                        <a:spcBef>
+                          <a:spcPts val="0"/>
+                        </a:spcBef>
+                        <a:spcAft>
+                          <a:spcPts val="0"/>
+                        </a:spcAft>
+                        <a:buClrTx/>
+                        <a:buSzTx/>
+                        <a:buFontTx/>
+                        <a:buNone/>
+                        <a:tabLst/>
+                        <a:defRPr/>
+                      </a:pPr>
+                      <a:r>
+                        <a:rPr lang="en-IN" sz="1600" dirty="0"/>
+                        <a:t>Python, Django web framework, HTML, CSS, and JavaScript, MySQL</a:t>
+                      </a:r>
+                    </a:p>
+                    <a:p>
+                      <a:endParaRPr lang="en-IN" sz="1600" dirty="0">
+                        <a:latin typeface="Times New Roman" panose="02020603050405020304" pitchFamily="18" charset="0"/>
+                        <a:cs typeface="Times New Roman" panose="02020603050405020304" pitchFamily="18" charset="0"/>
+                      </a:endParaRPr>
+                    </a:p>
+                  </a:txBody>
+                  <a:tcPr/>
+                </a:tc>
+                <a:tc>
+                  <a:txBody>
+                    <a:bodyPr/>
+                    <a:lstStyle/>
+                    <a:p>
+                      <a:r>
+                        <a:rPr lang="en-US" sz="1600" dirty="0"/>
+                        <a:t>- Limited user interface flexibility, which may hinder user experience.</a:t>
+                      </a:r>
+                    </a:p>
+                    <a:p>
+                      <a:r>
+                        <a:rPr lang="en-US" sz="1600" dirty="0"/>
+                        <a:t>- The need for continuous updates to keep up with changing technologies and requirements.</a:t>
+                      </a:r>
+                    </a:p>
+                    <a:p>
+                      <a:r>
+                        <a:rPr lang="en-US" sz="1600" dirty="0"/>
+                        <a:t>- Potential data security issues due to reliance on centralized databases </a:t>
+                      </a:r>
+                      <a:endParaRPr lang="en-IN" sz="1600" dirty="0">
+                        <a:latin typeface="Times New Roman" panose="02020603050405020304" pitchFamily="18" charset="0"/>
+                        <a:cs typeface="Times New Roman" panose="02020603050405020304" pitchFamily="18" charset="0"/>
+                      </a:endParaRPr>
+                    </a:p>
+                  </a:txBody>
+                  <a:tcPr/>
+                </a:tc>
+                <a:extLst>
+                  <a:ext uri="{0D108BD9-81ED-4DB2-BD59-A6C34878D82A}">
+                    <a16:rowId xmlns:a16="http://schemas.microsoft.com/office/drawing/2014/main" val="3955668491"/>
+                  </a:ext>
+                </a:extLst>
+              </a:tr>
+              <a:tr h="2383983">
+                <a:tc>
+                  <a:txBody>
+                    <a:bodyPr/>
+                    <a:lstStyle/>
+                    <a:p>
+                      <a:r>
+                        <a:rPr lang="en-IN" sz="1600" dirty="0">
+                          <a:latin typeface="Times New Roman" panose="02020603050405020304" pitchFamily="18" charset="0"/>
+                          <a:cs typeface="Times New Roman" panose="02020603050405020304" pitchFamily="18" charset="0"/>
+                        </a:rPr>
+                        <a:t>8</a:t>
+                      </a:r>
+                    </a:p>
+                  </a:txBody>
+                  <a:tcPr/>
+                </a:tc>
+                <a:tc>
+                  <a:txBody>
+                    <a:bodyPr/>
+                    <a:lstStyle/>
+                    <a:p>
+                      <a:pPr marL="0" marR="0" lvl="0" indent="0" algn="l" defTabSz="914400" rtl="0" eaLnBrk="1" fontAlgn="auto" latinLnBrk="0" hangingPunct="1">
+                        <a:lnSpc>
+                          <a:spcPct val="100000"/>
+                        </a:lnSpc>
+                        <a:spcBef>
+                          <a:spcPts val="0"/>
+                        </a:spcBef>
+                        <a:spcAft>
+                          <a:spcPts val="0"/>
+                        </a:spcAft>
+                        <a:buClrTx/>
+                        <a:buSzTx/>
+                        <a:buFontTx/>
+                        <a:buNone/>
+                        <a:tabLst/>
+                        <a:defRPr/>
+                      </a:pPr>
+                      <a:r>
+                        <a:rPr lang="en-US" sz="1600" dirty="0"/>
+                        <a:t>Training and Placement Cell Android Application </a:t>
+                      </a:r>
+                      <a:endParaRPr lang="en-IN" sz="1600" dirty="0"/>
+                    </a:p>
+                    <a:p>
+                      <a:pPr marL="0" marR="0" lvl="0" indent="0" algn="l" defTabSz="914400" rtl="0" eaLnBrk="1" fontAlgn="auto" latinLnBrk="0" hangingPunct="1">
+                        <a:lnSpc>
+                          <a:spcPct val="100000"/>
+                        </a:lnSpc>
+                        <a:spcBef>
+                          <a:spcPts val="0"/>
+                        </a:spcBef>
+                        <a:spcAft>
+                          <a:spcPts val="0"/>
+                        </a:spcAft>
+                        <a:buClrTx/>
+                        <a:buSzTx/>
+                        <a:buFontTx/>
+                        <a:buNone/>
+                        <a:tabLst/>
+                        <a:defRPr/>
+                      </a:pPr>
+                      <a:r>
+                        <a:rPr lang="en-US" sz="1600" dirty="0"/>
+                        <a:t>(2022)</a:t>
+                      </a:r>
+                      <a:endParaRPr lang="en-IN" sz="1600" dirty="0"/>
+                    </a:p>
+                    <a:p>
+                      <a:endParaRPr lang="en-IN" sz="1600" dirty="0">
+                        <a:latin typeface="Times New Roman" panose="02020603050405020304" pitchFamily="18" charset="0"/>
+                        <a:cs typeface="Times New Roman" panose="02020603050405020304" pitchFamily="18" charset="0"/>
+                      </a:endParaRPr>
+                    </a:p>
+                  </a:txBody>
+                  <a:tcPr/>
+                </a:tc>
+                <a:tc>
+                  <a:txBody>
+                    <a:bodyPr/>
+                    <a:lstStyle/>
+                    <a:p>
+                      <a:pPr marL="0" marR="0" lvl="0" indent="0" algn="l" defTabSz="914400" rtl="0" eaLnBrk="1" fontAlgn="auto" latinLnBrk="0" hangingPunct="1">
+                        <a:lnSpc>
+                          <a:spcPct val="100000"/>
+                        </a:lnSpc>
+                        <a:spcBef>
+                          <a:spcPts val="0"/>
+                        </a:spcBef>
+                        <a:spcAft>
+                          <a:spcPts val="0"/>
+                        </a:spcAft>
+                        <a:buClrTx/>
+                        <a:buSzTx/>
+                        <a:buFontTx/>
+                        <a:buNone/>
+                        <a:tabLst/>
+                        <a:defRPr/>
+                      </a:pPr>
+                      <a:r>
+                        <a:rPr lang="en-IN" sz="1600" dirty="0"/>
+                        <a:t>Mr. Puneshkumar U. Tembhare, Anand Khobragade, Rushabh Pachare, Sanjeev Sharma, Chaitanya Ramteke, Vaibhav Patil </a:t>
+                      </a:r>
+                    </a:p>
+                    <a:p>
+                      <a:endParaRPr lang="en-IN" sz="1600" dirty="0">
+                        <a:latin typeface="Times New Roman" panose="02020603050405020304" pitchFamily="18" charset="0"/>
+                        <a:cs typeface="Times New Roman" panose="02020603050405020304" pitchFamily="18" charset="0"/>
+                      </a:endParaRPr>
+                    </a:p>
+                  </a:txBody>
+                  <a:tcPr/>
+                </a:tc>
+                <a:tc>
+                  <a:txBody>
+                    <a:bodyPr/>
+                    <a:lstStyle/>
+                    <a:p>
+                      <a:r>
+                        <a:rPr lang="en-US" sz="1600" dirty="0"/>
+                        <a:t>Android Studio: For app development.</a:t>
+                      </a:r>
+                    </a:p>
+                    <a:p>
+                      <a:r>
+                        <a:rPr lang="en-US" sz="1600" dirty="0"/>
+                        <a:t>Internet-based platform</a:t>
+                      </a:r>
+                    </a:p>
+                    <a:p>
+                      <a:r>
+                        <a:rPr lang="en-US" sz="1600" dirty="0"/>
+                        <a:t>Security and authentication features</a:t>
+                      </a:r>
+                    </a:p>
+                    <a:p>
+                      <a:r>
+                        <a:rPr lang="en-US" sz="1600" dirty="0"/>
+                        <a:t>Excel sheets</a:t>
+                      </a:r>
+                    </a:p>
+                    <a:p>
+                      <a:endParaRPr lang="en-IN" sz="1600" dirty="0">
+                        <a:latin typeface="Times New Roman" panose="02020603050405020304" pitchFamily="18" charset="0"/>
+                        <a:cs typeface="Times New Roman" panose="02020603050405020304" pitchFamily="18" charset="0"/>
+                      </a:endParaRPr>
+                    </a:p>
+                  </a:txBody>
+                  <a:tcPr/>
+                </a:tc>
+                <a:tc>
+                  <a:txBody>
+                    <a:bodyPr/>
+                    <a:lstStyle/>
+                    <a:p>
+                      <a:r>
+                        <a:rPr lang="en-US" sz="1600" dirty="0"/>
+                        <a:t> it is cost-inefficient, lacks accuracy, is hard to manage, and does not offer adequate security. These limitations hinder the effectiveness and reliability of the system, making it challenging for users to maintain and protect the data efficiently</a:t>
+                      </a:r>
+                      <a:endParaRPr lang="en-IN" sz="1600" dirty="0">
+                        <a:latin typeface="Times New Roman" panose="02020603050405020304" pitchFamily="18" charset="0"/>
+                        <a:cs typeface="Times New Roman" panose="02020603050405020304" pitchFamily="18" charset="0"/>
+                      </a:endParaRPr>
+                    </a:p>
+                  </a:txBody>
+                  <a:tcPr/>
+                </a:tc>
+                <a:extLst>
+                  <a:ext uri="{0D108BD9-81ED-4DB2-BD59-A6C34878D82A}">
+                    <a16:rowId xmlns:a16="http://schemas.microsoft.com/office/drawing/2014/main" val="2605545784"/>
+                  </a:ext>
+                </a:extLst>
+              </a:tr>
+            </a:tbl>
+          </a:graphicData>
+        </a:graphic>
+      </p:graphicFrame>
+    </p:spTree>
+    <p:extLst>
+      <p:ext uri="{BB962C8B-B14F-4D97-AF65-F5344CB8AC3E}">
+        <p14:creationId xmlns:p14="http://schemas.microsoft.com/office/powerpoint/2010/main" val="1724017729"/>
+      </p:ext>
+    </p:extLst>
+  </p:cSld>
+  <p:clrMapOvr>
+    <a:masterClrMapping/>
+  </p:clrMapOvr>
+</p:sld>
+</file>
+
+<file path=ppt/slides/slide9.xml><?xml version="1.0" encoding="utf-8"?>
+<p:sld xmlns:a="http://schemas.openxmlformats.org/drawingml/2006/main" xmlns:r="http://schemas.openxmlformats.org/officeDocument/2006/relationships" xmlns:p="http://schemas.openxmlformats.org/presentationml/2006/main">
+  <p:cSld>
+    <p:spTree>
+      <p:nvGrpSpPr>
+        <p:cNvPr id="1" name=""/>
+        <p:cNvGrpSpPr/>
+        <p:nvPr/>
+      </p:nvGrpSpPr>
+      <p:grpSpPr>
+        <a:xfrm>
+          <a:off x="0" y="0"/>
+          <a:ext cx="0" cy="0"/>
+          <a:chOff x="0" y="0"/>
+          <a:chExt cx="0" cy="0"/>
+        </a:xfrm>
+      </p:grpSpPr>
+      <p:sp>
+        <p:nvSpPr>
+          <p:cNvPr id="2" name="Title 1">
+            <a:extLst>
+              <a:ext uri="{FF2B5EF4-FFF2-40B4-BE49-F238E27FC236}">
+                <a16:creationId xmlns:a16="http://schemas.microsoft.com/office/drawing/2014/main" id="{3E238459-02D5-9A08-635C-2FAAE149AFD1}"/>
+              </a:ext>
+            </a:extLst>
+          </p:cNvPr>
+          <p:cNvSpPr>
+            <a:spLocks noGrp="1"/>
+          </p:cNvSpPr>
+          <p:nvPr>
+            <p:ph type="title"/>
+          </p:nvPr>
+        </p:nvSpPr>
+        <p:spPr>
+          <a:xfrm>
+            <a:off x="604520" y="-5080"/>
+            <a:ext cx="10972800" cy="1143000"/>
+          </a:xfrm>
+        </p:spPr>
+        <p:txBody>
+          <a:bodyPr>
+            <a:normAutofit/>
+          </a:bodyPr>
+          <a:lstStyle/>
+          <a:p>
+            <a:r>
+              <a:rPr lang="en-IN" sz="4000" b="1" dirty="0">
+                <a:latin typeface="Times New Roman" pitchFamily="18" charset="0"/>
+                <a:cs typeface="Times New Roman" pitchFamily="18" charset="0"/>
+              </a:rPr>
+              <a:t>Literature Survey</a:t>
+            </a:r>
+            <a:endParaRPr lang="en-IN" sz="4000" dirty="0"/>
+          </a:p>
+        </p:txBody>
+      </p:sp>
+      <p:sp>
+        <p:nvSpPr>
+          <p:cNvPr id="3" name="Slide Number Placeholder 2">
+            <a:extLst>
+              <a:ext uri="{FF2B5EF4-FFF2-40B4-BE49-F238E27FC236}">
+                <a16:creationId xmlns:a16="http://schemas.microsoft.com/office/drawing/2014/main" id="{E04E74EF-74A7-F7CF-8700-D3D99CF988D6}"/>
+              </a:ext>
+            </a:extLst>
+          </p:cNvPr>
+          <p:cNvSpPr>
+            <a:spLocks noGrp="1"/>
+          </p:cNvSpPr>
+          <p:nvPr>
+            <p:ph type="sldNum" sz="quarter" idx="12"/>
+          </p:nvPr>
+        </p:nvSpPr>
+        <p:spPr/>
+        <p:txBody>
+          <a:bodyPr/>
+          <a:lstStyle/>
+          <a:p>
+            <a:fld id="{B6F15528-21DE-4FAA-801E-634DDDAF4B2B}" type="slidenum">
+              <a:rPr lang="en-US" smtClean="0"/>
+              <a:pPr/>
+              <a:t>9</a:t>
+            </a:fld>
+            <a:endParaRPr lang="en-US"/>
+          </a:p>
+        </p:txBody>
+      </p:sp>
+      <p:graphicFrame>
+        <p:nvGraphicFramePr>
+          <p:cNvPr id="4" name="Table 3">
+            <a:extLst>
+              <a:ext uri="{FF2B5EF4-FFF2-40B4-BE49-F238E27FC236}">
+                <a16:creationId xmlns:a16="http://schemas.microsoft.com/office/drawing/2014/main" id="{4694C590-6BF5-C3D6-6515-DCA2D3251473}"/>
+              </a:ext>
+            </a:extLst>
+          </p:cNvPr>
+          <p:cNvGraphicFramePr>
+            <a:graphicFrameLocks noGrp="1"/>
+          </p:cNvGraphicFramePr>
+          <p:nvPr>
+            <p:extLst>
+              <p:ext uri="{D42A27DB-BD31-4B8C-83A1-F6EECF244321}">
+                <p14:modId xmlns:p14="http://schemas.microsoft.com/office/powerpoint/2010/main" val="3799311149"/>
+              </p:ext>
+            </p:extLst>
+          </p:nvPr>
+        </p:nvGraphicFramePr>
+        <p:xfrm>
+          <a:off x="375920" y="1048288"/>
+          <a:ext cx="11430000" cy="5218623"/>
+        </p:xfrm>
+        <a:graphic>
+          <a:graphicData uri="http://schemas.openxmlformats.org/drawingml/2006/table">
+            <a:tbl>
+              <a:tblPr firstRow="1" bandRow="1">
+                <a:tableStyleId>{5C22544A-7EE6-4342-B048-85BDC9FD1C3A}</a:tableStyleId>
+              </a:tblPr>
+              <a:tblGrid>
+                <a:gridCol w="714376">
+                  <a:extLst>
+                    <a:ext uri="{9D8B030D-6E8A-4147-A177-3AD203B41FA5}">
+                      <a16:colId xmlns:a16="http://schemas.microsoft.com/office/drawing/2014/main" val="2790184640"/>
+                    </a:ext>
+                  </a:extLst>
+                </a:gridCol>
+                <a:gridCol w="2486024">
+                  <a:extLst>
+                    <a:ext uri="{9D8B030D-6E8A-4147-A177-3AD203B41FA5}">
+                      <a16:colId xmlns:a16="http://schemas.microsoft.com/office/drawing/2014/main" val="3310341460"/>
+                    </a:ext>
+                  </a:extLst>
+                </a:gridCol>
+                <a:gridCol w="2590800">
+                  <a:extLst>
+                    <a:ext uri="{9D8B030D-6E8A-4147-A177-3AD203B41FA5}">
+                      <a16:colId xmlns:a16="http://schemas.microsoft.com/office/drawing/2014/main" val="2361060220"/>
+                    </a:ext>
+                  </a:extLst>
+                </a:gridCol>
+                <a:gridCol w="2133600">
+                  <a:extLst>
+                    <a:ext uri="{9D8B030D-6E8A-4147-A177-3AD203B41FA5}">
+                      <a16:colId xmlns:a16="http://schemas.microsoft.com/office/drawing/2014/main" val="762996074"/>
+                    </a:ext>
+                  </a:extLst>
+                </a:gridCol>
+                <a:gridCol w="3505200">
+                  <a:extLst>
+                    <a:ext uri="{9D8B030D-6E8A-4147-A177-3AD203B41FA5}">
+                      <a16:colId xmlns:a16="http://schemas.microsoft.com/office/drawing/2014/main" val="1360122599"/>
+                    </a:ext>
+                  </a:extLst>
+                </a:gridCol>
+              </a:tblGrid>
+              <a:tr h="515654">
+                <a:tc>
+                  <a:txBody>
+                    <a:bodyPr/>
+                    <a:lstStyle/>
+                    <a:p>
+                      <a:r>
+                        <a:rPr lang="en-IN" sz="1600" dirty="0">
+                          <a:latin typeface="Times New Roman" panose="02020603050405020304" pitchFamily="18" charset="0"/>
+                          <a:cs typeface="Times New Roman" panose="02020603050405020304" pitchFamily="18" charset="0"/>
+                        </a:rPr>
+                        <a:t>Sr No.</a:t>
+                      </a:r>
+                    </a:p>
+                  </a:txBody>
+                  <a:tcPr/>
+                </a:tc>
+                <a:tc>
+                  <a:txBody>
+                    <a:bodyPr/>
+                    <a:lstStyle/>
+                    <a:p>
+                      <a:r>
+                        <a:rPr lang="en-IN" sz="1600" dirty="0">
+                          <a:latin typeface="Times New Roman" panose="02020603050405020304" pitchFamily="18" charset="0"/>
+                          <a:cs typeface="Times New Roman" panose="02020603050405020304" pitchFamily="18" charset="0"/>
+                        </a:rPr>
+                        <a:t>Review Paper Title</a:t>
+                      </a:r>
+                    </a:p>
+                  </a:txBody>
+                  <a:tcPr/>
+                </a:tc>
+                <a:tc>
+                  <a:txBody>
+                    <a:bodyPr/>
+                    <a:lstStyle/>
+                    <a:p>
+                      <a:r>
+                        <a:rPr lang="en-IN" sz="1600" dirty="0">
+                          <a:latin typeface="Times New Roman" panose="02020603050405020304" pitchFamily="18" charset="0"/>
+                          <a:cs typeface="Times New Roman" panose="02020603050405020304" pitchFamily="18" charset="0"/>
+                        </a:rPr>
+                        <a:t>Authors</a:t>
+                      </a:r>
+                    </a:p>
+                  </a:txBody>
+                  <a:tcPr/>
+                </a:tc>
+                <a:tc>
+                  <a:txBody>
+                    <a:bodyPr/>
+                    <a:lstStyle/>
+                    <a:p>
+                      <a:r>
+                        <a:rPr lang="en-IN" sz="1600" dirty="0">
+                          <a:latin typeface="Times New Roman" panose="02020603050405020304" pitchFamily="18" charset="0"/>
+                          <a:cs typeface="Times New Roman" panose="02020603050405020304" pitchFamily="18" charset="0"/>
+                        </a:rPr>
+                        <a:t>Technologies Used</a:t>
+                      </a:r>
+                    </a:p>
+                  </a:txBody>
+                  <a:tcPr/>
+                </a:tc>
+                <a:tc>
+                  <a:txBody>
+                    <a:bodyPr/>
+                    <a:lstStyle/>
+                    <a:p>
+                      <a:r>
+                        <a:rPr lang="en-IN" sz="1600" dirty="0">
+                          <a:latin typeface="Times New Roman" panose="02020603050405020304" pitchFamily="18" charset="0"/>
+                          <a:cs typeface="Times New Roman" panose="02020603050405020304" pitchFamily="18" charset="0"/>
+                        </a:rPr>
+                        <a:t>Drawbacks</a:t>
+                      </a:r>
+                    </a:p>
+                  </a:txBody>
+                  <a:tcPr/>
+                </a:tc>
+                <a:extLst>
+                  <a:ext uri="{0D108BD9-81ED-4DB2-BD59-A6C34878D82A}">
+                    <a16:rowId xmlns:a16="http://schemas.microsoft.com/office/drawing/2014/main" val="2606057097"/>
+                  </a:ext>
+                </a:extLst>
+              </a:tr>
+              <a:tr h="842514">
+                <a:tc>
+                  <a:txBody>
+                    <a:bodyPr/>
+                    <a:lstStyle/>
+                    <a:p>
+                      <a:r>
+                        <a:rPr lang="en-IN" sz="1600" dirty="0">
+                          <a:latin typeface="Times New Roman" panose="02020603050405020304" pitchFamily="18" charset="0"/>
+                          <a:cs typeface="Times New Roman" panose="02020603050405020304" pitchFamily="18" charset="0"/>
+                        </a:rPr>
+                        <a:t>9</a:t>
+                      </a:r>
+                    </a:p>
+                  </a:txBody>
+                  <a:tcPr/>
+                </a:tc>
+                <a:tc>
+                  <a:txBody>
+                    <a:bodyPr/>
+                    <a:lstStyle/>
+                    <a:p>
+                      <a:pPr marL="0" marR="0" lvl="0" indent="0" algn="l" defTabSz="914400" rtl="0" eaLnBrk="1" fontAlgn="auto" latinLnBrk="0" hangingPunct="1">
+                        <a:lnSpc>
+                          <a:spcPct val="100000"/>
+                        </a:lnSpc>
+                        <a:spcBef>
+                          <a:spcPts val="0"/>
+                        </a:spcBef>
+                        <a:spcAft>
+                          <a:spcPts val="0"/>
+                        </a:spcAft>
+                        <a:buClrTx/>
+                        <a:buSzTx/>
+                        <a:buFontTx/>
+                        <a:buNone/>
+                        <a:tabLst/>
+                        <a:defRPr/>
+                      </a:pPr>
+                      <a:r>
+                        <a:rPr lang="en-US" sz="1600" dirty="0"/>
+                        <a:t>Development of Web Application to Automate Training &amp; Placement Process</a:t>
+                      </a:r>
+                      <a:r>
+                        <a:rPr lang="en-IN" sz="1600" dirty="0">
+                          <a:latin typeface="+mn-lt"/>
+                          <a:cs typeface="+mn-cs"/>
+                        </a:rPr>
+                        <a:t> </a:t>
+                      </a:r>
+                      <a:r>
+                        <a:rPr lang="en-US" sz="1600" dirty="0">
+                          <a:latin typeface="Times New Roman" panose="02020603050405020304" pitchFamily="18" charset="0"/>
+                          <a:cs typeface="Times New Roman" panose="02020603050405020304" pitchFamily="18" charset="0"/>
+                        </a:rPr>
+                        <a:t>(2023)</a:t>
+                      </a:r>
+                      <a:endParaRPr lang="en-IN" sz="1600" dirty="0">
+                        <a:latin typeface="Times New Roman" panose="02020603050405020304" pitchFamily="18" charset="0"/>
+                        <a:cs typeface="Times New Roman" panose="02020603050405020304" pitchFamily="18" charset="0"/>
+                      </a:endParaRPr>
+                    </a:p>
+                    <a:p>
+                      <a:endParaRPr lang="en-IN" sz="1600" dirty="0">
+                        <a:latin typeface="Times New Roman" panose="02020603050405020304" pitchFamily="18" charset="0"/>
+                        <a:cs typeface="Times New Roman" panose="02020603050405020304" pitchFamily="18" charset="0"/>
+                      </a:endParaRPr>
+                    </a:p>
+                  </a:txBody>
+                  <a:tcPr/>
+                </a:tc>
+                <a:tc>
+                  <a:txBody>
+                    <a:bodyPr/>
+                    <a:lstStyle/>
+                    <a:p>
+                      <a:pPr marL="0" marR="0" lvl="0" indent="0" algn="l" defTabSz="914400" rtl="0" eaLnBrk="1" fontAlgn="auto" latinLnBrk="0" hangingPunct="1">
+                        <a:lnSpc>
+                          <a:spcPct val="100000"/>
+                        </a:lnSpc>
+                        <a:spcBef>
+                          <a:spcPts val="0"/>
+                        </a:spcBef>
+                        <a:spcAft>
+                          <a:spcPts val="0"/>
+                        </a:spcAft>
+                        <a:buClrTx/>
+                        <a:buSzTx/>
+                        <a:buFontTx/>
+                        <a:buNone/>
+                        <a:tabLst/>
+                        <a:defRPr/>
+                      </a:pPr>
+                      <a:r>
+                        <a:rPr lang="en-IN" sz="1600" dirty="0"/>
+                        <a:t>Ashish Nanotkar, Nikita Jamgade, Prayas Tiwari, Siddhesh Ninawe, Prayash Bhoyar, Rahul Yadav </a:t>
+                      </a:r>
+                    </a:p>
+                    <a:p>
+                      <a:endParaRPr lang="en-IN" sz="1600" dirty="0">
+                        <a:latin typeface="Times New Roman" panose="02020603050405020304" pitchFamily="18" charset="0"/>
+                        <a:cs typeface="Times New Roman" panose="02020603050405020304" pitchFamily="18" charset="0"/>
+                      </a:endParaRPr>
+                    </a:p>
+                  </a:txBody>
+                  <a:tcPr/>
+                </a:tc>
+                <a:tc>
+                  <a:txBody>
+                    <a:bodyPr/>
+                    <a:lstStyle/>
+                    <a:p>
+                      <a:pPr marL="0" marR="0" lvl="0" indent="0" algn="l" defTabSz="914400" rtl="0" eaLnBrk="1" fontAlgn="auto" latinLnBrk="0" hangingPunct="1">
+                        <a:lnSpc>
+                          <a:spcPct val="100000"/>
+                        </a:lnSpc>
+                        <a:spcBef>
+                          <a:spcPts val="0"/>
+                        </a:spcBef>
+                        <a:spcAft>
+                          <a:spcPts val="0"/>
+                        </a:spcAft>
+                        <a:buClrTx/>
+                        <a:buSzTx/>
+                        <a:buFontTx/>
+                        <a:buNone/>
+                        <a:tabLst/>
+                        <a:defRPr/>
+                      </a:pPr>
+                      <a:r>
+                        <a:rPr lang="en-IN" sz="1400" b="1" dirty="0"/>
+                        <a:t>Operating System:</a:t>
+                      </a:r>
+                      <a:r>
+                        <a:rPr lang="en-IN" sz="1400" dirty="0"/>
+                        <a:t> Windows 10</a:t>
+                      </a:r>
+                      <a:r>
+                        <a:rPr lang="en-IN" sz="1400" b="1" dirty="0"/>
+                        <a:t>IDE:</a:t>
+                      </a:r>
+                      <a:r>
+                        <a:rPr lang="en-IN" sz="1400" dirty="0"/>
+                        <a:t> Visual Studio </a:t>
+                      </a:r>
+                      <a:r>
+                        <a:rPr lang="en-IN" sz="1400" dirty="0" err="1"/>
+                        <a:t>Code</a:t>
+                      </a:r>
+                      <a:r>
+                        <a:rPr lang="en-IN" sz="1400" b="1" dirty="0" err="1"/>
+                        <a:t>Languages</a:t>
+                      </a:r>
+                      <a:r>
+                        <a:rPr lang="en-IN" sz="1400" b="1" dirty="0"/>
+                        <a:t> and Frameworks:</a:t>
+                      </a:r>
+                      <a:r>
+                        <a:rPr lang="en-IN" sz="1400" dirty="0"/>
+                        <a:t> Next.js, Tailwind CSS, Node.js, </a:t>
+                      </a:r>
+                      <a:r>
+                        <a:rPr lang="en-IN" sz="1400" dirty="0" err="1"/>
+                        <a:t>TypeScript</a:t>
+                      </a:r>
+                      <a:r>
+                        <a:rPr lang="en-IN" sz="1400" b="1" dirty="0" err="1"/>
+                        <a:t>Database</a:t>
+                      </a:r>
+                      <a:r>
+                        <a:rPr lang="en-IN" sz="1400" b="1" dirty="0"/>
+                        <a:t> and Storage:</a:t>
+                      </a:r>
+                      <a:r>
+                        <a:rPr lang="en-IN" sz="1400" dirty="0"/>
+                        <a:t> MySQL, Prisma, Blob </a:t>
+                      </a:r>
+                      <a:r>
+                        <a:rPr lang="en-IN" sz="1400" dirty="0" err="1"/>
+                        <a:t>Storage</a:t>
+                      </a:r>
+                      <a:r>
+                        <a:rPr lang="en-IN" sz="1400" b="1" dirty="0" err="1"/>
+                        <a:t>Designing</a:t>
+                      </a:r>
+                      <a:r>
+                        <a:rPr lang="en-IN" sz="1400" b="1" dirty="0"/>
+                        <a:t> Tool:</a:t>
+                      </a:r>
+                      <a:r>
+                        <a:rPr lang="en-IN" sz="1400" dirty="0"/>
+                        <a:t> Draw.io</a:t>
+                      </a:r>
+                    </a:p>
+                    <a:p>
+                      <a:endParaRPr lang="en-IN" sz="1600" dirty="0">
+                        <a:latin typeface="Times New Roman" panose="02020603050405020304" pitchFamily="18" charset="0"/>
+                        <a:cs typeface="Times New Roman" panose="02020603050405020304" pitchFamily="18" charset="0"/>
+                      </a:endParaRPr>
+                    </a:p>
+                  </a:txBody>
+                  <a:tcPr/>
+                </a:tc>
+                <a:tc>
+                  <a:txBody>
+                    <a:bodyPr/>
+                    <a:lstStyle/>
+                    <a:p>
+                      <a:r>
+                        <a:rPr lang="en-US" sz="1600" dirty="0"/>
+                        <a:t>potential data entry errors despite attempts to minimize them, a lack of formal training requirements which might lead to misuse, and the need for continual updates and maintenance to ensure reliability and security</a:t>
+                      </a:r>
+                      <a:endParaRPr lang="en-IN" sz="1600" dirty="0">
+                        <a:latin typeface="Times New Roman" panose="02020603050405020304" pitchFamily="18" charset="0"/>
+                        <a:cs typeface="Times New Roman" panose="02020603050405020304" pitchFamily="18" charset="0"/>
+                      </a:endParaRPr>
+                    </a:p>
+                  </a:txBody>
+                  <a:tcPr/>
+                </a:tc>
+                <a:extLst>
+                  <a:ext uri="{0D108BD9-81ED-4DB2-BD59-A6C34878D82A}">
+                    <a16:rowId xmlns:a16="http://schemas.microsoft.com/office/drawing/2014/main" val="315633422"/>
+                  </a:ext>
+                </a:extLst>
+              </a:tr>
+              <a:tr h="2383983">
+                <a:tc>
+                  <a:txBody>
+                    <a:bodyPr/>
+                    <a:lstStyle/>
+                    <a:p>
+                      <a:r>
+                        <a:rPr lang="en-IN" sz="1600" dirty="0">
+                          <a:latin typeface="Times New Roman" panose="02020603050405020304" pitchFamily="18" charset="0"/>
+                          <a:cs typeface="Times New Roman" panose="02020603050405020304" pitchFamily="18" charset="0"/>
+                        </a:rPr>
+                        <a:t>10</a:t>
+                      </a:r>
+                    </a:p>
+                  </a:txBody>
+                  <a:tcPr/>
+                </a:tc>
+                <a:tc>
+                  <a:txBody>
+                    <a:bodyPr/>
+                    <a:lstStyle/>
+                    <a:p>
+                      <a:pPr marL="0" marR="0" lvl="0" indent="0" algn="l" defTabSz="914400" rtl="0" eaLnBrk="1" fontAlgn="auto" latinLnBrk="0" hangingPunct="1">
+                        <a:lnSpc>
+                          <a:spcPct val="100000"/>
+                        </a:lnSpc>
+                        <a:spcBef>
+                          <a:spcPts val="0"/>
+                        </a:spcBef>
+                        <a:spcAft>
+                          <a:spcPts val="0"/>
+                        </a:spcAft>
+                        <a:buClrTx/>
+                        <a:buSzTx/>
+                        <a:buFontTx/>
+                        <a:buNone/>
+                        <a:tabLst/>
+                        <a:defRPr/>
+                      </a:pPr>
+                      <a:r>
+                        <a:rPr lang="en-IN" sz="1600" dirty="0"/>
+                        <a:t>Placement Management System </a:t>
+                      </a:r>
+                    </a:p>
+                    <a:p>
+                      <a:pPr marL="0" marR="0" lvl="0" indent="0" algn="l" defTabSz="914400" rtl="0" eaLnBrk="1" fontAlgn="auto" latinLnBrk="0" hangingPunct="1">
+                        <a:lnSpc>
+                          <a:spcPct val="100000"/>
+                        </a:lnSpc>
+                        <a:spcBef>
+                          <a:spcPts val="0"/>
+                        </a:spcBef>
+                        <a:spcAft>
+                          <a:spcPts val="0"/>
+                        </a:spcAft>
+                        <a:buClrTx/>
+                        <a:buSzTx/>
+                        <a:buFontTx/>
+                        <a:buNone/>
+                        <a:tabLst/>
+                        <a:defRPr/>
+                      </a:pPr>
+                      <a:r>
+                        <a:rPr lang="en-US" sz="1600" dirty="0"/>
+                        <a:t>(2022)</a:t>
+                      </a:r>
+                      <a:endParaRPr lang="en-IN" sz="1600" dirty="0"/>
+                    </a:p>
+                    <a:p>
+                      <a:endParaRPr lang="en-IN" sz="1600" dirty="0">
+                        <a:latin typeface="Times New Roman" panose="02020603050405020304" pitchFamily="18" charset="0"/>
+                        <a:cs typeface="Times New Roman" panose="02020603050405020304" pitchFamily="18" charset="0"/>
+                      </a:endParaRPr>
+                    </a:p>
+                  </a:txBody>
+                  <a:tcPr/>
+                </a:tc>
+                <a:tc>
+                  <a:txBody>
+                    <a:bodyPr/>
+                    <a:lstStyle/>
+                    <a:p>
+                      <a:r>
+                        <a:rPr lang="en-IN" sz="1600" dirty="0"/>
+                        <a:t>Twinkle Panchal, Mayuresh Wadke, Prof. Aishwarya Sedamkar</a:t>
+                      </a:r>
+                      <a:endParaRPr lang="en-IN" sz="1600" dirty="0">
+                        <a:latin typeface="Times New Roman" panose="02020603050405020304" pitchFamily="18" charset="0"/>
+                        <a:cs typeface="Times New Roman" panose="02020603050405020304" pitchFamily="18" charset="0"/>
+                      </a:endParaRPr>
+                    </a:p>
+                  </a:txBody>
+                  <a:tcPr/>
+                </a:tc>
+                <a:tc>
+                  <a:txBody>
+                    <a:bodyPr/>
+                    <a:lstStyle/>
+                    <a:p>
+                      <a:r>
+                        <a:rPr lang="en-US" sz="1600" dirty="0">
+                          <a:latin typeface="Times New Roman" panose="02020603050405020304" pitchFamily="18" charset="0"/>
+                          <a:cs typeface="Times New Roman" panose="02020603050405020304" pitchFamily="18" charset="0"/>
+                        </a:rPr>
+                        <a:t>Frontend: HTML, CSS, JavaScript</a:t>
+                      </a:r>
+                    </a:p>
+                    <a:p>
+                      <a:r>
+                        <a:rPr lang="en-US" sz="1600" dirty="0">
+                          <a:latin typeface="Times New Roman" panose="02020603050405020304" pitchFamily="18" charset="0"/>
+                          <a:cs typeface="Times New Roman" panose="02020603050405020304" pitchFamily="18" charset="0"/>
+                        </a:rPr>
+                        <a:t>Backend: PHP, MySQL</a:t>
+                      </a:r>
+                    </a:p>
+                    <a:p>
+                      <a:r>
+                        <a:rPr lang="en-US" sz="1600" dirty="0">
+                          <a:latin typeface="Times New Roman" panose="02020603050405020304" pitchFamily="18" charset="0"/>
+                          <a:cs typeface="Times New Roman" panose="02020603050405020304" pitchFamily="18" charset="0"/>
+                        </a:rPr>
+                        <a:t>Mobile Access: Android</a:t>
+                      </a:r>
+                    </a:p>
+                    <a:p>
+                      <a:r>
+                        <a:rPr lang="en-US" sz="1600" dirty="0">
+                          <a:latin typeface="Times New Roman" panose="02020603050405020304" pitchFamily="18" charset="0"/>
+                          <a:cs typeface="Times New Roman" panose="02020603050405020304" pitchFamily="18" charset="0"/>
+                        </a:rPr>
+                        <a:t>Servers: Database server, Web server</a:t>
+                      </a:r>
+                      <a:endParaRPr lang="en-IN" sz="1600" dirty="0">
+                        <a:latin typeface="Times New Roman" panose="02020603050405020304" pitchFamily="18" charset="0"/>
+                        <a:cs typeface="Times New Roman" panose="02020603050405020304" pitchFamily="18" charset="0"/>
+                      </a:endParaRPr>
+                    </a:p>
+                  </a:txBody>
+                  <a:tcPr/>
+                </a:tc>
+                <a:tc>
+                  <a:txBody>
+                    <a:bodyPr/>
+                    <a:lstStyle/>
+                    <a:p>
+                      <a:r>
+                        <a:rPr lang="en-US" sz="1600" dirty="0"/>
+                        <a:t> connectivity issues during development, limited scope of automation, reliance on manual input, and lack of advanced features like data analytics for placement trends and predictive insights. Additionally, maintaining up-to-date and accurate student and company data can be challenging</a:t>
+                      </a:r>
+                      <a:endParaRPr lang="en-IN" sz="1600" dirty="0">
+                        <a:latin typeface="Times New Roman" panose="02020603050405020304" pitchFamily="18" charset="0"/>
+                        <a:cs typeface="Times New Roman" panose="02020603050405020304" pitchFamily="18" charset="0"/>
+                      </a:endParaRPr>
+                    </a:p>
+                  </a:txBody>
+                  <a:tcPr/>
+                </a:tc>
+                <a:extLst>
+                  <a:ext uri="{0D108BD9-81ED-4DB2-BD59-A6C34878D82A}">
+                    <a16:rowId xmlns:a16="http://schemas.microsoft.com/office/drawing/2014/main" val="3118060117"/>
+                  </a:ext>
+                </a:extLst>
+              </a:tr>
+            </a:tbl>
+          </a:graphicData>
+        </a:graphic>
+      </p:graphicFrame>
+    </p:spTree>
+    <p:extLst>
+      <p:ext uri="{BB962C8B-B14F-4D97-AF65-F5344CB8AC3E}">
+        <p14:creationId xmlns:p14="http://schemas.microsoft.com/office/powerpoint/2010/main" val="1279655059"/>
+      </p:ext>
+    </p:extLst>
+  </p:cSld>
+  <p:clrMapOvr>
+    <a:masterClrMapping/>
+  </p:clrMapOvr>
 </p:sld>
 </file>
 
